--- a/presentation.pptx
+++ b/presentation.pptx
@@ -13,35 +13,34 @@
     <p:sldId id="259" r:id="rId7"/>
     <p:sldId id="260" r:id="rId8"/>
     <p:sldId id="261" r:id="rId9"/>
-    <p:sldId id="285" r:id="rId10"/>
-    <p:sldId id="262" r:id="rId11"/>
-    <p:sldId id="289" r:id="rId12"/>
-    <p:sldId id="263" r:id="rId13"/>
-    <p:sldId id="292" r:id="rId14"/>
-    <p:sldId id="291" r:id="rId15"/>
-    <p:sldId id="265" r:id="rId16"/>
-    <p:sldId id="264" r:id="rId17"/>
-    <p:sldId id="294" r:id="rId18"/>
-    <p:sldId id="266" r:id="rId19"/>
-    <p:sldId id="267" r:id="rId20"/>
-    <p:sldId id="268" r:id="rId21"/>
-    <p:sldId id="269" r:id="rId22"/>
-    <p:sldId id="270" r:id="rId23"/>
-    <p:sldId id="273" r:id="rId24"/>
-    <p:sldId id="272" r:id="rId25"/>
-    <p:sldId id="271" r:id="rId26"/>
-    <p:sldId id="293" r:id="rId27"/>
-    <p:sldId id="274" r:id="rId28"/>
-    <p:sldId id="275" r:id="rId29"/>
-    <p:sldId id="276" r:id="rId30"/>
-    <p:sldId id="278" r:id="rId31"/>
-    <p:sldId id="279" r:id="rId32"/>
-    <p:sldId id="280" r:id="rId33"/>
-    <p:sldId id="281" r:id="rId34"/>
-    <p:sldId id="282" r:id="rId35"/>
-    <p:sldId id="283" r:id="rId36"/>
-    <p:sldId id="284" r:id="rId37"/>
-    <p:sldId id="277" r:id="rId38"/>
+    <p:sldId id="262" r:id="rId10"/>
+    <p:sldId id="289" r:id="rId11"/>
+    <p:sldId id="263" r:id="rId12"/>
+    <p:sldId id="292" r:id="rId13"/>
+    <p:sldId id="291" r:id="rId14"/>
+    <p:sldId id="265" r:id="rId15"/>
+    <p:sldId id="264" r:id="rId16"/>
+    <p:sldId id="294" r:id="rId17"/>
+    <p:sldId id="266" r:id="rId18"/>
+    <p:sldId id="267" r:id="rId19"/>
+    <p:sldId id="268" r:id="rId20"/>
+    <p:sldId id="269" r:id="rId21"/>
+    <p:sldId id="270" r:id="rId22"/>
+    <p:sldId id="273" r:id="rId23"/>
+    <p:sldId id="272" r:id="rId24"/>
+    <p:sldId id="271" r:id="rId25"/>
+    <p:sldId id="293" r:id="rId26"/>
+    <p:sldId id="274" r:id="rId27"/>
+    <p:sldId id="275" r:id="rId28"/>
+    <p:sldId id="276" r:id="rId29"/>
+    <p:sldId id="278" r:id="rId30"/>
+    <p:sldId id="279" r:id="rId31"/>
+    <p:sldId id="280" r:id="rId32"/>
+    <p:sldId id="281" r:id="rId33"/>
+    <p:sldId id="282" r:id="rId34"/>
+    <p:sldId id="283" r:id="rId35"/>
+    <p:sldId id="284" r:id="rId36"/>
+    <p:sldId id="277" r:id="rId37"/>
   </p:sldIdLst>
   <p:sldSz cx="12192000" cy="6858000"/>
   <p:notesSz cx="6858000" cy="9144000"/>
@@ -295,7 +294,7 @@
           <a:p>
             <a:fld id="{4477E2BF-D3AA-4C43-9304-B3731588355D}" type="datetimeFigureOut">
               <a:rPr lang="ko-KR" altLang="en-US" smtClean="0"/>
-              <a:t>2025-12-11</a:t>
+              <a:t>2025-12-12</a:t>
             </a:fld>
             <a:endParaRPr lang="ko-KR" altLang="en-US"/>
           </a:p>
@@ -493,7 +492,7 @@
           <a:p>
             <a:fld id="{4477E2BF-D3AA-4C43-9304-B3731588355D}" type="datetimeFigureOut">
               <a:rPr lang="ko-KR" altLang="en-US" smtClean="0"/>
-              <a:t>2025-12-11</a:t>
+              <a:t>2025-12-12</a:t>
             </a:fld>
             <a:endParaRPr lang="ko-KR" altLang="en-US"/>
           </a:p>
@@ -701,7 +700,7 @@
           <a:p>
             <a:fld id="{4477E2BF-D3AA-4C43-9304-B3731588355D}" type="datetimeFigureOut">
               <a:rPr lang="ko-KR" altLang="en-US" smtClean="0"/>
-              <a:t>2025-12-11</a:t>
+              <a:t>2025-12-12</a:t>
             </a:fld>
             <a:endParaRPr lang="ko-KR" altLang="en-US"/>
           </a:p>
@@ -899,7 +898,7 @@
           <a:p>
             <a:fld id="{4477E2BF-D3AA-4C43-9304-B3731588355D}" type="datetimeFigureOut">
               <a:rPr lang="ko-KR" altLang="en-US" smtClean="0"/>
-              <a:t>2025-12-11</a:t>
+              <a:t>2025-12-12</a:t>
             </a:fld>
             <a:endParaRPr lang="ko-KR" altLang="en-US"/>
           </a:p>
@@ -1174,7 +1173,7 @@
           <a:p>
             <a:fld id="{4477E2BF-D3AA-4C43-9304-B3731588355D}" type="datetimeFigureOut">
               <a:rPr lang="ko-KR" altLang="en-US" smtClean="0"/>
-              <a:t>2025-12-11</a:t>
+              <a:t>2025-12-12</a:t>
             </a:fld>
             <a:endParaRPr lang="ko-KR" altLang="en-US"/>
           </a:p>
@@ -1439,7 +1438,7 @@
           <a:p>
             <a:fld id="{4477E2BF-D3AA-4C43-9304-B3731588355D}" type="datetimeFigureOut">
               <a:rPr lang="ko-KR" altLang="en-US" smtClean="0"/>
-              <a:t>2025-12-11</a:t>
+              <a:t>2025-12-12</a:t>
             </a:fld>
             <a:endParaRPr lang="ko-KR" altLang="en-US"/>
           </a:p>
@@ -1851,7 +1850,7 @@
           <a:p>
             <a:fld id="{4477E2BF-D3AA-4C43-9304-B3731588355D}" type="datetimeFigureOut">
               <a:rPr lang="ko-KR" altLang="en-US" smtClean="0"/>
-              <a:t>2025-12-11</a:t>
+              <a:t>2025-12-12</a:t>
             </a:fld>
             <a:endParaRPr lang="ko-KR" altLang="en-US"/>
           </a:p>
@@ -1992,7 +1991,7 @@
           <a:p>
             <a:fld id="{4477E2BF-D3AA-4C43-9304-B3731588355D}" type="datetimeFigureOut">
               <a:rPr lang="ko-KR" altLang="en-US" smtClean="0"/>
-              <a:t>2025-12-11</a:t>
+              <a:t>2025-12-12</a:t>
             </a:fld>
             <a:endParaRPr lang="ko-KR" altLang="en-US"/>
           </a:p>
@@ -2105,7 +2104,7 @@
           <a:p>
             <a:fld id="{4477E2BF-D3AA-4C43-9304-B3731588355D}" type="datetimeFigureOut">
               <a:rPr lang="ko-KR" altLang="en-US" smtClean="0"/>
-              <a:t>2025-12-11</a:t>
+              <a:t>2025-12-12</a:t>
             </a:fld>
             <a:endParaRPr lang="ko-KR" altLang="en-US"/>
           </a:p>
@@ -2416,7 +2415,7 @@
           <a:p>
             <a:fld id="{4477E2BF-D3AA-4C43-9304-B3731588355D}" type="datetimeFigureOut">
               <a:rPr lang="ko-KR" altLang="en-US" smtClean="0"/>
-              <a:t>2025-12-11</a:t>
+              <a:t>2025-12-12</a:t>
             </a:fld>
             <a:endParaRPr lang="ko-KR" altLang="en-US"/>
           </a:p>
@@ -2704,7 +2703,7 @@
           <a:p>
             <a:fld id="{4477E2BF-D3AA-4C43-9304-B3731588355D}" type="datetimeFigureOut">
               <a:rPr lang="ko-KR" altLang="en-US" smtClean="0"/>
-              <a:t>2025-12-11</a:t>
+              <a:t>2025-12-12</a:t>
             </a:fld>
             <a:endParaRPr lang="ko-KR" altLang="en-US"/>
           </a:p>
@@ -2945,7 +2944,7 @@
           <a:p>
             <a:fld id="{4477E2BF-D3AA-4C43-9304-B3731588355D}" type="datetimeFigureOut">
               <a:rPr lang="ko-KR" altLang="en-US" smtClean="0"/>
-              <a:t>2025-12-11</a:t>
+              <a:t>2025-12-12</a:t>
             </a:fld>
             <a:endParaRPr lang="ko-KR" altLang="en-US"/>
           </a:p>
@@ -3457,782 +3456,8 @@
           <a:chExt cx="0" cy="0"/>
         </a:xfrm>
       </p:grpSpPr>
-      <p:pic>
-        <p:nvPicPr>
-          <p:cNvPr id="2" name="그림 1" descr="텍스트, 그래프, 라인, 도표이(가) 표시된 사진&#10;&#10;AI 생성 콘텐츠는 정확하지 않을 수 있습니다.">
-            <a:extLst>
-              <a:ext uri="{FF2B5EF4-FFF2-40B4-BE49-F238E27FC236}">
-                <a16:creationId xmlns:a16="http://schemas.microsoft.com/office/drawing/2014/main" id="{B4DDCAA1-FA10-14D3-2C1A-8AE1C478B14A}"/>
-              </a:ext>
-            </a:extLst>
-          </p:cNvPr>
-          <p:cNvPicPr>
-            <a:picLocks noChangeAspect="1"/>
-          </p:cNvPicPr>
-          <p:nvPr/>
-        </p:nvPicPr>
-        <p:blipFill>
-          <a:blip r:embed="rId2"/>
-          <a:stretch>
-            <a:fillRect/>
-          </a:stretch>
-        </p:blipFill>
-        <p:spPr>
-          <a:xfrm>
-            <a:off x="1895444" y="801787"/>
-            <a:ext cx="8401111" cy="5495965"/>
-          </a:xfrm>
-          <a:prstGeom prst="rect">
-            <a:avLst/>
-          </a:prstGeom>
-        </p:spPr>
-      </p:pic>
-      <p:cxnSp>
-        <p:nvCxnSpPr>
-          <p:cNvPr id="5" name="직선 화살표 연결선 4">
-            <a:extLst>
-              <a:ext uri="{FF2B5EF4-FFF2-40B4-BE49-F238E27FC236}">
-                <a16:creationId xmlns:a16="http://schemas.microsoft.com/office/drawing/2014/main" id="{8D12206E-BF0C-50DB-08F3-EF15A76F26AF}"/>
-              </a:ext>
-            </a:extLst>
-          </p:cNvPr>
-          <p:cNvCxnSpPr>
-            <a:cxnSpLocks/>
-          </p:cNvCxnSpPr>
-          <p:nvPr/>
-        </p:nvCxnSpPr>
-        <p:spPr>
-          <a:xfrm>
-            <a:off x="5773947" y="3163019"/>
-            <a:ext cx="1052423" cy="0"/>
-          </a:xfrm>
-          <a:prstGeom prst="straightConnector1">
-            <a:avLst/>
-          </a:prstGeom>
-          <a:ln w="76200">
-            <a:solidFill>
-              <a:schemeClr val="accent2"/>
-            </a:solidFill>
-            <a:headEnd type="triangle"/>
-            <a:tailEnd type="triangle"/>
-          </a:ln>
-        </p:spPr>
-        <p:style>
-          <a:lnRef idx="2">
-            <a:schemeClr val="accent1"/>
-          </a:lnRef>
-          <a:fillRef idx="0">
-            <a:schemeClr val="accent1"/>
-          </a:fillRef>
-          <a:effectRef idx="1">
-            <a:schemeClr val="accent1"/>
-          </a:effectRef>
-          <a:fontRef idx="minor">
-            <a:schemeClr val="tx1"/>
-          </a:fontRef>
-        </p:style>
-      </p:cxnSp>
-      <mc:AlternateContent xmlns:mc="http://schemas.openxmlformats.org/markup-compatibility/2006">
-        <mc:Choice xmlns:a14="http://schemas.microsoft.com/office/drawing/2010/main" Requires="a14">
-          <p:sp>
-            <p:nvSpPr>
-              <p:cNvPr id="8" name="TextBox 7">
-                <a:extLst>
-                  <a:ext uri="{FF2B5EF4-FFF2-40B4-BE49-F238E27FC236}">
-                    <a16:creationId xmlns:a16="http://schemas.microsoft.com/office/drawing/2014/main" id="{67FADD3D-62BE-3E1F-B79D-E90D946789CF}"/>
-                  </a:ext>
-                </a:extLst>
-              </p:cNvPr>
-              <p:cNvSpPr txBox="1"/>
-              <p:nvPr/>
-            </p:nvSpPr>
-            <p:spPr>
-              <a:xfrm>
-                <a:off x="5934973" y="3269409"/>
-                <a:ext cx="1564257" cy="483081"/>
-              </a:xfrm>
-              <a:prstGeom prst="rect">
-                <a:avLst/>
-              </a:prstGeom>
-              <a:noFill/>
-            </p:spPr>
-            <p:txBody>
-              <a:bodyPr wrap="square">
-                <a:spAutoFit/>
-              </a:bodyPr>
-              <a:lstStyle/>
-              <a:p>
-                <a:pPr/>
-                <a14:m>
-                  <m:oMath xmlns:m="http://schemas.openxmlformats.org/officeDocument/2006/math">
-                    <m:rad>
-                      <m:radPr>
-                        <m:degHide m:val="on"/>
-                        <m:ctrlPr>
-                          <a:rPr lang="en-US" altLang="ko-KR" sz="2400" b="1" i="1" smtClean="0">
-                            <a:latin typeface="Cambria Math" panose="02040503050406030204" pitchFamily="18" charset="0"/>
-                          </a:rPr>
-                        </m:ctrlPr>
-                      </m:radPr>
-                      <m:deg/>
-                      <m:e>
-                        <m:r>
-                          <a:rPr lang="en-US" altLang="ko-KR" sz="2400" b="1" i="1" smtClean="0">
-                            <a:latin typeface="Cambria Math" panose="02040503050406030204" pitchFamily="18" charset="0"/>
-                          </a:rPr>
-                          <m:t>𝒕</m:t>
-                        </m:r>
-                      </m:e>
-                    </m:rad>
-                  </m:oMath>
-                </a14:m>
-                <a:r>
-                  <a:rPr lang="ko-KR" altLang="en-US" sz="2400" b="1"/>
-                  <a:t>에 비례</a:t>
-                </a:r>
-              </a:p>
-            </p:txBody>
-          </p:sp>
-        </mc:Choice>
-        <mc:Fallback>
-          <p:sp>
-            <p:nvSpPr>
-              <p:cNvPr id="8" name="TextBox 7">
-                <a:extLst>
-                  <a:ext uri="{FF2B5EF4-FFF2-40B4-BE49-F238E27FC236}">
-                    <a16:creationId xmlns:a16="http://schemas.microsoft.com/office/drawing/2014/main" id="{67FADD3D-62BE-3E1F-B79D-E90D946789CF}"/>
-                  </a:ext>
-                </a:extLst>
-              </p:cNvPr>
-              <p:cNvSpPr txBox="1">
-                <a:spLocks noRot="1" noChangeAspect="1" noMove="1" noResize="1" noEditPoints="1" noAdjustHandles="1" noChangeArrowheads="1" noChangeShapeType="1" noTextEdit="1"/>
-              </p:cNvSpPr>
-              <p:nvPr/>
-            </p:nvSpPr>
-            <p:spPr>
-              <a:xfrm>
-                <a:off x="5934973" y="3269409"/>
-                <a:ext cx="1564257" cy="483081"/>
-              </a:xfrm>
-              <a:prstGeom prst="rect">
-                <a:avLst/>
-              </a:prstGeom>
-              <a:blipFill>
-                <a:blip r:embed="rId3"/>
-                <a:stretch>
-                  <a:fillRect t="-5000" r="-4297" b="-27500"/>
-                </a:stretch>
-              </a:blipFill>
-            </p:spPr>
-            <p:txBody>
-              <a:bodyPr/>
-              <a:lstStyle/>
-              <a:p>
-                <a:r>
-                  <a:rPr lang="ko-KR" altLang="en-US">
-                    <a:noFill/>
-                  </a:rPr>
-                  <a:t> </a:t>
-                </a:r>
-              </a:p>
-            </p:txBody>
-          </p:sp>
-        </mc:Fallback>
-      </mc:AlternateContent>
-      <p:cxnSp>
-        <p:nvCxnSpPr>
-          <p:cNvPr id="10" name="직선 화살표 연결선 9">
-            <a:extLst>
-              <a:ext uri="{FF2B5EF4-FFF2-40B4-BE49-F238E27FC236}">
-                <a16:creationId xmlns:a16="http://schemas.microsoft.com/office/drawing/2014/main" id="{55D18B59-4034-BBF3-C059-C2170FFFB151}"/>
-              </a:ext>
-            </a:extLst>
-          </p:cNvPr>
-          <p:cNvCxnSpPr/>
-          <p:nvPr/>
-        </p:nvCxnSpPr>
-        <p:spPr>
-          <a:xfrm>
-            <a:off x="5641675" y="1460740"/>
-            <a:ext cx="0" cy="1581509"/>
-          </a:xfrm>
-          <a:prstGeom prst="straightConnector1">
-            <a:avLst/>
-          </a:prstGeom>
-          <a:ln w="76200">
-            <a:solidFill>
-              <a:schemeClr val="accent6"/>
-            </a:solidFill>
-            <a:headEnd type="triangle"/>
-            <a:tailEnd type="triangle"/>
-          </a:ln>
-        </p:spPr>
-        <p:style>
-          <a:lnRef idx="2">
-            <a:schemeClr val="accent1"/>
-          </a:lnRef>
-          <a:fillRef idx="0">
-            <a:schemeClr val="accent1"/>
-          </a:fillRef>
-          <a:effectRef idx="1">
-            <a:schemeClr val="accent1"/>
-          </a:effectRef>
-          <a:fontRef idx="minor">
-            <a:schemeClr val="tx1"/>
-          </a:fontRef>
-        </p:style>
-      </p:cxnSp>
-      <p:sp>
-        <p:nvSpPr>
-          <p:cNvPr id="11" name="TextBox 10">
-            <a:extLst>
-              <a:ext uri="{FF2B5EF4-FFF2-40B4-BE49-F238E27FC236}">
-                <a16:creationId xmlns:a16="http://schemas.microsoft.com/office/drawing/2014/main" id="{556CB562-D458-B15E-E5CF-9DC5713F5D9C}"/>
-              </a:ext>
-            </a:extLst>
-          </p:cNvPr>
-          <p:cNvSpPr txBox="1"/>
-          <p:nvPr/>
-        </p:nvSpPr>
-        <p:spPr>
-          <a:xfrm>
-            <a:off x="3812876" y="2020661"/>
-            <a:ext cx="1828799" cy="830997"/>
-          </a:xfrm>
-          <a:prstGeom prst="rect">
-            <a:avLst/>
-          </a:prstGeom>
-          <a:noFill/>
-        </p:spPr>
-        <p:txBody>
-          <a:bodyPr wrap="square">
-            <a:spAutoFit/>
-          </a:bodyPr>
-          <a:lstStyle/>
-          <a:p>
-            <a:pPr/>
-            <a:r>
-              <a:rPr lang="ko-KR" altLang="en-US" sz="2400" b="1"/>
-              <a:t>전체 높이의 </a:t>
-            </a:r>
-            <a:r>
-              <a:rPr lang="en-US" altLang="ko-KR" sz="2400" b="1"/>
-              <a:t>k</a:t>
-            </a:r>
-            <a:r>
-              <a:rPr lang="ko-KR" altLang="en-US" sz="2400" b="1"/>
-              <a:t>배</a:t>
-            </a:r>
-          </a:p>
-        </p:txBody>
-      </p:sp>
-      <p:sp>
-        <p:nvSpPr>
-          <p:cNvPr id="12" name="직사각형 11">
-            <a:extLst>
-              <a:ext uri="{FF2B5EF4-FFF2-40B4-BE49-F238E27FC236}">
-                <a16:creationId xmlns:a16="http://schemas.microsoft.com/office/drawing/2014/main" id="{4CE077F9-C520-FDC7-DE45-8EB015DFB2BE}"/>
-              </a:ext>
-            </a:extLst>
-          </p:cNvPr>
-          <p:cNvSpPr/>
-          <p:nvPr/>
-        </p:nvSpPr>
-        <p:spPr>
-          <a:xfrm>
-            <a:off x="5773948" y="1460740"/>
-            <a:ext cx="1052422" cy="1581503"/>
-          </a:xfrm>
-          <a:prstGeom prst="rect">
-            <a:avLst/>
-          </a:prstGeom>
-          <a:solidFill>
-            <a:schemeClr val="accent1">
-              <a:alpha val="25000"/>
-            </a:schemeClr>
-          </a:solidFill>
-        </p:spPr>
-        <p:style>
-          <a:lnRef idx="2">
-            <a:schemeClr val="accent1">
-              <a:shade val="15000"/>
-            </a:schemeClr>
-          </a:lnRef>
-          <a:fillRef idx="1">
-            <a:schemeClr val="accent1"/>
-          </a:fillRef>
-          <a:effectRef idx="0">
-            <a:schemeClr val="accent1"/>
-          </a:effectRef>
-          <a:fontRef idx="minor">
-            <a:schemeClr val="lt1"/>
-          </a:fontRef>
-        </p:style>
-        <p:txBody>
-          <a:bodyPr rtlCol="0" anchor="ctr"/>
-          <a:lstStyle/>
-          <a:p>
-            <a:pPr algn="ctr"/>
-            <a:endParaRPr lang="ko-KR" altLang="en-US"/>
-          </a:p>
-        </p:txBody>
-      </p:sp>
-      <p:cxnSp>
-        <p:nvCxnSpPr>
-          <p:cNvPr id="14" name="직선 화살표 연결선 13">
-            <a:extLst>
-              <a:ext uri="{FF2B5EF4-FFF2-40B4-BE49-F238E27FC236}">
-                <a16:creationId xmlns:a16="http://schemas.microsoft.com/office/drawing/2014/main" id="{89EE524E-1D98-074A-A727-A497E475B9EC}"/>
-              </a:ext>
-            </a:extLst>
-          </p:cNvPr>
-          <p:cNvCxnSpPr/>
-          <p:nvPr/>
-        </p:nvCxnSpPr>
-        <p:spPr>
-          <a:xfrm flipV="1">
-            <a:off x="6464060" y="2231366"/>
-            <a:ext cx="1869057" cy="143774"/>
-          </a:xfrm>
-          <a:prstGeom prst="straightConnector1">
-            <a:avLst/>
-          </a:prstGeom>
-          <a:ln w="38100">
-            <a:solidFill>
-              <a:schemeClr val="tx1"/>
-            </a:solidFill>
-            <a:tailEnd type="triangle"/>
-          </a:ln>
-        </p:spPr>
-        <p:style>
-          <a:lnRef idx="2">
-            <a:schemeClr val="accent1"/>
-          </a:lnRef>
-          <a:fillRef idx="0">
-            <a:schemeClr val="accent1"/>
-          </a:fillRef>
-          <a:effectRef idx="1">
-            <a:schemeClr val="accent1"/>
-          </a:effectRef>
-          <a:fontRef idx="minor">
-            <a:schemeClr val="tx1"/>
-          </a:fontRef>
-        </p:style>
-      </p:cxnSp>
-      <p:sp>
-        <p:nvSpPr>
-          <p:cNvPr id="16" name="TextBox 15">
-            <a:extLst>
-              <a:ext uri="{FF2B5EF4-FFF2-40B4-BE49-F238E27FC236}">
-                <a16:creationId xmlns:a16="http://schemas.microsoft.com/office/drawing/2014/main" id="{B53DA2CC-89C9-A124-B249-63341E6FBA6D}"/>
-              </a:ext>
-            </a:extLst>
-          </p:cNvPr>
-          <p:cNvSpPr txBox="1"/>
-          <p:nvPr/>
-        </p:nvSpPr>
-        <p:spPr>
-          <a:xfrm>
-            <a:off x="8269855" y="2066827"/>
-            <a:ext cx="1846054" cy="461665"/>
-          </a:xfrm>
-          <a:prstGeom prst="rect">
-            <a:avLst/>
-          </a:prstGeom>
-          <a:noFill/>
-        </p:spPr>
-        <p:txBody>
-          <a:bodyPr wrap="square">
-            <a:spAutoFit/>
-          </a:bodyPr>
-          <a:lstStyle/>
-          <a:p>
-            <a:r>
-              <a:rPr lang="en-US" altLang="ko-KR" sz="2400" b="1"/>
-              <a:t>“</a:t>
-            </a:r>
-            <a:r>
-              <a:rPr lang="ko-KR" altLang="en-US" sz="2400" b="1"/>
-              <a:t>고른</a:t>
-            </a:r>
-            <a:r>
-              <a:rPr lang="en-US" altLang="ko-KR" sz="2400" b="1"/>
-              <a:t>” </a:t>
-            </a:r>
-            <a:r>
-              <a:rPr lang="ko-KR" altLang="en-US" sz="2400" b="1"/>
-              <a:t>분포</a:t>
-            </a:r>
-          </a:p>
-        </p:txBody>
-      </p:sp>
-    </p:spTree>
-    <p:extLst>
-      <p:ext uri="{BB962C8B-B14F-4D97-AF65-F5344CB8AC3E}">
-        <p14:creationId xmlns:p14="http://schemas.microsoft.com/office/powerpoint/2010/main" val="1663634084"/>
-      </p:ext>
-    </p:extLst>
-  </p:cSld>
-  <p:clrMapOvr>
-    <a:masterClrMapping/>
-  </p:clrMapOvr>
-  <p:timing>
-    <p:tnLst>
-      <p:par>
-        <p:cTn id="1" dur="indefinite" restart="never" nodeType="tmRoot">
-          <p:childTnLst>
-            <p:seq concurrent="1" nextAc="seek">
-              <p:cTn id="2" dur="indefinite" nodeType="mainSeq">
-                <p:childTnLst>
-                  <p:par>
-                    <p:cTn id="3" fill="hold">
-                      <p:stCondLst>
-                        <p:cond delay="indefinite"/>
-                      </p:stCondLst>
-                      <p:childTnLst>
-                        <p:par>
-                          <p:cTn id="4" fill="hold">
-                            <p:stCondLst>
-                              <p:cond delay="0"/>
-                            </p:stCondLst>
-                            <p:childTnLst>
-                              <p:par>
-                                <p:cTn id="5" presetID="10" presetClass="entr" presetSubtype="0" fill="hold" grpId="0" nodeType="clickEffect">
-                                  <p:stCondLst>
-                                    <p:cond delay="0"/>
-                                  </p:stCondLst>
-                                  <p:childTnLst>
-                                    <p:set>
-                                      <p:cBhvr>
-                                        <p:cTn id="6" dur="1" fill="hold">
-                                          <p:stCondLst>
-                                            <p:cond delay="0"/>
-                                          </p:stCondLst>
-                                        </p:cTn>
-                                        <p:tgtEl>
-                                          <p:spTgt spid="12"/>
-                                        </p:tgtEl>
-                                        <p:attrNameLst>
-                                          <p:attrName>style.visibility</p:attrName>
-                                        </p:attrNameLst>
-                                      </p:cBhvr>
-                                      <p:to>
-                                        <p:strVal val="visible"/>
-                                      </p:to>
-                                    </p:set>
-                                    <p:animEffect transition="in" filter="fade">
-                                      <p:cBhvr>
-                                        <p:cTn id="7" dur="500"/>
-                                        <p:tgtEl>
-                                          <p:spTgt spid="12"/>
-                                        </p:tgtEl>
-                                      </p:cBhvr>
-                                    </p:animEffect>
-                                  </p:childTnLst>
-                                </p:cTn>
-                              </p:par>
-                              <p:par>
-                                <p:cTn id="8" presetID="10" presetClass="entr" presetSubtype="0" fill="hold" nodeType="withEffect">
-                                  <p:stCondLst>
-                                    <p:cond delay="0"/>
-                                  </p:stCondLst>
-                                  <p:childTnLst>
-                                    <p:set>
-                                      <p:cBhvr>
-                                        <p:cTn id="9" dur="1" fill="hold">
-                                          <p:stCondLst>
-                                            <p:cond delay="0"/>
-                                          </p:stCondLst>
-                                        </p:cTn>
-                                        <p:tgtEl>
-                                          <p:spTgt spid="14"/>
-                                        </p:tgtEl>
-                                        <p:attrNameLst>
-                                          <p:attrName>style.visibility</p:attrName>
-                                        </p:attrNameLst>
-                                      </p:cBhvr>
-                                      <p:to>
-                                        <p:strVal val="visible"/>
-                                      </p:to>
-                                    </p:set>
-                                    <p:animEffect transition="in" filter="fade">
-                                      <p:cBhvr>
-                                        <p:cTn id="10" dur="500"/>
-                                        <p:tgtEl>
-                                          <p:spTgt spid="14"/>
-                                        </p:tgtEl>
-                                      </p:cBhvr>
-                                    </p:animEffect>
-                                  </p:childTnLst>
-                                </p:cTn>
-                              </p:par>
-                              <p:par>
-                                <p:cTn id="11" presetID="10" presetClass="entr" presetSubtype="0" fill="hold" grpId="0" nodeType="withEffect">
-                                  <p:stCondLst>
-                                    <p:cond delay="0"/>
-                                  </p:stCondLst>
-                                  <p:childTnLst>
-                                    <p:set>
-                                      <p:cBhvr>
-                                        <p:cTn id="12" dur="1" fill="hold">
-                                          <p:stCondLst>
-                                            <p:cond delay="0"/>
-                                          </p:stCondLst>
-                                        </p:cTn>
-                                        <p:tgtEl>
-                                          <p:spTgt spid="16"/>
-                                        </p:tgtEl>
-                                        <p:attrNameLst>
-                                          <p:attrName>style.visibility</p:attrName>
-                                        </p:attrNameLst>
-                                      </p:cBhvr>
-                                      <p:to>
-                                        <p:strVal val="visible"/>
-                                      </p:to>
-                                    </p:set>
-                                    <p:animEffect transition="in" filter="fade">
-                                      <p:cBhvr>
-                                        <p:cTn id="13" dur="500"/>
-                                        <p:tgtEl>
-                                          <p:spTgt spid="16"/>
-                                        </p:tgtEl>
-                                      </p:cBhvr>
-                                    </p:animEffect>
-                                  </p:childTnLst>
-                                </p:cTn>
-                              </p:par>
-                            </p:childTnLst>
-                          </p:cTn>
-                        </p:par>
-                      </p:childTnLst>
-                    </p:cTn>
-                  </p:par>
-                  <p:par>
-                    <p:cTn id="14" fill="hold">
-                      <p:stCondLst>
-                        <p:cond delay="indefinite"/>
-                      </p:stCondLst>
-                      <p:childTnLst>
-                        <p:par>
-                          <p:cTn id="15" fill="hold">
-                            <p:stCondLst>
-                              <p:cond delay="0"/>
-                            </p:stCondLst>
-                            <p:childTnLst>
-                              <p:par>
-                                <p:cTn id="16" presetID="10" presetClass="entr" presetSubtype="0" fill="hold" nodeType="clickEffect">
-                                  <p:stCondLst>
-                                    <p:cond delay="0"/>
-                                  </p:stCondLst>
-                                  <p:childTnLst>
-                                    <p:set>
-                                      <p:cBhvr>
-                                        <p:cTn id="17" dur="1" fill="hold">
-                                          <p:stCondLst>
-                                            <p:cond delay="0"/>
-                                          </p:stCondLst>
-                                        </p:cTn>
-                                        <p:tgtEl>
-                                          <p:spTgt spid="10"/>
-                                        </p:tgtEl>
-                                        <p:attrNameLst>
-                                          <p:attrName>style.visibility</p:attrName>
-                                        </p:attrNameLst>
-                                      </p:cBhvr>
-                                      <p:to>
-                                        <p:strVal val="visible"/>
-                                      </p:to>
-                                    </p:set>
-                                    <p:animEffect transition="in" filter="fade">
-                                      <p:cBhvr>
-                                        <p:cTn id="18" dur="500"/>
-                                        <p:tgtEl>
-                                          <p:spTgt spid="10"/>
-                                        </p:tgtEl>
-                                      </p:cBhvr>
-                                    </p:animEffect>
-                                  </p:childTnLst>
-                                </p:cTn>
-                              </p:par>
-                              <p:par>
-                                <p:cTn id="19" presetID="10" presetClass="entr" presetSubtype="0" fill="hold" grpId="0" nodeType="withEffect">
-                                  <p:stCondLst>
-                                    <p:cond delay="0"/>
-                                  </p:stCondLst>
-                                  <p:childTnLst>
-                                    <p:set>
-                                      <p:cBhvr>
-                                        <p:cTn id="20" dur="1" fill="hold">
-                                          <p:stCondLst>
-                                            <p:cond delay="0"/>
-                                          </p:stCondLst>
-                                        </p:cTn>
-                                        <p:tgtEl>
-                                          <p:spTgt spid="11"/>
-                                        </p:tgtEl>
-                                        <p:attrNameLst>
-                                          <p:attrName>style.visibility</p:attrName>
-                                        </p:attrNameLst>
-                                      </p:cBhvr>
-                                      <p:to>
-                                        <p:strVal val="visible"/>
-                                      </p:to>
-                                    </p:set>
-                                    <p:animEffect transition="in" filter="fade">
-                                      <p:cBhvr>
-                                        <p:cTn id="21" dur="500"/>
-                                        <p:tgtEl>
-                                          <p:spTgt spid="11"/>
-                                        </p:tgtEl>
-                                      </p:cBhvr>
-                                    </p:animEffect>
-                                  </p:childTnLst>
-                                </p:cTn>
-                              </p:par>
-                            </p:childTnLst>
-                          </p:cTn>
-                        </p:par>
-                      </p:childTnLst>
-                    </p:cTn>
-                  </p:par>
-                  <p:par>
-                    <p:cTn id="22" fill="hold">
-                      <p:stCondLst>
-                        <p:cond delay="indefinite"/>
-                      </p:stCondLst>
-                      <p:childTnLst>
-                        <p:par>
-                          <p:cTn id="23" fill="hold">
-                            <p:stCondLst>
-                              <p:cond delay="0"/>
-                            </p:stCondLst>
-                            <p:childTnLst>
-                              <p:par>
-                                <p:cTn id="24" presetID="10" presetClass="entr" presetSubtype="0" fill="hold" nodeType="clickEffect">
-                                  <p:stCondLst>
-                                    <p:cond delay="0"/>
-                                  </p:stCondLst>
-                                  <p:childTnLst>
-                                    <p:set>
-                                      <p:cBhvr>
-                                        <p:cTn id="25" dur="1" fill="hold">
-                                          <p:stCondLst>
-                                            <p:cond delay="0"/>
-                                          </p:stCondLst>
-                                        </p:cTn>
-                                        <p:tgtEl>
-                                          <p:spTgt spid="5"/>
-                                        </p:tgtEl>
-                                        <p:attrNameLst>
-                                          <p:attrName>style.visibility</p:attrName>
-                                        </p:attrNameLst>
-                                      </p:cBhvr>
-                                      <p:to>
-                                        <p:strVal val="visible"/>
-                                      </p:to>
-                                    </p:set>
-                                    <p:animEffect transition="in" filter="fade">
-                                      <p:cBhvr>
-                                        <p:cTn id="26" dur="500"/>
-                                        <p:tgtEl>
-                                          <p:spTgt spid="5"/>
-                                        </p:tgtEl>
-                                      </p:cBhvr>
-                                    </p:animEffect>
-                                  </p:childTnLst>
-                                </p:cTn>
-                              </p:par>
-                              <p:par>
-                                <p:cTn id="27" presetID="10" presetClass="entr" presetSubtype="0" fill="hold" grpId="0" nodeType="withEffect">
-                                  <p:stCondLst>
-                                    <p:cond delay="0"/>
-                                  </p:stCondLst>
-                                  <p:childTnLst>
-                                    <p:set>
-                                      <p:cBhvr>
-                                        <p:cTn id="28" dur="1" fill="hold">
-                                          <p:stCondLst>
-                                            <p:cond delay="0"/>
-                                          </p:stCondLst>
-                                        </p:cTn>
-                                        <p:tgtEl>
-                                          <p:spTgt spid="8"/>
-                                        </p:tgtEl>
-                                        <p:attrNameLst>
-                                          <p:attrName>style.visibility</p:attrName>
-                                        </p:attrNameLst>
-                                      </p:cBhvr>
-                                      <p:to>
-                                        <p:strVal val="visible"/>
-                                      </p:to>
-                                    </p:set>
-                                    <p:animEffect transition="in" filter="fade">
-                                      <p:cBhvr>
-                                        <p:cTn id="29" dur="500"/>
-                                        <p:tgtEl>
-                                          <p:spTgt spid="8"/>
-                                        </p:tgtEl>
-                                      </p:cBhvr>
-                                    </p:animEffect>
-                                  </p:childTnLst>
-                                </p:cTn>
-                              </p:par>
-                            </p:childTnLst>
-                          </p:cTn>
-                        </p:par>
-                      </p:childTnLst>
-                    </p:cTn>
-                  </p:par>
-                </p:childTnLst>
-              </p:cTn>
-              <p:prevCondLst>
-                <p:cond evt="onPrev" delay="0">
-                  <p:tgtEl>
-                    <p:sldTgt/>
-                  </p:tgtEl>
-                </p:cond>
-              </p:prevCondLst>
-              <p:nextCondLst>
-                <p:cond evt="onNext" delay="0">
-                  <p:tgtEl>
-                    <p:sldTgt/>
-                  </p:tgtEl>
-                </p:cond>
-              </p:nextCondLst>
-            </p:seq>
-          </p:childTnLst>
-        </p:cTn>
-      </p:par>
-    </p:tnLst>
-    <p:bldLst>
-      <p:bldP spid="8" grpId="0"/>
-      <p:bldP spid="11" grpId="0"/>
-      <p:bldP spid="12" grpId="0" animBg="1"/>
-      <p:bldP spid="16" grpId="0"/>
-    </p:bldLst>
-  </p:timing>
-</p:sld>
-</file>
-
-<file path=ppt/slides/slide11.xml><?xml version="1.0" encoding="utf-8"?>
-<p:sld xmlns:a="http://schemas.openxmlformats.org/drawingml/2006/main" xmlns:r="http://schemas.openxmlformats.org/officeDocument/2006/relationships" xmlns:p="http://schemas.openxmlformats.org/presentationml/2006/main">
-  <p:cSld>
-    <p:spTree>
-      <p:nvGrpSpPr>
-        <p:cNvPr id="1" name=""/>
-        <p:cNvGrpSpPr/>
-        <p:nvPr/>
-      </p:nvGrpSpPr>
-      <p:grpSpPr>
-        <a:xfrm>
-          <a:off x="0" y="0"/>
-          <a:ext cx="0" cy="0"/>
-          <a:chOff x="0" y="0"/>
-          <a:chExt cx="0" cy="0"/>
-        </a:xfrm>
-      </p:grpSpPr>
-      <mc:AlternateContent xmlns:mc="http://schemas.openxmlformats.org/markup-compatibility/2006">
-        <mc:Choice xmlns:a14="http://schemas.microsoft.com/office/drawing/2010/main" Requires="a14">
+      <mc:AlternateContent xmlns:mc="http://schemas.openxmlformats.org/markup-compatibility/2006" xmlns:a14="http://schemas.microsoft.com/office/drawing/2010/main">
+        <mc:Choice Requires="a14">
           <p:sp>
             <p:nvSpPr>
               <p:cNvPr id="3" name="내용 개체 틀 2">
@@ -4397,7 +3622,7 @@
             </p:txBody>
           </p:sp>
         </mc:Choice>
-        <mc:Fallback>
+        <mc:Fallback xmlns="">
           <p:sp>
             <p:nvSpPr>
               <p:cNvPr id="3" name="내용 개체 틀 2">
@@ -4495,7 +3720,7 @@
 </p:sld>
 </file>
 
-<file path=ppt/slides/slide12.xml><?xml version="1.0" encoding="utf-8"?>
+<file path=ppt/slides/slide11.xml><?xml version="1.0" encoding="utf-8"?>
 <p:sld xmlns:a="http://schemas.openxmlformats.org/drawingml/2006/main" xmlns:r="http://schemas.openxmlformats.org/officeDocument/2006/relationships" xmlns:p="http://schemas.openxmlformats.org/presentationml/2006/main">
   <p:cSld>
     <p:spTree>
@@ -4540,8 +3765,8 @@
           </a:p>
         </p:txBody>
       </p:sp>
-      <mc:AlternateContent xmlns:mc="http://schemas.openxmlformats.org/markup-compatibility/2006">
-        <mc:Choice xmlns:a14="http://schemas.microsoft.com/office/drawing/2010/main" Requires="a14">
+      <mc:AlternateContent xmlns:mc="http://schemas.openxmlformats.org/markup-compatibility/2006" xmlns:a14="http://schemas.microsoft.com/office/drawing/2010/main">
+        <mc:Choice Requires="a14">
           <p:sp>
             <p:nvSpPr>
               <p:cNvPr id="3" name="내용 개체 틀 2">
@@ -4974,7 +4199,7 @@
             </p:txBody>
           </p:sp>
         </mc:Choice>
-        <mc:Fallback>
+        <mc:Fallback xmlns="">
           <p:sp>
             <p:nvSpPr>
               <p:cNvPr id="3" name="내용 개체 틀 2">
@@ -5044,8 +4269,8 @@
           </a:prstGeom>
         </p:spPr>
       </p:pic>
-      <mc:AlternateContent xmlns:mc="http://schemas.openxmlformats.org/markup-compatibility/2006">
-        <mc:Choice xmlns:a14="http://schemas.microsoft.com/office/drawing/2010/main" Requires="a14">
+      <mc:AlternateContent xmlns:mc="http://schemas.openxmlformats.org/markup-compatibility/2006" xmlns:a14="http://schemas.microsoft.com/office/drawing/2010/main">
+        <mc:Choice Requires="a14">
           <p:sp>
             <p:nvSpPr>
               <p:cNvPr id="6" name="TextBox 5">
@@ -5074,7 +4299,6 @@
               </a:bodyPr>
               <a:lstStyle/>
               <a:p>
-                <a:pPr/>
                 <a:r>
                   <a:rPr lang="ko-KR" altLang="en-US" sz="2400" b="0">
                     <a:solidFill>
@@ -5185,7 +4409,6 @@
                 </a:endParaRPr>
               </a:p>
               <a:p>
-                <a:pPr/>
                 <a14:m>
                   <m:oMath xmlns:m="http://schemas.openxmlformats.org/officeDocument/2006/math">
                     <m:r>
@@ -5411,7 +4634,7 @@
             </p:txBody>
           </p:sp>
         </mc:Choice>
-        <mc:Fallback>
+        <mc:Fallback xmlns="">
           <p:sp>
             <p:nvSpPr>
               <p:cNvPr id="6" name="TextBox 5">
@@ -5469,7 +4692,7 @@
 </p:sld>
 </file>
 
-<file path=ppt/slides/slide13.xml><?xml version="1.0" encoding="utf-8"?>
+<file path=ppt/slides/slide12.xml><?xml version="1.0" encoding="utf-8"?>
 <p:sld xmlns:a="http://schemas.openxmlformats.org/drawingml/2006/main" xmlns:r="http://schemas.openxmlformats.org/officeDocument/2006/relationships" xmlns:p="http://schemas.openxmlformats.org/presentationml/2006/main">
   <p:cSld>
     <p:spTree>
@@ -5684,7 +4907,7 @@
                         <m:begChr m:val="|"/>
                         <m:endChr m:val="⟩"/>
                         <m:ctrlPr>
-                          <a:rPr lang="en-US" altLang="ko-KR" b="0" i="0" smtClean="0">
+                          <a:rPr lang="en-US" altLang="ko-KR" b="0" i="1" smtClean="0">
                             <a:latin typeface="Cambria Math" panose="02040503050406030204" pitchFamily="18" charset="0"/>
                           </a:rPr>
                         </m:ctrlPr>
@@ -6142,45 +5365,49 @@
                       <m:jc m:val="centerGroup"/>
                     </m:oMathParaPr>
                     <m:oMath xmlns:m="http://schemas.openxmlformats.org/officeDocument/2006/math">
+                      <m:sSub>
+                        <m:sSubPr>
+                          <m:ctrlPr>
+                            <a:rPr lang="en-US" altLang="ko-KR" i="1">
+                              <a:latin typeface="Cambria Math" panose="02040503050406030204" pitchFamily="18" charset="0"/>
+                            </a:rPr>
+                          </m:ctrlPr>
+                        </m:sSubPr>
+                        <m:e>
+                          <m:r>
+                            <m:rPr>
+                              <m:sty m:val="p"/>
+                            </m:rPr>
+                            <a:rPr lang="en-US" altLang="ko-KR">
+                              <a:latin typeface="Cambria Math" panose="02040503050406030204" pitchFamily="18" charset="0"/>
+                            </a:rPr>
+                            <m:t>Ψ</m:t>
+                          </m:r>
+                        </m:e>
+                        <m:sub>
+                          <m:r>
+                            <a:rPr lang="en-US" altLang="ko-KR" i="1">
+                              <a:latin typeface="Cambria Math" panose="02040503050406030204" pitchFamily="18" charset="0"/>
+                            </a:rPr>
+                            <m:t>𝑡</m:t>
+                          </m:r>
+                        </m:sub>
+                      </m:sSub>
                       <m:d>
                         <m:dPr>
-                          <m:begChr m:val="|"/>
-                          <m:endChr m:val="⟩"/>
                           <m:ctrlPr>
-                            <a:rPr lang="en-US" altLang="ko-KR" i="1" smtClean="0">
+                            <a:rPr lang="en-US" altLang="ko-KR" i="1">
                               <a:latin typeface="Cambria Math" panose="02040503050406030204" pitchFamily="18" charset="0"/>
                             </a:rPr>
                           </m:ctrlPr>
                         </m:dPr>
                         <m:e>
-                          <m:sSub>
-                            <m:sSubPr>
-                              <m:ctrlPr>
-                                <a:rPr lang="en-US" altLang="ko-KR" i="1">
-                                  <a:latin typeface="Cambria Math" panose="02040503050406030204" pitchFamily="18" charset="0"/>
-                                </a:rPr>
-                              </m:ctrlPr>
-                            </m:sSubPr>
-                            <m:e>
-                              <m:r>
-                                <m:rPr>
-                                  <m:sty m:val="p"/>
-                                </m:rPr>
-                                <a:rPr lang="en-US" altLang="ko-KR">
-                                  <a:latin typeface="Cambria Math" panose="02040503050406030204" pitchFamily="18" charset="0"/>
-                                </a:rPr>
-                                <m:t>Ψ</m:t>
-                              </m:r>
-                            </m:e>
-                            <m:sub>
-                              <m:r>
-                                <a:rPr lang="en-US" altLang="ko-KR" i="1">
-                                  <a:latin typeface="Cambria Math" panose="02040503050406030204" pitchFamily="18" charset="0"/>
-                                </a:rPr>
-                                <m:t>0</m:t>
-                              </m:r>
-                            </m:sub>
-                          </m:sSub>
+                          <m:r>
+                            <a:rPr lang="en-US" altLang="ko-KR" i="1">
+                              <a:latin typeface="Cambria Math" panose="02040503050406030204" pitchFamily="18" charset="0"/>
+                            </a:rPr>
+                            <m:t>𝑥</m:t>
+                          </m:r>
                         </m:e>
                       </m:d>
                       <m:r>
@@ -6189,6 +5416,31 @@
                         </a:rPr>
                         <m:t>=</m:t>
                       </m:r>
+                      <m:sSup>
+                        <m:sSupPr>
+                          <m:ctrlPr>
+                            <a:rPr lang="en-US" altLang="ko-KR" i="1">
+                              <a:latin typeface="Cambria Math" panose="02040503050406030204" pitchFamily="18" charset="0"/>
+                            </a:rPr>
+                          </m:ctrlPr>
+                        </m:sSupPr>
+                        <m:e>
+                          <m:r>
+                            <a:rPr lang="en-US" altLang="ko-KR" i="1">
+                              <a:latin typeface="Cambria Math" panose="02040503050406030204" pitchFamily="18" charset="0"/>
+                            </a:rPr>
+                            <m:t>𝑒</m:t>
+                          </m:r>
+                        </m:e>
+                        <m:sup>
+                          <m:r>
+                            <a:rPr lang="en-US" altLang="ko-KR" i="1">
+                              <a:latin typeface="Cambria Math" panose="02040503050406030204" pitchFamily="18" charset="0"/>
+                            </a:rPr>
+                            <m:t>𝑖𝐻𝑡</m:t>
+                          </m:r>
+                        </m:sup>
+                      </m:sSup>
                       <m:f>
                         <m:fPr>
                           <m:ctrlPr>
@@ -6233,7 +5485,7 @@
                             <a:rPr lang="en-US" altLang="ko-KR" b="0" i="1" smtClean="0">
                               <a:latin typeface="Cambria Math" panose="02040503050406030204" pitchFamily="18" charset="0"/>
                             </a:rPr>
-                            <m:t>-</m:t>
+                            <m:t>−</m:t>
                           </m:r>
                           <m:r>
                             <a:rPr lang="en-US" altLang="ko-KR" i="1">
@@ -6350,6 +5602,31 @@
                         </a:rPr>
                         <m:t>=</m:t>
                       </m:r>
+                      <m:sSup>
+                        <m:sSupPr>
+                          <m:ctrlPr>
+                            <a:rPr lang="en-US" altLang="ko-KR" i="1">
+                              <a:latin typeface="Cambria Math" panose="02040503050406030204" pitchFamily="18" charset="0"/>
+                            </a:rPr>
+                          </m:ctrlPr>
+                        </m:sSupPr>
+                        <m:e>
+                          <m:r>
+                            <a:rPr lang="en-US" altLang="ko-KR" i="1">
+                              <a:latin typeface="Cambria Math" panose="02040503050406030204" pitchFamily="18" charset="0"/>
+                            </a:rPr>
+                            <m:t>𝑒</m:t>
+                          </m:r>
+                        </m:e>
+                        <m:sup>
+                          <m:r>
+                            <a:rPr lang="en-US" altLang="ko-KR" i="1">
+                              <a:latin typeface="Cambria Math" panose="02040503050406030204" pitchFamily="18" charset="0"/>
+                            </a:rPr>
+                            <m:t>𝑖𝐻𝑡</m:t>
+                          </m:r>
+                        </m:sup>
+                      </m:sSup>
                       <m:f>
                         <m:fPr>
                           <m:ctrlPr>
@@ -6757,7 +6034,7 @@
 </p:sld>
 </file>
 
-<file path=ppt/slides/slide14.xml><?xml version="1.0" encoding="utf-8"?>
+<file path=ppt/slides/slide13.xml><?xml version="1.0" encoding="utf-8"?>
 <p:sld xmlns:a="http://schemas.openxmlformats.org/drawingml/2006/main" xmlns:r="http://schemas.openxmlformats.org/officeDocument/2006/relationships" xmlns:p="http://schemas.openxmlformats.org/presentationml/2006/main" show="0">
   <p:cSld>
     <p:spTree>
@@ -6854,8 +6131,8 @@
           </a:fontRef>
         </p:style>
       </p:cxnSp>
-      <mc:AlternateContent xmlns:mc="http://schemas.openxmlformats.org/markup-compatibility/2006">
-        <mc:Choice xmlns:a14="http://schemas.microsoft.com/office/drawing/2010/main" Requires="a14">
+      <mc:AlternateContent xmlns:mc="http://schemas.openxmlformats.org/markup-compatibility/2006" xmlns:a14="http://schemas.microsoft.com/office/drawing/2010/main">
+        <mc:Choice Requires="a14">
           <p:sp>
             <p:nvSpPr>
               <p:cNvPr id="6" name="TextBox 5">
@@ -6936,7 +6213,7 @@
             </p:txBody>
           </p:sp>
         </mc:Choice>
-        <mc:Fallback>
+        <mc:Fallback xmlns="">
           <p:sp>
             <p:nvSpPr>
               <p:cNvPr id="6" name="TextBox 5">
@@ -7313,8 +6590,8 @@
           </a:fontRef>
         </p:style>
       </p:cxnSp>
-      <mc:AlternateContent xmlns:mc="http://schemas.openxmlformats.org/markup-compatibility/2006">
-        <mc:Choice xmlns:a14="http://schemas.microsoft.com/office/drawing/2010/main" Requires="a14">
+      <mc:AlternateContent xmlns:mc="http://schemas.openxmlformats.org/markup-compatibility/2006" xmlns:a14="http://schemas.microsoft.com/office/drawing/2010/main">
+        <mc:Choice Requires="a14">
           <p:sp>
             <p:nvSpPr>
               <p:cNvPr id="16" name="TextBox 15">
@@ -7407,7 +6684,7 @@
             </p:txBody>
           </p:sp>
         </mc:Choice>
-        <mc:Fallback>
+        <mc:Fallback xmlns="">
           <p:sp>
             <p:nvSpPr>
               <p:cNvPr id="16" name="TextBox 15">
@@ -7465,7 +6742,7 @@
 </p:sld>
 </file>
 
-<file path=ppt/slides/slide15.xml><?xml version="1.0" encoding="utf-8"?>
+<file path=ppt/slides/slide14.xml><?xml version="1.0" encoding="utf-8"?>
 <p:sld xmlns:a="http://schemas.openxmlformats.org/drawingml/2006/main" xmlns:r="http://schemas.openxmlformats.org/officeDocument/2006/relationships" xmlns:p="http://schemas.openxmlformats.org/presentationml/2006/main">
   <p:cSld>
     <p:spTree>
@@ -7482,8 +6759,8 @@
           <a:chExt cx="0" cy="0"/>
         </a:xfrm>
       </p:grpSpPr>
-      <mc:AlternateContent xmlns:mc="http://schemas.openxmlformats.org/markup-compatibility/2006">
-        <mc:Choice xmlns:a14="http://schemas.microsoft.com/office/drawing/2010/main" Requires="a14">
+      <mc:AlternateContent xmlns:mc="http://schemas.openxmlformats.org/markup-compatibility/2006" xmlns:a14="http://schemas.microsoft.com/office/drawing/2010/main">
+        <mc:Choice Requires="a14">
           <p:sp>
             <p:nvSpPr>
               <p:cNvPr id="3" name="내용 개체 틀 2">
@@ -7785,7 +7062,7 @@
             </p:txBody>
           </p:sp>
         </mc:Choice>
-        <mc:Fallback>
+        <mc:Fallback xmlns="">
           <p:sp>
             <p:nvSpPr>
               <p:cNvPr id="3" name="내용 개체 틀 2">
@@ -7842,7 +7119,7 @@
 </p:sld>
 </file>
 
-<file path=ppt/slides/slide16.xml><?xml version="1.0" encoding="utf-8"?>
+<file path=ppt/slides/slide15.xml><?xml version="1.0" encoding="utf-8"?>
 <p:sld xmlns:a="http://schemas.openxmlformats.org/drawingml/2006/main" xmlns:r="http://schemas.openxmlformats.org/officeDocument/2006/relationships" xmlns:p="http://schemas.openxmlformats.org/presentationml/2006/main">
   <p:cSld>
     <p:spTree>
@@ -7931,8 +7208,8 @@
           </a:fontRef>
         </p:style>
       </p:cxnSp>
-      <mc:AlternateContent xmlns:mc="http://schemas.openxmlformats.org/markup-compatibility/2006">
-        <mc:Choice xmlns:a14="http://schemas.microsoft.com/office/drawing/2010/main" Requires="a14">
+      <mc:AlternateContent xmlns:mc="http://schemas.openxmlformats.org/markup-compatibility/2006" xmlns:a14="http://schemas.microsoft.com/office/drawing/2010/main">
+        <mc:Choice Requires="a14">
           <p:sp>
             <p:nvSpPr>
               <p:cNvPr id="11" name="TextBox 10">
@@ -7999,7 +7276,7 @@
             </p:txBody>
           </p:sp>
         </mc:Choice>
-        <mc:Fallback>
+        <mc:Fallback xmlns="">
           <p:sp>
             <p:nvSpPr>
               <p:cNvPr id="11" name="TextBox 10">
@@ -8057,7 +7334,7 @@
 </p:sld>
 </file>
 
-<file path=ppt/slides/slide17.xml><?xml version="1.0" encoding="utf-8"?>
+<file path=ppt/slides/slide16.xml><?xml version="1.0" encoding="utf-8"?>
 <p:sld xmlns:a="http://schemas.openxmlformats.org/drawingml/2006/main" xmlns:r="http://schemas.openxmlformats.org/officeDocument/2006/relationships" xmlns:p="http://schemas.openxmlformats.org/presentationml/2006/main">
   <p:cSld>
     <p:spTree>
@@ -8080,8 +7357,8 @@
           <a:chExt cx="0" cy="0"/>
         </a:xfrm>
       </p:grpSpPr>
-      <mc:AlternateContent xmlns:mc="http://schemas.openxmlformats.org/markup-compatibility/2006">
-        <mc:Choice xmlns:a14="http://schemas.microsoft.com/office/drawing/2010/main" Requires="a14">
+      <mc:AlternateContent xmlns:mc="http://schemas.openxmlformats.org/markup-compatibility/2006" xmlns:a14="http://schemas.microsoft.com/office/drawing/2010/main">
+        <mc:Choice Requires="a14">
           <p:sp>
             <p:nvSpPr>
               <p:cNvPr id="3" name="내용 개체 틀 2">
@@ -8216,7 +7493,7 @@
             </p:txBody>
           </p:sp>
         </mc:Choice>
-        <mc:Fallback>
+        <mc:Fallback xmlns="">
           <p:sp>
             <p:nvSpPr>
               <p:cNvPr id="3" name="내용 개체 틀 2">
@@ -8273,7 +7550,7 @@
 </p:sld>
 </file>
 
-<file path=ppt/slides/slide18.xml><?xml version="1.0" encoding="utf-8"?>
+<file path=ppt/slides/slide17.xml><?xml version="1.0" encoding="utf-8"?>
 <p:sld xmlns:a="http://schemas.openxmlformats.org/drawingml/2006/main" xmlns:r="http://schemas.openxmlformats.org/officeDocument/2006/relationships" xmlns:p="http://schemas.openxmlformats.org/presentationml/2006/main">
   <p:cSld>
     <p:spTree>
@@ -8464,7 +7741,7 @@
 </p:sld>
 </file>
 
-<file path=ppt/slides/slide19.xml><?xml version="1.0" encoding="utf-8"?>
+<file path=ppt/slides/slide18.xml><?xml version="1.0" encoding="utf-8"?>
 <p:sld xmlns:a="http://schemas.openxmlformats.org/drawingml/2006/main" xmlns:r="http://schemas.openxmlformats.org/officeDocument/2006/relationships" xmlns:p="http://schemas.openxmlformats.org/presentationml/2006/main">
   <p:cSld>
     <p:spTree>
@@ -8845,845 +8122,7 @@
 </p:sld>
 </file>
 
-<file path=ppt/slides/slide2.xml><?xml version="1.0" encoding="utf-8"?>
-<p:sld xmlns:a="http://schemas.openxmlformats.org/drawingml/2006/main" xmlns:r="http://schemas.openxmlformats.org/officeDocument/2006/relationships" xmlns:p="http://schemas.openxmlformats.org/presentationml/2006/main">
-  <p:cSld>
-    <p:spTree>
-      <p:nvGrpSpPr>
-        <p:cNvPr id="1" name=""/>
-        <p:cNvGrpSpPr/>
-        <p:nvPr/>
-      </p:nvGrpSpPr>
-      <p:grpSpPr>
-        <a:xfrm>
-          <a:off x="0" y="0"/>
-          <a:ext cx="0" cy="0"/>
-          <a:chOff x="0" y="0"/>
-          <a:chExt cx="0" cy="0"/>
-        </a:xfrm>
-      </p:grpSpPr>
-      <p:sp>
-        <p:nvSpPr>
-          <p:cNvPr id="2" name="제목 1">
-            <a:extLst>
-              <a:ext uri="{FF2B5EF4-FFF2-40B4-BE49-F238E27FC236}">
-                <a16:creationId xmlns:a16="http://schemas.microsoft.com/office/drawing/2014/main" id="{60029E53-E04D-04DD-28DD-923D180AC9A3}"/>
-              </a:ext>
-            </a:extLst>
-          </p:cNvPr>
-          <p:cNvSpPr>
-            <a:spLocks noGrp="1"/>
-          </p:cNvSpPr>
-          <p:nvPr>
-            <p:ph type="title"/>
-          </p:nvPr>
-        </p:nvSpPr>
-        <p:spPr/>
-        <p:txBody>
-          <a:bodyPr/>
-          <a:lstStyle/>
-          <a:p>
-            <a:r>
-              <a:rPr lang="ko-KR" altLang="en-US"/>
-              <a:t>고전적 랜덤 워크</a:t>
-            </a:r>
-          </a:p>
-        </p:txBody>
-      </p:sp>
-      <mc:AlternateContent xmlns:mc="http://schemas.openxmlformats.org/markup-compatibility/2006">
-        <mc:Choice xmlns:a14="http://schemas.microsoft.com/office/drawing/2010/main" Requires="a14">
-          <p:sp>
-            <p:nvSpPr>
-              <p:cNvPr id="3" name="내용 개체 틀 2">
-                <a:extLst>
-                  <a:ext uri="{FF2B5EF4-FFF2-40B4-BE49-F238E27FC236}">
-                    <a16:creationId xmlns:a16="http://schemas.microsoft.com/office/drawing/2014/main" id="{82238E5B-DE29-F901-3154-DD8DDC7CA367}"/>
-                  </a:ext>
-                </a:extLst>
-              </p:cNvPr>
-              <p:cNvSpPr>
-                <a:spLocks noGrp="1"/>
-              </p:cNvSpPr>
-              <p:nvPr>
-                <p:ph idx="1"/>
-              </p:nvPr>
-            </p:nvSpPr>
-            <p:spPr>
-              <a:xfrm>
-                <a:off x="838200" y="3858560"/>
-                <a:ext cx="10515600" cy="1968941"/>
-              </a:xfrm>
-            </p:spPr>
-            <p:txBody>
-              <a:bodyPr>
-                <a:normAutofit/>
-              </a:bodyPr>
-              <a:lstStyle/>
-              <a:p>
-                <a14:m>
-                  <m:oMath xmlns:m="http://schemas.openxmlformats.org/officeDocument/2006/math">
-                    <m:r>
-                      <a:rPr lang="en-US" altLang="ko-KR" sz="2400" i="1">
-                        <a:latin typeface="Cambria Math" panose="02040503050406030204" pitchFamily="18" charset="0"/>
-                      </a:rPr>
-                      <m:t>𝑑𝑡</m:t>
-                    </m:r>
-                  </m:oMath>
-                </a14:m>
-                <a:r>
-                  <a:rPr lang="ko-KR" altLang="en-US" sz="2400"/>
-                  <a:t> 시간 동안 </a:t>
-                </a:r>
-                <a14:m>
-                  <m:oMath xmlns:m="http://schemas.openxmlformats.org/officeDocument/2006/math">
-                    <m:r>
-                      <a:rPr lang="en-US" altLang="ko-KR" sz="2400" i="1">
-                        <a:latin typeface="Cambria Math" panose="02040503050406030204" pitchFamily="18" charset="0"/>
-                      </a:rPr>
-                      <m:t>𝑑𝑡</m:t>
-                    </m:r>
-                    <m:r>
-                      <a:rPr lang="ko-KR" altLang="en-US" sz="2400" i="1">
-                        <a:latin typeface="Cambria Math" panose="02040503050406030204" pitchFamily="18" charset="0"/>
-                      </a:rPr>
-                      <m:t>의</m:t>
-                    </m:r>
-                  </m:oMath>
-                </a14:m>
-                <a:r>
-                  <a:rPr lang="en-US" altLang="ko-KR" sz="2400"/>
-                  <a:t> </a:t>
-                </a:r>
-                <a:r>
-                  <a:rPr lang="ko-KR" altLang="en-US" sz="2400"/>
-                  <a:t>확률로 이동</a:t>
-                </a:r>
-                <a:endParaRPr lang="en-US" altLang="ko-KR" sz="2400"/>
-              </a:p>
-              <a:p>
-                <a:r>
-                  <a:rPr lang="ko-KR" altLang="en-US" sz="2400"/>
-                  <a:t>이동 시에는 왼쪽으로 갈 확률</a:t>
-                </a:r>
-                <a:r>
-                  <a:rPr lang="en-US" altLang="ko-KR" sz="2400"/>
-                  <a:t>=1/2, </a:t>
-                </a:r>
-                <a:r>
-                  <a:rPr lang="ko-KR" altLang="en-US" sz="2400"/>
-                  <a:t>오른쪽으로 갈 확률</a:t>
-                </a:r>
-                <a:r>
-                  <a:rPr lang="en-US" altLang="ko-KR" sz="2400"/>
-                  <a:t>=1/2</a:t>
-                </a:r>
-              </a:p>
-              <a:p>
-                <a:pPr marL="0" indent="0">
-                  <a:buNone/>
-                </a:pPr>
-                <a:endParaRPr lang="en-US" altLang="ko-KR" sz="2400"/>
-              </a:p>
-            </p:txBody>
-          </p:sp>
-        </mc:Choice>
-        <mc:Fallback>
-          <p:sp>
-            <p:nvSpPr>
-              <p:cNvPr id="3" name="내용 개체 틀 2">
-                <a:extLst>
-                  <a:ext uri="{FF2B5EF4-FFF2-40B4-BE49-F238E27FC236}">
-                    <a16:creationId xmlns:a16="http://schemas.microsoft.com/office/drawing/2014/main" id="{82238E5B-DE29-F901-3154-DD8DDC7CA367}"/>
-                  </a:ext>
-                </a:extLst>
-              </p:cNvPr>
-              <p:cNvSpPr>
-                <a:spLocks noGrp="1" noRot="1" noChangeAspect="1" noMove="1" noResize="1" noEditPoints="1" noAdjustHandles="1" noChangeArrowheads="1" noChangeShapeType="1" noTextEdit="1"/>
-              </p:cNvSpPr>
-              <p:nvPr>
-                <p:ph idx="1"/>
-              </p:nvPr>
-            </p:nvSpPr>
-            <p:spPr>
-              <a:xfrm>
-                <a:off x="838200" y="3858560"/>
-                <a:ext cx="10515600" cy="1968941"/>
-              </a:xfrm>
-              <a:blipFill>
-                <a:blip r:embed="rId2"/>
-                <a:stretch>
-                  <a:fillRect l="-812" t="-4025"/>
-                </a:stretch>
-              </a:blipFill>
-            </p:spPr>
-            <p:txBody>
-              <a:bodyPr/>
-              <a:lstStyle/>
-              <a:p>
-                <a:r>
-                  <a:rPr lang="ko-KR" altLang="en-US">
-                    <a:noFill/>
-                  </a:rPr>
-                  <a:t> </a:t>
-                </a:r>
-              </a:p>
-            </p:txBody>
-          </p:sp>
-        </mc:Fallback>
-      </mc:AlternateContent>
-      <p:sp>
-        <p:nvSpPr>
-          <p:cNvPr id="4" name="타원 3">
-            <a:extLst>
-              <a:ext uri="{FF2B5EF4-FFF2-40B4-BE49-F238E27FC236}">
-                <a16:creationId xmlns:a16="http://schemas.microsoft.com/office/drawing/2014/main" id="{DC1AE043-1535-86C7-C10E-219DFB62807F}"/>
-              </a:ext>
-            </a:extLst>
-          </p:cNvPr>
-          <p:cNvSpPr/>
-          <p:nvPr/>
-        </p:nvSpPr>
-        <p:spPr>
-          <a:xfrm>
-            <a:off x="5889961" y="2568009"/>
-            <a:ext cx="412078" cy="412078"/>
-          </a:xfrm>
-          <a:prstGeom prst="ellipse">
-            <a:avLst/>
-          </a:prstGeom>
-        </p:spPr>
-        <p:style>
-          <a:lnRef idx="2">
-            <a:schemeClr val="accent1">
-              <a:shade val="15000"/>
-            </a:schemeClr>
-          </a:lnRef>
-          <a:fillRef idx="1">
-            <a:schemeClr val="accent1"/>
-          </a:fillRef>
-          <a:effectRef idx="0">
-            <a:schemeClr val="accent1"/>
-          </a:effectRef>
-          <a:fontRef idx="minor">
-            <a:schemeClr val="lt1"/>
-          </a:fontRef>
-        </p:style>
-        <p:txBody>
-          <a:bodyPr lIns="0" tIns="0" rIns="0" bIns="0" rtlCol="0" anchor="ctr"/>
-          <a:lstStyle/>
-          <a:p>
-            <a:pPr algn="ctr"/>
-            <a:r>
-              <a:rPr lang="ko-KR" altLang="en-US"/>
-              <a:t>０</a:t>
-            </a:r>
-          </a:p>
-        </p:txBody>
-      </p:sp>
-      <mc:AlternateContent xmlns:mc="http://schemas.openxmlformats.org/markup-compatibility/2006">
-        <mc:Choice xmlns:a14="http://schemas.microsoft.com/office/drawing/2010/main" Requires="a14">
-          <p:sp>
-            <p:nvSpPr>
-              <p:cNvPr id="5" name="타원 4">
-                <a:extLst>
-                  <a:ext uri="{FF2B5EF4-FFF2-40B4-BE49-F238E27FC236}">
-                    <a16:creationId xmlns:a16="http://schemas.microsoft.com/office/drawing/2014/main" id="{3C5E0A17-0431-6EBD-D510-7838BEEF4C5A}"/>
-                  </a:ext>
-                </a:extLst>
-              </p:cNvPr>
-              <p:cNvSpPr/>
-              <p:nvPr/>
-            </p:nvSpPr>
-            <p:spPr>
-              <a:xfrm>
-                <a:off x="4890853" y="2568009"/>
-                <a:ext cx="412078" cy="412078"/>
-              </a:xfrm>
-              <a:prstGeom prst="ellipse">
-                <a:avLst/>
-              </a:prstGeom>
-            </p:spPr>
-            <p:style>
-              <a:lnRef idx="2">
-                <a:schemeClr val="accent1">
-                  <a:shade val="15000"/>
-                </a:schemeClr>
-              </a:lnRef>
-              <a:fillRef idx="1">
-                <a:schemeClr val="accent1"/>
-              </a:fillRef>
-              <a:effectRef idx="0">
-                <a:schemeClr val="accent1"/>
-              </a:effectRef>
-              <a:fontRef idx="minor">
-                <a:schemeClr val="lt1"/>
-              </a:fontRef>
-            </p:style>
-            <p:txBody>
-              <a:bodyPr lIns="0" tIns="0" rIns="0" bIns="0" rtlCol="0" anchor="ctr"/>
-              <a:lstStyle/>
-              <a:p>
-                <a:pPr algn="ctr"/>
-                <a14:m>
-                  <m:oMathPara xmlns:m="http://schemas.openxmlformats.org/officeDocument/2006/math">
-                    <m:oMathParaPr>
-                      <m:jc m:val="centerGroup"/>
-                    </m:oMathParaPr>
-                    <m:oMath xmlns:m="http://schemas.openxmlformats.org/officeDocument/2006/math">
-                      <m:r>
-                        <a:rPr lang="en-US" altLang="ko-KR" b="0" i="1" smtClean="0">
-                          <a:latin typeface="Cambria Math" panose="02040503050406030204" pitchFamily="18" charset="0"/>
-                        </a:rPr>
-                        <m:t>-1</m:t>
-                      </m:r>
-                    </m:oMath>
-                  </m:oMathPara>
-                </a14:m>
-                <a:endParaRPr lang="ko-KR" altLang="en-US"/>
-              </a:p>
-            </p:txBody>
-          </p:sp>
-        </mc:Choice>
-        <mc:Fallback>
-          <p:sp>
-            <p:nvSpPr>
-              <p:cNvPr id="5" name="타원 4">
-                <a:extLst>
-                  <a:ext uri="{FF2B5EF4-FFF2-40B4-BE49-F238E27FC236}">
-                    <a16:creationId xmlns:a16="http://schemas.microsoft.com/office/drawing/2014/main" id="{3C5E0A17-0431-6EBD-D510-7838BEEF4C5A}"/>
-                  </a:ext>
-                </a:extLst>
-              </p:cNvPr>
-              <p:cNvSpPr>
-                <a:spLocks noRot="1" noChangeAspect="1" noMove="1" noResize="1" noEditPoints="1" noAdjustHandles="1" noChangeArrowheads="1" noChangeShapeType="1" noTextEdit="1"/>
-              </p:cNvSpPr>
-              <p:nvPr/>
-            </p:nvSpPr>
-            <p:spPr>
-              <a:xfrm>
-                <a:off x="4890853" y="2568009"/>
-                <a:ext cx="412078" cy="412078"/>
-              </a:xfrm>
-              <a:prstGeom prst="ellipse">
-                <a:avLst/>
-              </a:prstGeom>
-              <a:blipFill>
-                <a:blip r:embed="rId3"/>
-                <a:stretch>
-                  <a:fillRect/>
-                </a:stretch>
-              </a:blipFill>
-            </p:spPr>
-            <p:txBody>
-              <a:bodyPr/>
-              <a:lstStyle/>
-              <a:p>
-                <a:r>
-                  <a:rPr lang="ko-KR" altLang="en-US">
-                    <a:noFill/>
-                  </a:rPr>
-                  <a:t> </a:t>
-                </a:r>
-              </a:p>
-            </p:txBody>
-          </p:sp>
-        </mc:Fallback>
-      </mc:AlternateContent>
-      <mc:AlternateContent xmlns:mc="http://schemas.openxmlformats.org/markup-compatibility/2006">
-        <mc:Choice xmlns:a14="http://schemas.microsoft.com/office/drawing/2010/main" Requires="a14">
-          <p:sp>
-            <p:nvSpPr>
-              <p:cNvPr id="6" name="타원 5">
-                <a:extLst>
-                  <a:ext uri="{FF2B5EF4-FFF2-40B4-BE49-F238E27FC236}">
-                    <a16:creationId xmlns:a16="http://schemas.microsoft.com/office/drawing/2014/main" id="{87B560BA-A094-22B9-196A-28E81E385DE4}"/>
-                  </a:ext>
-                </a:extLst>
-              </p:cNvPr>
-              <p:cNvSpPr/>
-              <p:nvPr/>
-            </p:nvSpPr>
-            <p:spPr>
-              <a:xfrm>
-                <a:off x="3891746" y="2568009"/>
-                <a:ext cx="412078" cy="412078"/>
-              </a:xfrm>
-              <a:prstGeom prst="ellipse">
-                <a:avLst/>
-              </a:prstGeom>
-            </p:spPr>
-            <p:style>
-              <a:lnRef idx="2">
-                <a:schemeClr val="accent1">
-                  <a:shade val="15000"/>
-                </a:schemeClr>
-              </a:lnRef>
-              <a:fillRef idx="1">
-                <a:schemeClr val="accent1"/>
-              </a:fillRef>
-              <a:effectRef idx="0">
-                <a:schemeClr val="accent1"/>
-              </a:effectRef>
-              <a:fontRef idx="minor">
-                <a:schemeClr val="lt1"/>
-              </a:fontRef>
-            </p:style>
-            <p:txBody>
-              <a:bodyPr lIns="0" tIns="0" rIns="0" bIns="0" rtlCol="0" anchor="ctr"/>
-              <a:lstStyle/>
-              <a:p>
-                <a:pPr algn="ctr"/>
-                <a14:m>
-                  <m:oMathPara xmlns:m="http://schemas.openxmlformats.org/officeDocument/2006/math">
-                    <m:oMathParaPr>
-                      <m:jc m:val="centerGroup"/>
-                    </m:oMathParaPr>
-                    <m:oMath xmlns:m="http://schemas.openxmlformats.org/officeDocument/2006/math">
-                      <m:r>
-                        <a:rPr lang="en-US" altLang="ko-KR" b="0" i="1" smtClean="0">
-                          <a:latin typeface="Cambria Math" panose="02040503050406030204" pitchFamily="18" charset="0"/>
-                        </a:rPr>
-                        <m:t>-2</m:t>
-                      </m:r>
-                    </m:oMath>
-                  </m:oMathPara>
-                </a14:m>
-                <a:endParaRPr lang="ko-KR" altLang="en-US"/>
-              </a:p>
-            </p:txBody>
-          </p:sp>
-        </mc:Choice>
-        <mc:Fallback>
-          <p:sp>
-            <p:nvSpPr>
-              <p:cNvPr id="6" name="타원 5">
-                <a:extLst>
-                  <a:ext uri="{FF2B5EF4-FFF2-40B4-BE49-F238E27FC236}">
-                    <a16:creationId xmlns:a16="http://schemas.microsoft.com/office/drawing/2014/main" id="{87B560BA-A094-22B9-196A-28E81E385DE4}"/>
-                  </a:ext>
-                </a:extLst>
-              </p:cNvPr>
-              <p:cNvSpPr>
-                <a:spLocks noRot="1" noChangeAspect="1" noMove="1" noResize="1" noEditPoints="1" noAdjustHandles="1" noChangeArrowheads="1" noChangeShapeType="1" noTextEdit="1"/>
-              </p:cNvSpPr>
-              <p:nvPr/>
-            </p:nvSpPr>
-            <p:spPr>
-              <a:xfrm>
-                <a:off x="3891746" y="2568009"/>
-                <a:ext cx="412078" cy="412078"/>
-              </a:xfrm>
-              <a:prstGeom prst="ellipse">
-                <a:avLst/>
-              </a:prstGeom>
-              <a:blipFill>
-                <a:blip r:embed="rId4"/>
-                <a:stretch>
-                  <a:fillRect/>
-                </a:stretch>
-              </a:blipFill>
-            </p:spPr>
-            <p:txBody>
-              <a:bodyPr/>
-              <a:lstStyle/>
-              <a:p>
-                <a:r>
-                  <a:rPr lang="ko-KR" altLang="en-US">
-                    <a:noFill/>
-                  </a:rPr>
-                  <a:t> </a:t>
-                </a:r>
-              </a:p>
-            </p:txBody>
-          </p:sp>
-        </mc:Fallback>
-      </mc:AlternateContent>
-      <p:sp>
-        <p:nvSpPr>
-          <p:cNvPr id="8" name="타원 7">
-            <a:extLst>
-              <a:ext uri="{FF2B5EF4-FFF2-40B4-BE49-F238E27FC236}">
-                <a16:creationId xmlns:a16="http://schemas.microsoft.com/office/drawing/2014/main" id="{880F527F-395F-7A26-013E-E92494B5E073}"/>
-              </a:ext>
-            </a:extLst>
-          </p:cNvPr>
-          <p:cNvSpPr/>
-          <p:nvPr/>
-        </p:nvSpPr>
-        <p:spPr>
-          <a:xfrm>
-            <a:off x="6889068" y="2568009"/>
-            <a:ext cx="412078" cy="412078"/>
-          </a:xfrm>
-          <a:prstGeom prst="ellipse">
-            <a:avLst/>
-          </a:prstGeom>
-        </p:spPr>
-        <p:style>
-          <a:lnRef idx="2">
-            <a:schemeClr val="accent1">
-              <a:shade val="15000"/>
-            </a:schemeClr>
-          </a:lnRef>
-          <a:fillRef idx="1">
-            <a:schemeClr val="accent1"/>
-          </a:fillRef>
-          <a:effectRef idx="0">
-            <a:schemeClr val="accent1"/>
-          </a:effectRef>
-          <a:fontRef idx="minor">
-            <a:schemeClr val="lt1"/>
-          </a:fontRef>
-        </p:style>
-        <p:txBody>
-          <a:bodyPr lIns="0" tIns="0" rIns="0" bIns="0" rtlCol="0" anchor="ctr"/>
-          <a:lstStyle/>
-          <a:p>
-            <a:pPr algn="ctr"/>
-            <a:r>
-              <a:rPr lang="en-US" altLang="ko-KR"/>
-              <a:t>1</a:t>
-            </a:r>
-            <a:endParaRPr lang="ko-KR" altLang="en-US"/>
-          </a:p>
-        </p:txBody>
-      </p:sp>
-      <p:sp>
-        <p:nvSpPr>
-          <p:cNvPr id="10" name="타원 9">
-            <a:extLst>
-              <a:ext uri="{FF2B5EF4-FFF2-40B4-BE49-F238E27FC236}">
-                <a16:creationId xmlns:a16="http://schemas.microsoft.com/office/drawing/2014/main" id="{0FC216B0-9BB1-C159-B01C-8498BC8A333D}"/>
-              </a:ext>
-            </a:extLst>
-          </p:cNvPr>
-          <p:cNvSpPr/>
-          <p:nvPr/>
-        </p:nvSpPr>
-        <p:spPr>
-          <a:xfrm>
-            <a:off x="7888175" y="2568009"/>
-            <a:ext cx="412078" cy="412078"/>
-          </a:xfrm>
-          <a:prstGeom prst="ellipse">
-            <a:avLst/>
-          </a:prstGeom>
-        </p:spPr>
-        <p:style>
-          <a:lnRef idx="2">
-            <a:schemeClr val="accent1">
-              <a:shade val="15000"/>
-            </a:schemeClr>
-          </a:lnRef>
-          <a:fillRef idx="1">
-            <a:schemeClr val="accent1"/>
-          </a:fillRef>
-          <a:effectRef idx="0">
-            <a:schemeClr val="accent1"/>
-          </a:effectRef>
-          <a:fontRef idx="minor">
-            <a:schemeClr val="lt1"/>
-          </a:fontRef>
-        </p:style>
-        <p:txBody>
-          <a:bodyPr lIns="0" tIns="0" rIns="0" bIns="0" rtlCol="0" anchor="ctr"/>
-          <a:lstStyle/>
-          <a:p>
-            <a:pPr algn="ctr"/>
-            <a:r>
-              <a:rPr lang="en-US" altLang="ko-KR"/>
-              <a:t>2</a:t>
-            </a:r>
-            <a:endParaRPr lang="ko-KR" altLang="en-US"/>
-          </a:p>
-        </p:txBody>
-      </p:sp>
-      <p:cxnSp>
-        <p:nvCxnSpPr>
-          <p:cNvPr id="11" name="직선 연결선 10">
-            <a:extLst>
-              <a:ext uri="{FF2B5EF4-FFF2-40B4-BE49-F238E27FC236}">
-                <a16:creationId xmlns:a16="http://schemas.microsoft.com/office/drawing/2014/main" id="{7C6BA9E3-9726-758C-814C-4957C6A969C4}"/>
-              </a:ext>
-            </a:extLst>
-          </p:cNvPr>
-          <p:cNvCxnSpPr>
-            <a:cxnSpLocks/>
-            <a:stCxn id="6" idx="6"/>
-            <a:endCxn id="5" idx="2"/>
-          </p:cNvCxnSpPr>
-          <p:nvPr/>
-        </p:nvCxnSpPr>
-        <p:spPr>
-          <a:xfrm>
-            <a:off x="4303824" y="2774048"/>
-            <a:ext cx="587029" cy="0"/>
-          </a:xfrm>
-          <a:prstGeom prst="line">
-            <a:avLst/>
-          </a:prstGeom>
-          <a:ln w="76200"/>
-        </p:spPr>
-        <p:style>
-          <a:lnRef idx="2">
-            <a:schemeClr val="accent1"/>
-          </a:lnRef>
-          <a:fillRef idx="0">
-            <a:schemeClr val="accent1"/>
-          </a:fillRef>
-          <a:effectRef idx="1">
-            <a:schemeClr val="accent1"/>
-          </a:effectRef>
-          <a:fontRef idx="minor">
-            <a:schemeClr val="tx1"/>
-          </a:fontRef>
-        </p:style>
-      </p:cxnSp>
-      <p:cxnSp>
-        <p:nvCxnSpPr>
-          <p:cNvPr id="12" name="직선 연결선 11">
-            <a:extLst>
-              <a:ext uri="{FF2B5EF4-FFF2-40B4-BE49-F238E27FC236}">
-                <a16:creationId xmlns:a16="http://schemas.microsoft.com/office/drawing/2014/main" id="{792BA3C5-2536-BACB-7143-E082ECF6EB1F}"/>
-              </a:ext>
-            </a:extLst>
-          </p:cNvPr>
-          <p:cNvCxnSpPr>
-            <a:cxnSpLocks/>
-          </p:cNvCxnSpPr>
-          <p:nvPr/>
-        </p:nvCxnSpPr>
-        <p:spPr>
-          <a:xfrm>
-            <a:off x="5302931" y="2774048"/>
-            <a:ext cx="587029" cy="0"/>
-          </a:xfrm>
-          <a:prstGeom prst="line">
-            <a:avLst/>
-          </a:prstGeom>
-          <a:ln w="76200"/>
-        </p:spPr>
-        <p:style>
-          <a:lnRef idx="2">
-            <a:schemeClr val="accent1"/>
-          </a:lnRef>
-          <a:fillRef idx="0">
-            <a:schemeClr val="accent1"/>
-          </a:fillRef>
-          <a:effectRef idx="1">
-            <a:schemeClr val="accent1"/>
-          </a:effectRef>
-          <a:fontRef idx="minor">
-            <a:schemeClr val="tx1"/>
-          </a:fontRef>
-        </p:style>
-      </p:cxnSp>
-      <p:cxnSp>
-        <p:nvCxnSpPr>
-          <p:cNvPr id="13" name="직선 연결선 12">
-            <a:extLst>
-              <a:ext uri="{FF2B5EF4-FFF2-40B4-BE49-F238E27FC236}">
-                <a16:creationId xmlns:a16="http://schemas.microsoft.com/office/drawing/2014/main" id="{D7F876A6-3EC5-7A29-FD53-99956AEB233F}"/>
-              </a:ext>
-            </a:extLst>
-          </p:cNvPr>
-          <p:cNvCxnSpPr>
-            <a:cxnSpLocks/>
-          </p:cNvCxnSpPr>
-          <p:nvPr/>
-        </p:nvCxnSpPr>
-        <p:spPr>
-          <a:xfrm>
-            <a:off x="6302038" y="2774048"/>
-            <a:ext cx="587029" cy="0"/>
-          </a:xfrm>
-          <a:prstGeom prst="line">
-            <a:avLst/>
-          </a:prstGeom>
-          <a:ln w="76200"/>
-        </p:spPr>
-        <p:style>
-          <a:lnRef idx="2">
-            <a:schemeClr val="accent1"/>
-          </a:lnRef>
-          <a:fillRef idx="0">
-            <a:schemeClr val="accent1"/>
-          </a:fillRef>
-          <a:effectRef idx="1">
-            <a:schemeClr val="accent1"/>
-          </a:effectRef>
-          <a:fontRef idx="minor">
-            <a:schemeClr val="tx1"/>
-          </a:fontRef>
-        </p:style>
-      </p:cxnSp>
-      <p:cxnSp>
-        <p:nvCxnSpPr>
-          <p:cNvPr id="14" name="직선 연결선 13">
-            <a:extLst>
-              <a:ext uri="{FF2B5EF4-FFF2-40B4-BE49-F238E27FC236}">
-                <a16:creationId xmlns:a16="http://schemas.microsoft.com/office/drawing/2014/main" id="{6DEB3C5E-4C8C-426F-7F7F-E45801258F01}"/>
-              </a:ext>
-            </a:extLst>
-          </p:cNvPr>
-          <p:cNvCxnSpPr>
-            <a:cxnSpLocks/>
-          </p:cNvCxnSpPr>
-          <p:nvPr/>
-        </p:nvCxnSpPr>
-        <p:spPr>
-          <a:xfrm>
-            <a:off x="7301146" y="2774048"/>
-            <a:ext cx="587029" cy="0"/>
-          </a:xfrm>
-          <a:prstGeom prst="line">
-            <a:avLst/>
-          </a:prstGeom>
-          <a:ln w="76200"/>
-        </p:spPr>
-        <p:style>
-          <a:lnRef idx="2">
-            <a:schemeClr val="accent1"/>
-          </a:lnRef>
-          <a:fillRef idx="0">
-            <a:schemeClr val="accent1"/>
-          </a:fillRef>
-          <a:effectRef idx="1">
-            <a:schemeClr val="accent1"/>
-          </a:effectRef>
-          <a:fontRef idx="minor">
-            <a:schemeClr val="tx1"/>
-          </a:fontRef>
-        </p:style>
-      </p:cxnSp>
-      <p:cxnSp>
-        <p:nvCxnSpPr>
-          <p:cNvPr id="19" name="직선 화살표 연결선 18">
-            <a:extLst>
-              <a:ext uri="{FF2B5EF4-FFF2-40B4-BE49-F238E27FC236}">
-                <a16:creationId xmlns:a16="http://schemas.microsoft.com/office/drawing/2014/main" id="{8F9F3F30-D3A9-A8E6-8CC3-18699FD57D8F}"/>
-              </a:ext>
-            </a:extLst>
-          </p:cNvPr>
-          <p:cNvCxnSpPr>
-            <a:cxnSpLocks/>
-            <a:endCxn id="4" idx="0"/>
-          </p:cNvCxnSpPr>
-          <p:nvPr/>
-        </p:nvCxnSpPr>
-        <p:spPr>
-          <a:xfrm>
-            <a:off x="6096000" y="2162221"/>
-            <a:ext cx="0" cy="405788"/>
-          </a:xfrm>
-          <a:prstGeom prst="straightConnector1">
-            <a:avLst/>
-          </a:prstGeom>
-          <a:ln>
-            <a:tailEnd type="triangle"/>
-          </a:ln>
-        </p:spPr>
-        <p:style>
-          <a:lnRef idx="2">
-            <a:schemeClr val="accent1"/>
-          </a:lnRef>
-          <a:fillRef idx="0">
-            <a:schemeClr val="accent1"/>
-          </a:fillRef>
-          <a:effectRef idx="1">
-            <a:schemeClr val="accent1"/>
-          </a:effectRef>
-          <a:fontRef idx="minor">
-            <a:schemeClr val="tx1"/>
-          </a:fontRef>
-        </p:style>
-      </p:cxnSp>
-      <p:sp>
-        <p:nvSpPr>
-          <p:cNvPr id="17" name="TextBox 16">
-            <a:extLst>
-              <a:ext uri="{FF2B5EF4-FFF2-40B4-BE49-F238E27FC236}">
-                <a16:creationId xmlns:a16="http://schemas.microsoft.com/office/drawing/2014/main" id="{93004C84-B944-F16B-7E39-53FE0E72C84D}"/>
-              </a:ext>
-            </a:extLst>
-          </p:cNvPr>
-          <p:cNvSpPr txBox="1"/>
-          <p:nvPr/>
-        </p:nvSpPr>
-        <p:spPr>
-          <a:xfrm>
-            <a:off x="3289006" y="2566857"/>
-            <a:ext cx="356188" cy="369332"/>
-          </a:xfrm>
-          <a:prstGeom prst="rect">
-            <a:avLst/>
-          </a:prstGeom>
-          <a:noFill/>
-        </p:spPr>
-        <p:txBody>
-          <a:bodyPr wrap="none" rtlCol="0">
-            <a:spAutoFit/>
-          </a:bodyPr>
-          <a:lstStyle/>
-          <a:p>
-            <a:r>
-              <a:rPr lang="en-US" altLang="ko-KR"/>
-              <a:t>…</a:t>
-            </a:r>
-            <a:endParaRPr lang="ko-KR" altLang="en-US"/>
-          </a:p>
-        </p:txBody>
-      </p:sp>
-      <p:sp>
-        <p:nvSpPr>
-          <p:cNvPr id="18" name="TextBox 17">
-            <a:extLst>
-              <a:ext uri="{FF2B5EF4-FFF2-40B4-BE49-F238E27FC236}">
-                <a16:creationId xmlns:a16="http://schemas.microsoft.com/office/drawing/2014/main" id="{97829848-AE62-CA0D-DECF-B04E783B6F51}"/>
-              </a:ext>
-            </a:extLst>
-          </p:cNvPr>
-          <p:cNvSpPr txBox="1"/>
-          <p:nvPr/>
-        </p:nvSpPr>
-        <p:spPr>
-          <a:xfrm>
-            <a:off x="8574750" y="2566857"/>
-            <a:ext cx="356188" cy="369332"/>
-          </a:xfrm>
-          <a:prstGeom prst="rect">
-            <a:avLst/>
-          </a:prstGeom>
-          <a:noFill/>
-        </p:spPr>
-        <p:txBody>
-          <a:bodyPr wrap="none" rtlCol="0">
-            <a:spAutoFit/>
-          </a:bodyPr>
-          <a:lstStyle/>
-          <a:p>
-            <a:r>
-              <a:rPr lang="en-US" altLang="ko-KR"/>
-              <a:t>…</a:t>
-            </a:r>
-            <a:endParaRPr lang="ko-KR" altLang="en-US"/>
-          </a:p>
-        </p:txBody>
-      </p:sp>
-    </p:spTree>
-    <p:extLst>
-      <p:ext uri="{BB962C8B-B14F-4D97-AF65-F5344CB8AC3E}">
-        <p14:creationId xmlns:p14="http://schemas.microsoft.com/office/powerpoint/2010/main" val="3070801562"/>
-      </p:ext>
-    </p:extLst>
-  </p:cSld>
-  <p:clrMapOvr>
-    <a:masterClrMapping/>
-  </p:clrMapOvr>
-</p:sld>
-</file>
-
-<file path=ppt/slides/slide20.xml><?xml version="1.0" encoding="utf-8"?>
+<file path=ppt/slides/slide19.xml><?xml version="1.0" encoding="utf-8"?>
 <p:sld xmlns:a="http://schemas.openxmlformats.org/drawingml/2006/main" xmlns:r="http://schemas.openxmlformats.org/officeDocument/2006/relationships" xmlns:p="http://schemas.openxmlformats.org/presentationml/2006/main">
   <p:cSld>
     <p:spTree>
@@ -10374,7 +8813,845 @@
 </p:sld>
 </file>
 
-<file path=ppt/slides/slide21.xml><?xml version="1.0" encoding="utf-8"?>
+<file path=ppt/slides/slide2.xml><?xml version="1.0" encoding="utf-8"?>
+<p:sld xmlns:a="http://schemas.openxmlformats.org/drawingml/2006/main" xmlns:r="http://schemas.openxmlformats.org/officeDocument/2006/relationships" xmlns:p="http://schemas.openxmlformats.org/presentationml/2006/main">
+  <p:cSld>
+    <p:spTree>
+      <p:nvGrpSpPr>
+        <p:cNvPr id="1" name=""/>
+        <p:cNvGrpSpPr/>
+        <p:nvPr/>
+      </p:nvGrpSpPr>
+      <p:grpSpPr>
+        <a:xfrm>
+          <a:off x="0" y="0"/>
+          <a:ext cx="0" cy="0"/>
+          <a:chOff x="0" y="0"/>
+          <a:chExt cx="0" cy="0"/>
+        </a:xfrm>
+      </p:grpSpPr>
+      <p:sp>
+        <p:nvSpPr>
+          <p:cNvPr id="2" name="제목 1">
+            <a:extLst>
+              <a:ext uri="{FF2B5EF4-FFF2-40B4-BE49-F238E27FC236}">
+                <a16:creationId xmlns:a16="http://schemas.microsoft.com/office/drawing/2014/main" id="{60029E53-E04D-04DD-28DD-923D180AC9A3}"/>
+              </a:ext>
+            </a:extLst>
+          </p:cNvPr>
+          <p:cNvSpPr>
+            <a:spLocks noGrp="1"/>
+          </p:cNvSpPr>
+          <p:nvPr>
+            <p:ph type="title"/>
+          </p:nvPr>
+        </p:nvSpPr>
+        <p:spPr/>
+        <p:txBody>
+          <a:bodyPr/>
+          <a:lstStyle/>
+          <a:p>
+            <a:r>
+              <a:rPr lang="ko-KR" altLang="en-US"/>
+              <a:t>고전적 랜덤 워크</a:t>
+            </a:r>
+          </a:p>
+        </p:txBody>
+      </p:sp>
+      <mc:AlternateContent xmlns:mc="http://schemas.openxmlformats.org/markup-compatibility/2006" xmlns:a14="http://schemas.microsoft.com/office/drawing/2010/main">
+        <mc:Choice Requires="a14">
+          <p:sp>
+            <p:nvSpPr>
+              <p:cNvPr id="3" name="내용 개체 틀 2">
+                <a:extLst>
+                  <a:ext uri="{FF2B5EF4-FFF2-40B4-BE49-F238E27FC236}">
+                    <a16:creationId xmlns:a16="http://schemas.microsoft.com/office/drawing/2014/main" id="{82238E5B-DE29-F901-3154-DD8DDC7CA367}"/>
+                  </a:ext>
+                </a:extLst>
+              </p:cNvPr>
+              <p:cNvSpPr>
+                <a:spLocks noGrp="1"/>
+              </p:cNvSpPr>
+              <p:nvPr>
+                <p:ph idx="1"/>
+              </p:nvPr>
+            </p:nvSpPr>
+            <p:spPr>
+              <a:xfrm>
+                <a:off x="838200" y="3858560"/>
+                <a:ext cx="10515600" cy="1968941"/>
+              </a:xfrm>
+            </p:spPr>
+            <p:txBody>
+              <a:bodyPr>
+                <a:normAutofit/>
+              </a:bodyPr>
+              <a:lstStyle/>
+              <a:p>
+                <a14:m>
+                  <m:oMath xmlns:m="http://schemas.openxmlformats.org/officeDocument/2006/math">
+                    <m:r>
+                      <a:rPr lang="en-US" altLang="ko-KR" sz="2400" i="1">
+                        <a:latin typeface="Cambria Math" panose="02040503050406030204" pitchFamily="18" charset="0"/>
+                      </a:rPr>
+                      <m:t>𝑑𝑡</m:t>
+                    </m:r>
+                  </m:oMath>
+                </a14:m>
+                <a:r>
+                  <a:rPr lang="ko-KR" altLang="en-US" sz="2400"/>
+                  <a:t> 시간 동안 </a:t>
+                </a:r>
+                <a14:m>
+                  <m:oMath xmlns:m="http://schemas.openxmlformats.org/officeDocument/2006/math">
+                    <m:r>
+                      <a:rPr lang="en-US" altLang="ko-KR" sz="2400" i="1">
+                        <a:latin typeface="Cambria Math" panose="02040503050406030204" pitchFamily="18" charset="0"/>
+                      </a:rPr>
+                      <m:t>𝑑𝑡</m:t>
+                    </m:r>
+                    <m:r>
+                      <a:rPr lang="ko-KR" altLang="en-US" sz="2400" i="1">
+                        <a:latin typeface="Cambria Math" panose="02040503050406030204" pitchFamily="18" charset="0"/>
+                      </a:rPr>
+                      <m:t>의</m:t>
+                    </m:r>
+                  </m:oMath>
+                </a14:m>
+                <a:r>
+                  <a:rPr lang="en-US" altLang="ko-KR" sz="2400"/>
+                  <a:t> </a:t>
+                </a:r>
+                <a:r>
+                  <a:rPr lang="ko-KR" altLang="en-US" sz="2400"/>
+                  <a:t>확률로 이동</a:t>
+                </a:r>
+                <a:endParaRPr lang="en-US" altLang="ko-KR" sz="2400"/>
+              </a:p>
+              <a:p>
+                <a:r>
+                  <a:rPr lang="ko-KR" altLang="en-US" sz="2400"/>
+                  <a:t>이동 시에는 왼쪽으로 갈 확률</a:t>
+                </a:r>
+                <a:r>
+                  <a:rPr lang="en-US" altLang="ko-KR" sz="2400"/>
+                  <a:t>=1/2, </a:t>
+                </a:r>
+                <a:r>
+                  <a:rPr lang="ko-KR" altLang="en-US" sz="2400"/>
+                  <a:t>오른쪽으로 갈 확률</a:t>
+                </a:r>
+                <a:r>
+                  <a:rPr lang="en-US" altLang="ko-KR" sz="2400"/>
+                  <a:t>=1/2</a:t>
+                </a:r>
+              </a:p>
+              <a:p>
+                <a:pPr marL="0" indent="0">
+                  <a:buNone/>
+                </a:pPr>
+                <a:endParaRPr lang="en-US" altLang="ko-KR" sz="2400"/>
+              </a:p>
+            </p:txBody>
+          </p:sp>
+        </mc:Choice>
+        <mc:Fallback xmlns="">
+          <p:sp>
+            <p:nvSpPr>
+              <p:cNvPr id="3" name="내용 개체 틀 2">
+                <a:extLst>
+                  <a:ext uri="{FF2B5EF4-FFF2-40B4-BE49-F238E27FC236}">
+                    <a16:creationId xmlns:a16="http://schemas.microsoft.com/office/drawing/2014/main" id="{82238E5B-DE29-F901-3154-DD8DDC7CA367}"/>
+                  </a:ext>
+                </a:extLst>
+              </p:cNvPr>
+              <p:cNvSpPr>
+                <a:spLocks noGrp="1" noRot="1" noChangeAspect="1" noMove="1" noResize="1" noEditPoints="1" noAdjustHandles="1" noChangeArrowheads="1" noChangeShapeType="1" noTextEdit="1"/>
+              </p:cNvSpPr>
+              <p:nvPr>
+                <p:ph idx="1"/>
+              </p:nvPr>
+            </p:nvSpPr>
+            <p:spPr>
+              <a:xfrm>
+                <a:off x="838200" y="3858560"/>
+                <a:ext cx="10515600" cy="1968941"/>
+              </a:xfrm>
+              <a:blipFill>
+                <a:blip r:embed="rId2"/>
+                <a:stretch>
+                  <a:fillRect l="-812" t="-4025"/>
+                </a:stretch>
+              </a:blipFill>
+            </p:spPr>
+            <p:txBody>
+              <a:bodyPr/>
+              <a:lstStyle/>
+              <a:p>
+                <a:r>
+                  <a:rPr lang="ko-KR" altLang="en-US">
+                    <a:noFill/>
+                  </a:rPr>
+                  <a:t> </a:t>
+                </a:r>
+              </a:p>
+            </p:txBody>
+          </p:sp>
+        </mc:Fallback>
+      </mc:AlternateContent>
+      <p:sp>
+        <p:nvSpPr>
+          <p:cNvPr id="4" name="타원 3">
+            <a:extLst>
+              <a:ext uri="{FF2B5EF4-FFF2-40B4-BE49-F238E27FC236}">
+                <a16:creationId xmlns:a16="http://schemas.microsoft.com/office/drawing/2014/main" id="{DC1AE043-1535-86C7-C10E-219DFB62807F}"/>
+              </a:ext>
+            </a:extLst>
+          </p:cNvPr>
+          <p:cNvSpPr/>
+          <p:nvPr/>
+        </p:nvSpPr>
+        <p:spPr>
+          <a:xfrm>
+            <a:off x="5889961" y="2568009"/>
+            <a:ext cx="412078" cy="412078"/>
+          </a:xfrm>
+          <a:prstGeom prst="ellipse">
+            <a:avLst/>
+          </a:prstGeom>
+        </p:spPr>
+        <p:style>
+          <a:lnRef idx="2">
+            <a:schemeClr val="accent1">
+              <a:shade val="15000"/>
+            </a:schemeClr>
+          </a:lnRef>
+          <a:fillRef idx="1">
+            <a:schemeClr val="accent1"/>
+          </a:fillRef>
+          <a:effectRef idx="0">
+            <a:schemeClr val="accent1"/>
+          </a:effectRef>
+          <a:fontRef idx="minor">
+            <a:schemeClr val="lt1"/>
+          </a:fontRef>
+        </p:style>
+        <p:txBody>
+          <a:bodyPr lIns="0" tIns="0" rIns="0" bIns="0" rtlCol="0" anchor="ctr"/>
+          <a:lstStyle/>
+          <a:p>
+            <a:pPr algn="ctr"/>
+            <a:r>
+              <a:rPr lang="ko-KR" altLang="en-US"/>
+              <a:t>０</a:t>
+            </a:r>
+          </a:p>
+        </p:txBody>
+      </p:sp>
+      <mc:AlternateContent xmlns:mc="http://schemas.openxmlformats.org/markup-compatibility/2006" xmlns:a14="http://schemas.microsoft.com/office/drawing/2010/main">
+        <mc:Choice Requires="a14">
+          <p:sp>
+            <p:nvSpPr>
+              <p:cNvPr id="5" name="타원 4">
+                <a:extLst>
+                  <a:ext uri="{FF2B5EF4-FFF2-40B4-BE49-F238E27FC236}">
+                    <a16:creationId xmlns:a16="http://schemas.microsoft.com/office/drawing/2014/main" id="{3C5E0A17-0431-6EBD-D510-7838BEEF4C5A}"/>
+                  </a:ext>
+                </a:extLst>
+              </p:cNvPr>
+              <p:cNvSpPr/>
+              <p:nvPr/>
+            </p:nvSpPr>
+            <p:spPr>
+              <a:xfrm>
+                <a:off x="4890853" y="2568009"/>
+                <a:ext cx="412078" cy="412078"/>
+              </a:xfrm>
+              <a:prstGeom prst="ellipse">
+                <a:avLst/>
+              </a:prstGeom>
+            </p:spPr>
+            <p:style>
+              <a:lnRef idx="2">
+                <a:schemeClr val="accent1">
+                  <a:shade val="15000"/>
+                </a:schemeClr>
+              </a:lnRef>
+              <a:fillRef idx="1">
+                <a:schemeClr val="accent1"/>
+              </a:fillRef>
+              <a:effectRef idx="0">
+                <a:schemeClr val="accent1"/>
+              </a:effectRef>
+              <a:fontRef idx="minor">
+                <a:schemeClr val="lt1"/>
+              </a:fontRef>
+            </p:style>
+            <p:txBody>
+              <a:bodyPr lIns="0" tIns="0" rIns="0" bIns="0" rtlCol="0" anchor="ctr"/>
+              <a:lstStyle/>
+              <a:p>
+                <a:pPr algn="ctr"/>
+                <a14:m>
+                  <m:oMathPara xmlns:m="http://schemas.openxmlformats.org/officeDocument/2006/math">
+                    <m:oMathParaPr>
+                      <m:jc m:val="centerGroup"/>
+                    </m:oMathParaPr>
+                    <m:oMath xmlns:m="http://schemas.openxmlformats.org/officeDocument/2006/math">
+                      <m:r>
+                        <a:rPr lang="en-US" altLang="ko-KR" b="0" i="1" smtClean="0">
+                          <a:latin typeface="Cambria Math" panose="02040503050406030204" pitchFamily="18" charset="0"/>
+                        </a:rPr>
+                        <m:t>−1</m:t>
+                      </m:r>
+                    </m:oMath>
+                  </m:oMathPara>
+                </a14:m>
+                <a:endParaRPr lang="ko-KR" altLang="en-US"/>
+              </a:p>
+            </p:txBody>
+          </p:sp>
+        </mc:Choice>
+        <mc:Fallback xmlns="">
+          <p:sp>
+            <p:nvSpPr>
+              <p:cNvPr id="5" name="타원 4">
+                <a:extLst>
+                  <a:ext uri="{FF2B5EF4-FFF2-40B4-BE49-F238E27FC236}">
+                    <a16:creationId xmlns:a16="http://schemas.microsoft.com/office/drawing/2014/main" id="{3C5E0A17-0431-6EBD-D510-7838BEEF4C5A}"/>
+                  </a:ext>
+                </a:extLst>
+              </p:cNvPr>
+              <p:cNvSpPr>
+                <a:spLocks noRot="1" noChangeAspect="1" noMove="1" noResize="1" noEditPoints="1" noAdjustHandles="1" noChangeArrowheads="1" noChangeShapeType="1" noTextEdit="1"/>
+              </p:cNvSpPr>
+              <p:nvPr/>
+            </p:nvSpPr>
+            <p:spPr>
+              <a:xfrm>
+                <a:off x="4890853" y="2568009"/>
+                <a:ext cx="412078" cy="412078"/>
+              </a:xfrm>
+              <a:prstGeom prst="ellipse">
+                <a:avLst/>
+              </a:prstGeom>
+              <a:blipFill>
+                <a:blip r:embed="rId3"/>
+                <a:stretch>
+                  <a:fillRect/>
+                </a:stretch>
+              </a:blipFill>
+            </p:spPr>
+            <p:txBody>
+              <a:bodyPr/>
+              <a:lstStyle/>
+              <a:p>
+                <a:r>
+                  <a:rPr lang="ko-KR" altLang="en-US">
+                    <a:noFill/>
+                  </a:rPr>
+                  <a:t> </a:t>
+                </a:r>
+              </a:p>
+            </p:txBody>
+          </p:sp>
+        </mc:Fallback>
+      </mc:AlternateContent>
+      <mc:AlternateContent xmlns:mc="http://schemas.openxmlformats.org/markup-compatibility/2006" xmlns:a14="http://schemas.microsoft.com/office/drawing/2010/main">
+        <mc:Choice Requires="a14">
+          <p:sp>
+            <p:nvSpPr>
+              <p:cNvPr id="6" name="타원 5">
+                <a:extLst>
+                  <a:ext uri="{FF2B5EF4-FFF2-40B4-BE49-F238E27FC236}">
+                    <a16:creationId xmlns:a16="http://schemas.microsoft.com/office/drawing/2014/main" id="{87B560BA-A094-22B9-196A-28E81E385DE4}"/>
+                  </a:ext>
+                </a:extLst>
+              </p:cNvPr>
+              <p:cNvSpPr/>
+              <p:nvPr/>
+            </p:nvSpPr>
+            <p:spPr>
+              <a:xfrm>
+                <a:off x="3891746" y="2568009"/>
+                <a:ext cx="412078" cy="412078"/>
+              </a:xfrm>
+              <a:prstGeom prst="ellipse">
+                <a:avLst/>
+              </a:prstGeom>
+            </p:spPr>
+            <p:style>
+              <a:lnRef idx="2">
+                <a:schemeClr val="accent1">
+                  <a:shade val="15000"/>
+                </a:schemeClr>
+              </a:lnRef>
+              <a:fillRef idx="1">
+                <a:schemeClr val="accent1"/>
+              </a:fillRef>
+              <a:effectRef idx="0">
+                <a:schemeClr val="accent1"/>
+              </a:effectRef>
+              <a:fontRef idx="minor">
+                <a:schemeClr val="lt1"/>
+              </a:fontRef>
+            </p:style>
+            <p:txBody>
+              <a:bodyPr lIns="0" tIns="0" rIns="0" bIns="0" rtlCol="0" anchor="ctr"/>
+              <a:lstStyle/>
+              <a:p>
+                <a:pPr algn="ctr"/>
+                <a14:m>
+                  <m:oMathPara xmlns:m="http://schemas.openxmlformats.org/officeDocument/2006/math">
+                    <m:oMathParaPr>
+                      <m:jc m:val="centerGroup"/>
+                    </m:oMathParaPr>
+                    <m:oMath xmlns:m="http://schemas.openxmlformats.org/officeDocument/2006/math">
+                      <m:r>
+                        <a:rPr lang="en-US" altLang="ko-KR" b="0" i="1" smtClean="0">
+                          <a:latin typeface="Cambria Math" panose="02040503050406030204" pitchFamily="18" charset="0"/>
+                        </a:rPr>
+                        <m:t>−2</m:t>
+                      </m:r>
+                    </m:oMath>
+                  </m:oMathPara>
+                </a14:m>
+                <a:endParaRPr lang="ko-KR" altLang="en-US"/>
+              </a:p>
+            </p:txBody>
+          </p:sp>
+        </mc:Choice>
+        <mc:Fallback xmlns="">
+          <p:sp>
+            <p:nvSpPr>
+              <p:cNvPr id="6" name="타원 5">
+                <a:extLst>
+                  <a:ext uri="{FF2B5EF4-FFF2-40B4-BE49-F238E27FC236}">
+                    <a16:creationId xmlns:a16="http://schemas.microsoft.com/office/drawing/2014/main" id="{87B560BA-A094-22B9-196A-28E81E385DE4}"/>
+                  </a:ext>
+                </a:extLst>
+              </p:cNvPr>
+              <p:cNvSpPr>
+                <a:spLocks noRot="1" noChangeAspect="1" noMove="1" noResize="1" noEditPoints="1" noAdjustHandles="1" noChangeArrowheads="1" noChangeShapeType="1" noTextEdit="1"/>
+              </p:cNvSpPr>
+              <p:nvPr/>
+            </p:nvSpPr>
+            <p:spPr>
+              <a:xfrm>
+                <a:off x="3891746" y="2568009"/>
+                <a:ext cx="412078" cy="412078"/>
+              </a:xfrm>
+              <a:prstGeom prst="ellipse">
+                <a:avLst/>
+              </a:prstGeom>
+              <a:blipFill>
+                <a:blip r:embed="rId4"/>
+                <a:stretch>
+                  <a:fillRect/>
+                </a:stretch>
+              </a:blipFill>
+            </p:spPr>
+            <p:txBody>
+              <a:bodyPr/>
+              <a:lstStyle/>
+              <a:p>
+                <a:r>
+                  <a:rPr lang="ko-KR" altLang="en-US">
+                    <a:noFill/>
+                  </a:rPr>
+                  <a:t> </a:t>
+                </a:r>
+              </a:p>
+            </p:txBody>
+          </p:sp>
+        </mc:Fallback>
+      </mc:AlternateContent>
+      <p:sp>
+        <p:nvSpPr>
+          <p:cNvPr id="8" name="타원 7">
+            <a:extLst>
+              <a:ext uri="{FF2B5EF4-FFF2-40B4-BE49-F238E27FC236}">
+                <a16:creationId xmlns:a16="http://schemas.microsoft.com/office/drawing/2014/main" id="{880F527F-395F-7A26-013E-E92494B5E073}"/>
+              </a:ext>
+            </a:extLst>
+          </p:cNvPr>
+          <p:cNvSpPr/>
+          <p:nvPr/>
+        </p:nvSpPr>
+        <p:spPr>
+          <a:xfrm>
+            <a:off x="6889068" y="2568009"/>
+            <a:ext cx="412078" cy="412078"/>
+          </a:xfrm>
+          <a:prstGeom prst="ellipse">
+            <a:avLst/>
+          </a:prstGeom>
+        </p:spPr>
+        <p:style>
+          <a:lnRef idx="2">
+            <a:schemeClr val="accent1">
+              <a:shade val="15000"/>
+            </a:schemeClr>
+          </a:lnRef>
+          <a:fillRef idx="1">
+            <a:schemeClr val="accent1"/>
+          </a:fillRef>
+          <a:effectRef idx="0">
+            <a:schemeClr val="accent1"/>
+          </a:effectRef>
+          <a:fontRef idx="minor">
+            <a:schemeClr val="lt1"/>
+          </a:fontRef>
+        </p:style>
+        <p:txBody>
+          <a:bodyPr lIns="0" tIns="0" rIns="0" bIns="0" rtlCol="0" anchor="ctr"/>
+          <a:lstStyle/>
+          <a:p>
+            <a:pPr algn="ctr"/>
+            <a:r>
+              <a:rPr lang="en-US" altLang="ko-KR"/>
+              <a:t>1</a:t>
+            </a:r>
+            <a:endParaRPr lang="ko-KR" altLang="en-US"/>
+          </a:p>
+        </p:txBody>
+      </p:sp>
+      <p:sp>
+        <p:nvSpPr>
+          <p:cNvPr id="10" name="타원 9">
+            <a:extLst>
+              <a:ext uri="{FF2B5EF4-FFF2-40B4-BE49-F238E27FC236}">
+                <a16:creationId xmlns:a16="http://schemas.microsoft.com/office/drawing/2014/main" id="{0FC216B0-9BB1-C159-B01C-8498BC8A333D}"/>
+              </a:ext>
+            </a:extLst>
+          </p:cNvPr>
+          <p:cNvSpPr/>
+          <p:nvPr/>
+        </p:nvSpPr>
+        <p:spPr>
+          <a:xfrm>
+            <a:off x="7888175" y="2568009"/>
+            <a:ext cx="412078" cy="412078"/>
+          </a:xfrm>
+          <a:prstGeom prst="ellipse">
+            <a:avLst/>
+          </a:prstGeom>
+        </p:spPr>
+        <p:style>
+          <a:lnRef idx="2">
+            <a:schemeClr val="accent1">
+              <a:shade val="15000"/>
+            </a:schemeClr>
+          </a:lnRef>
+          <a:fillRef idx="1">
+            <a:schemeClr val="accent1"/>
+          </a:fillRef>
+          <a:effectRef idx="0">
+            <a:schemeClr val="accent1"/>
+          </a:effectRef>
+          <a:fontRef idx="minor">
+            <a:schemeClr val="lt1"/>
+          </a:fontRef>
+        </p:style>
+        <p:txBody>
+          <a:bodyPr lIns="0" tIns="0" rIns="0" bIns="0" rtlCol="0" anchor="ctr"/>
+          <a:lstStyle/>
+          <a:p>
+            <a:pPr algn="ctr"/>
+            <a:r>
+              <a:rPr lang="en-US" altLang="ko-KR"/>
+              <a:t>2</a:t>
+            </a:r>
+            <a:endParaRPr lang="ko-KR" altLang="en-US"/>
+          </a:p>
+        </p:txBody>
+      </p:sp>
+      <p:cxnSp>
+        <p:nvCxnSpPr>
+          <p:cNvPr id="11" name="직선 연결선 10">
+            <a:extLst>
+              <a:ext uri="{FF2B5EF4-FFF2-40B4-BE49-F238E27FC236}">
+                <a16:creationId xmlns:a16="http://schemas.microsoft.com/office/drawing/2014/main" id="{7C6BA9E3-9726-758C-814C-4957C6A969C4}"/>
+              </a:ext>
+            </a:extLst>
+          </p:cNvPr>
+          <p:cNvCxnSpPr>
+            <a:cxnSpLocks/>
+            <a:stCxn id="6" idx="6"/>
+            <a:endCxn id="5" idx="2"/>
+          </p:cNvCxnSpPr>
+          <p:nvPr/>
+        </p:nvCxnSpPr>
+        <p:spPr>
+          <a:xfrm>
+            <a:off x="4303824" y="2774048"/>
+            <a:ext cx="587029" cy="0"/>
+          </a:xfrm>
+          <a:prstGeom prst="line">
+            <a:avLst/>
+          </a:prstGeom>
+          <a:ln w="76200"/>
+        </p:spPr>
+        <p:style>
+          <a:lnRef idx="2">
+            <a:schemeClr val="accent1"/>
+          </a:lnRef>
+          <a:fillRef idx="0">
+            <a:schemeClr val="accent1"/>
+          </a:fillRef>
+          <a:effectRef idx="1">
+            <a:schemeClr val="accent1"/>
+          </a:effectRef>
+          <a:fontRef idx="minor">
+            <a:schemeClr val="tx1"/>
+          </a:fontRef>
+        </p:style>
+      </p:cxnSp>
+      <p:cxnSp>
+        <p:nvCxnSpPr>
+          <p:cNvPr id="12" name="직선 연결선 11">
+            <a:extLst>
+              <a:ext uri="{FF2B5EF4-FFF2-40B4-BE49-F238E27FC236}">
+                <a16:creationId xmlns:a16="http://schemas.microsoft.com/office/drawing/2014/main" id="{792BA3C5-2536-BACB-7143-E082ECF6EB1F}"/>
+              </a:ext>
+            </a:extLst>
+          </p:cNvPr>
+          <p:cNvCxnSpPr>
+            <a:cxnSpLocks/>
+          </p:cNvCxnSpPr>
+          <p:nvPr/>
+        </p:nvCxnSpPr>
+        <p:spPr>
+          <a:xfrm>
+            <a:off x="5302931" y="2774048"/>
+            <a:ext cx="587029" cy="0"/>
+          </a:xfrm>
+          <a:prstGeom prst="line">
+            <a:avLst/>
+          </a:prstGeom>
+          <a:ln w="76200"/>
+        </p:spPr>
+        <p:style>
+          <a:lnRef idx="2">
+            <a:schemeClr val="accent1"/>
+          </a:lnRef>
+          <a:fillRef idx="0">
+            <a:schemeClr val="accent1"/>
+          </a:fillRef>
+          <a:effectRef idx="1">
+            <a:schemeClr val="accent1"/>
+          </a:effectRef>
+          <a:fontRef idx="minor">
+            <a:schemeClr val="tx1"/>
+          </a:fontRef>
+        </p:style>
+      </p:cxnSp>
+      <p:cxnSp>
+        <p:nvCxnSpPr>
+          <p:cNvPr id="13" name="직선 연결선 12">
+            <a:extLst>
+              <a:ext uri="{FF2B5EF4-FFF2-40B4-BE49-F238E27FC236}">
+                <a16:creationId xmlns:a16="http://schemas.microsoft.com/office/drawing/2014/main" id="{D7F876A6-3EC5-7A29-FD53-99956AEB233F}"/>
+              </a:ext>
+            </a:extLst>
+          </p:cNvPr>
+          <p:cNvCxnSpPr>
+            <a:cxnSpLocks/>
+          </p:cNvCxnSpPr>
+          <p:nvPr/>
+        </p:nvCxnSpPr>
+        <p:spPr>
+          <a:xfrm>
+            <a:off x="6302038" y="2774048"/>
+            <a:ext cx="587029" cy="0"/>
+          </a:xfrm>
+          <a:prstGeom prst="line">
+            <a:avLst/>
+          </a:prstGeom>
+          <a:ln w="76200"/>
+        </p:spPr>
+        <p:style>
+          <a:lnRef idx="2">
+            <a:schemeClr val="accent1"/>
+          </a:lnRef>
+          <a:fillRef idx="0">
+            <a:schemeClr val="accent1"/>
+          </a:fillRef>
+          <a:effectRef idx="1">
+            <a:schemeClr val="accent1"/>
+          </a:effectRef>
+          <a:fontRef idx="minor">
+            <a:schemeClr val="tx1"/>
+          </a:fontRef>
+        </p:style>
+      </p:cxnSp>
+      <p:cxnSp>
+        <p:nvCxnSpPr>
+          <p:cNvPr id="14" name="직선 연결선 13">
+            <a:extLst>
+              <a:ext uri="{FF2B5EF4-FFF2-40B4-BE49-F238E27FC236}">
+                <a16:creationId xmlns:a16="http://schemas.microsoft.com/office/drawing/2014/main" id="{6DEB3C5E-4C8C-426F-7F7F-E45801258F01}"/>
+              </a:ext>
+            </a:extLst>
+          </p:cNvPr>
+          <p:cNvCxnSpPr>
+            <a:cxnSpLocks/>
+          </p:cNvCxnSpPr>
+          <p:nvPr/>
+        </p:nvCxnSpPr>
+        <p:spPr>
+          <a:xfrm>
+            <a:off x="7301146" y="2774048"/>
+            <a:ext cx="587029" cy="0"/>
+          </a:xfrm>
+          <a:prstGeom prst="line">
+            <a:avLst/>
+          </a:prstGeom>
+          <a:ln w="76200"/>
+        </p:spPr>
+        <p:style>
+          <a:lnRef idx="2">
+            <a:schemeClr val="accent1"/>
+          </a:lnRef>
+          <a:fillRef idx="0">
+            <a:schemeClr val="accent1"/>
+          </a:fillRef>
+          <a:effectRef idx="1">
+            <a:schemeClr val="accent1"/>
+          </a:effectRef>
+          <a:fontRef idx="minor">
+            <a:schemeClr val="tx1"/>
+          </a:fontRef>
+        </p:style>
+      </p:cxnSp>
+      <p:cxnSp>
+        <p:nvCxnSpPr>
+          <p:cNvPr id="19" name="직선 화살표 연결선 18">
+            <a:extLst>
+              <a:ext uri="{FF2B5EF4-FFF2-40B4-BE49-F238E27FC236}">
+                <a16:creationId xmlns:a16="http://schemas.microsoft.com/office/drawing/2014/main" id="{8F9F3F30-D3A9-A8E6-8CC3-18699FD57D8F}"/>
+              </a:ext>
+            </a:extLst>
+          </p:cNvPr>
+          <p:cNvCxnSpPr>
+            <a:cxnSpLocks/>
+            <a:endCxn id="4" idx="0"/>
+          </p:cNvCxnSpPr>
+          <p:nvPr/>
+        </p:nvCxnSpPr>
+        <p:spPr>
+          <a:xfrm>
+            <a:off x="6096000" y="2162221"/>
+            <a:ext cx="0" cy="405788"/>
+          </a:xfrm>
+          <a:prstGeom prst="straightConnector1">
+            <a:avLst/>
+          </a:prstGeom>
+          <a:ln>
+            <a:tailEnd type="triangle"/>
+          </a:ln>
+        </p:spPr>
+        <p:style>
+          <a:lnRef idx="2">
+            <a:schemeClr val="accent1"/>
+          </a:lnRef>
+          <a:fillRef idx="0">
+            <a:schemeClr val="accent1"/>
+          </a:fillRef>
+          <a:effectRef idx="1">
+            <a:schemeClr val="accent1"/>
+          </a:effectRef>
+          <a:fontRef idx="minor">
+            <a:schemeClr val="tx1"/>
+          </a:fontRef>
+        </p:style>
+      </p:cxnSp>
+      <p:sp>
+        <p:nvSpPr>
+          <p:cNvPr id="17" name="TextBox 16">
+            <a:extLst>
+              <a:ext uri="{FF2B5EF4-FFF2-40B4-BE49-F238E27FC236}">
+                <a16:creationId xmlns:a16="http://schemas.microsoft.com/office/drawing/2014/main" id="{93004C84-B944-F16B-7E39-53FE0E72C84D}"/>
+              </a:ext>
+            </a:extLst>
+          </p:cNvPr>
+          <p:cNvSpPr txBox="1"/>
+          <p:nvPr/>
+        </p:nvSpPr>
+        <p:spPr>
+          <a:xfrm>
+            <a:off x="3289006" y="2566857"/>
+            <a:ext cx="356188" cy="369332"/>
+          </a:xfrm>
+          <a:prstGeom prst="rect">
+            <a:avLst/>
+          </a:prstGeom>
+          <a:noFill/>
+        </p:spPr>
+        <p:txBody>
+          <a:bodyPr wrap="none" rtlCol="0">
+            <a:spAutoFit/>
+          </a:bodyPr>
+          <a:lstStyle/>
+          <a:p>
+            <a:r>
+              <a:rPr lang="en-US" altLang="ko-KR"/>
+              <a:t>…</a:t>
+            </a:r>
+            <a:endParaRPr lang="ko-KR" altLang="en-US"/>
+          </a:p>
+        </p:txBody>
+      </p:sp>
+      <p:sp>
+        <p:nvSpPr>
+          <p:cNvPr id="18" name="TextBox 17">
+            <a:extLst>
+              <a:ext uri="{FF2B5EF4-FFF2-40B4-BE49-F238E27FC236}">
+                <a16:creationId xmlns:a16="http://schemas.microsoft.com/office/drawing/2014/main" id="{97829848-AE62-CA0D-DECF-B04E783B6F51}"/>
+              </a:ext>
+            </a:extLst>
+          </p:cNvPr>
+          <p:cNvSpPr txBox="1"/>
+          <p:nvPr/>
+        </p:nvSpPr>
+        <p:spPr>
+          <a:xfrm>
+            <a:off x="8574750" y="2566857"/>
+            <a:ext cx="356188" cy="369332"/>
+          </a:xfrm>
+          <a:prstGeom prst="rect">
+            <a:avLst/>
+          </a:prstGeom>
+          <a:noFill/>
+        </p:spPr>
+        <p:txBody>
+          <a:bodyPr wrap="none" rtlCol="0">
+            <a:spAutoFit/>
+          </a:bodyPr>
+          <a:lstStyle/>
+          <a:p>
+            <a:r>
+              <a:rPr lang="en-US" altLang="ko-KR"/>
+              <a:t>…</a:t>
+            </a:r>
+            <a:endParaRPr lang="ko-KR" altLang="en-US"/>
+          </a:p>
+        </p:txBody>
+      </p:sp>
+    </p:spTree>
+    <p:extLst>
+      <p:ext uri="{BB962C8B-B14F-4D97-AF65-F5344CB8AC3E}">
+        <p14:creationId xmlns:p14="http://schemas.microsoft.com/office/powerpoint/2010/main" val="3070801562"/>
+      </p:ext>
+    </p:extLst>
+  </p:cSld>
+  <p:clrMapOvr>
+    <a:masterClrMapping/>
+  </p:clrMapOvr>
+</p:sld>
+</file>
+
+<file path=ppt/slides/slide20.xml><?xml version="1.0" encoding="utf-8"?>
 <p:sld xmlns:a="http://schemas.openxmlformats.org/drawingml/2006/main" xmlns:r="http://schemas.openxmlformats.org/officeDocument/2006/relationships" xmlns:p="http://schemas.openxmlformats.org/presentationml/2006/main">
   <p:cSld>
     <p:spTree>
@@ -10898,249 +10175,6 @@
                 </a:r>
               </a:p>
               <a:p>
-                <a:r>
-                  <a:rPr lang="ko-KR" altLang="en-US"/>
-                  <a:t>투</a:t>
-                </a:r>
-                <a14:m>
-                  <m:oMath xmlns:m="http://schemas.openxmlformats.org/officeDocument/2006/math">
-                    <m:r>
-                      <a:rPr lang="ko-KR" altLang="en-US" b="0" i="1" smtClean="0">
-                        <a:latin typeface="Cambria Math" panose="02040503050406030204" pitchFamily="18" charset="0"/>
-                      </a:rPr>
-                      <m:t>과</m:t>
-                    </m:r>
-                    <m:r>
-                      <a:rPr lang="ko-KR" altLang="en-US" i="1">
-                        <a:latin typeface="Cambria Math" panose="02040503050406030204" pitchFamily="18" charset="0"/>
-                      </a:rPr>
-                      <m:t>되</m:t>
-                    </m:r>
-                    <m:r>
-                      <a:rPr lang="ko-KR" altLang="en-US" i="1" smtClean="0">
-                        <a:latin typeface="Cambria Math" panose="02040503050406030204" pitchFamily="18" charset="0"/>
-                      </a:rPr>
-                      <m:t>는</m:t>
-                    </m:r>
-                    <m:r>
-                      <a:rPr lang="en-US" altLang="ko-KR" b="0" i="1" smtClean="0">
-                        <a:latin typeface="Cambria Math" panose="02040503050406030204" pitchFamily="18" charset="0"/>
-                      </a:rPr>
-                      <m:t> </m:t>
-                    </m:r>
-                    <m:r>
-                      <a:rPr lang="ko-KR" altLang="en-US" i="1">
-                        <a:latin typeface="Cambria Math" panose="02040503050406030204" pitchFamily="18" charset="0"/>
-                      </a:rPr>
-                      <m:t>파</m:t>
-                    </m:r>
-                    <m:r>
-                      <a:rPr lang="ko-KR" altLang="en-US" i="1" smtClean="0">
-                        <a:latin typeface="Cambria Math" panose="02040503050406030204" pitchFamily="18" charset="0"/>
-                      </a:rPr>
-                      <m:t>동</m:t>
-                    </m:r>
-                    <m:r>
-                      <a:rPr lang="ko-KR" altLang="en-US" i="1">
-                        <a:latin typeface="Cambria Math" panose="02040503050406030204" pitchFamily="18" charset="0"/>
-                      </a:rPr>
-                      <m:t>의</m:t>
-                    </m:r>
-                    <m:r>
-                      <a:rPr lang="en-US" altLang="ko-KR" b="0" i="1" smtClean="0">
-                        <a:latin typeface="Cambria Math" panose="02040503050406030204" pitchFamily="18" charset="0"/>
-                      </a:rPr>
-                      <m:t> </m:t>
-                    </m:r>
-                    <m:r>
-                      <a:rPr lang="ko-KR" altLang="en-US" i="1">
-                        <a:latin typeface="Cambria Math" panose="02040503050406030204" pitchFamily="18" charset="0"/>
-                      </a:rPr>
-                      <m:t>크</m:t>
-                    </m:r>
-                    <m:r>
-                      <a:rPr lang="ko-KR" altLang="en-US" i="1" smtClean="0">
-                        <a:latin typeface="Cambria Math" panose="02040503050406030204" pitchFamily="18" charset="0"/>
-                      </a:rPr>
-                      <m:t>기</m:t>
-                    </m:r>
-                    <m:r>
-                      <a:rPr lang="ko-KR" altLang="en-US" i="1">
-                        <a:latin typeface="Cambria Math" panose="02040503050406030204" pitchFamily="18" charset="0"/>
-                      </a:rPr>
-                      <m:t>는</m:t>
-                    </m:r>
-                    <m:r>
-                      <a:rPr lang="en-US" altLang="ko-KR" b="0" i="1" smtClean="0">
-                        <a:latin typeface="Cambria Math" panose="02040503050406030204" pitchFamily="18" charset="0"/>
-                      </a:rPr>
-                      <m:t> </m:t>
-                    </m:r>
-                    <m:sSup>
-                      <m:sSupPr>
-                        <m:ctrlPr>
-                          <a:rPr lang="en-US" altLang="ko-KR" b="0" i="1" smtClean="0">
-                            <a:latin typeface="Cambria Math" panose="02040503050406030204" pitchFamily="18" charset="0"/>
-                          </a:rPr>
-                        </m:ctrlPr>
-                      </m:sSupPr>
-                      <m:e>
-                        <m:d>
-                          <m:dPr>
-                            <m:begChr m:val="|"/>
-                            <m:endChr m:val="|"/>
-                            <m:ctrlPr>
-                              <a:rPr lang="en-US" altLang="ko-KR" b="0" i="1" smtClean="0">
-                                <a:latin typeface="Cambria Math" panose="02040503050406030204" pitchFamily="18" charset="0"/>
-                              </a:rPr>
-                            </m:ctrlPr>
-                          </m:dPr>
-                          <m:e>
-                            <m:r>
-                              <a:rPr lang="en-US" altLang="ko-KR" b="0" i="1" smtClean="0">
-                                <a:latin typeface="Cambria Math" panose="02040503050406030204" pitchFamily="18" charset="0"/>
-                              </a:rPr>
-                              <m:t>𝑇</m:t>
-                            </m:r>
-                          </m:e>
-                        </m:d>
-                      </m:e>
-                      <m:sup>
-                        <m:r>
-                          <a:rPr lang="en-US" altLang="ko-KR" b="0" i="1" smtClean="0">
-                            <a:latin typeface="Cambria Math" panose="02040503050406030204" pitchFamily="18" charset="0"/>
-                          </a:rPr>
-                          <m:t>2</m:t>
-                        </m:r>
-                      </m:sup>
-                    </m:sSup>
-                    <m:r>
-                      <a:rPr lang="en-US" altLang="ko-KR" b="0" i="1" smtClean="0">
-                        <a:latin typeface="Cambria Math" panose="02040503050406030204" pitchFamily="18" charset="0"/>
-                      </a:rPr>
-                      <m:t>=</m:t>
-                    </m:r>
-                    <m:f>
-                      <m:fPr>
-                        <m:ctrlPr>
-                          <a:rPr lang="en-US" altLang="ko-KR" b="0" i="1" smtClean="0">
-                            <a:latin typeface="Cambria Math" panose="02040503050406030204" pitchFamily="18" charset="0"/>
-                          </a:rPr>
-                        </m:ctrlPr>
-                      </m:fPr>
-                      <m:num>
-                        <m:r>
-                          <a:rPr lang="en-US" altLang="ko-KR" b="0" i="1" smtClean="0">
-                            <a:latin typeface="Cambria Math" panose="02040503050406030204" pitchFamily="18" charset="0"/>
-                          </a:rPr>
-                          <m:t>1</m:t>
-                        </m:r>
-                      </m:num>
-                      <m:den>
-                        <m:r>
-                          <a:rPr lang="en-US" altLang="ko-KR" b="0" i="1" smtClean="0">
-                            <a:latin typeface="Cambria Math" panose="02040503050406030204" pitchFamily="18" charset="0"/>
-                          </a:rPr>
-                          <m:t>1+</m:t>
-                        </m:r>
-                        <m:sSup>
-                          <m:sSupPr>
-                            <m:ctrlPr>
-                              <a:rPr lang="en-US" altLang="ko-KR" b="0" i="1" smtClean="0">
-                                <a:latin typeface="Cambria Math" panose="02040503050406030204" pitchFamily="18" charset="0"/>
-                              </a:rPr>
-                            </m:ctrlPr>
-                          </m:sSupPr>
-                          <m:e>
-                            <m:r>
-                              <a:rPr lang="en-US" altLang="ko-KR" b="0" i="1" smtClean="0">
-                                <a:latin typeface="Cambria Math" panose="02040503050406030204" pitchFamily="18" charset="0"/>
-                              </a:rPr>
-                              <m:t>𝛼</m:t>
-                            </m:r>
-                          </m:e>
-                          <m:sup>
-                            <m:r>
-                              <a:rPr lang="en-US" altLang="ko-KR" b="0" i="1" smtClean="0">
-                                <a:latin typeface="Cambria Math" panose="02040503050406030204" pitchFamily="18" charset="0"/>
-                              </a:rPr>
-                              <m:t>2</m:t>
-                            </m:r>
-                          </m:sup>
-                        </m:sSup>
-                        <m:r>
-                          <m:rPr>
-                            <m:lit/>
-                          </m:rPr>
-                          <a:rPr lang="en-US" altLang="ko-KR" b="0" i="1" smtClean="0">
-                            <a:latin typeface="Cambria Math" panose="02040503050406030204" pitchFamily="18" charset="0"/>
-                          </a:rPr>
-                          <m:t>/</m:t>
-                        </m:r>
-                        <m:func>
-                          <m:funcPr>
-                            <m:ctrlPr>
-                              <a:rPr lang="en-US" altLang="ko-KR" b="0" i="1" smtClean="0">
-                                <a:latin typeface="Cambria Math" panose="02040503050406030204" pitchFamily="18" charset="0"/>
-                              </a:rPr>
-                            </m:ctrlPr>
-                          </m:funcPr>
-                          <m:fName>
-                            <m:sSup>
-                              <m:sSupPr>
-                                <m:ctrlPr>
-                                  <a:rPr lang="en-US" altLang="ko-KR" b="0" i="1" smtClean="0">
-                                    <a:latin typeface="Cambria Math" panose="02040503050406030204" pitchFamily="18" charset="0"/>
-                                  </a:rPr>
-                                </m:ctrlPr>
-                              </m:sSupPr>
-                              <m:e>
-                                <m:r>
-                                  <m:rPr>
-                                    <m:sty m:val="p"/>
-                                  </m:rPr>
-                                  <a:rPr lang="en-US" altLang="ko-KR" b="0" i="0" smtClean="0">
-                                    <a:latin typeface="Cambria Math" panose="02040503050406030204" pitchFamily="18" charset="0"/>
-                                  </a:rPr>
-                                  <m:t>sin</m:t>
-                                </m:r>
-                              </m:e>
-                              <m:sup>
-                                <m:r>
-                                  <a:rPr lang="en-US" altLang="ko-KR" b="0" i="1" smtClean="0">
-                                    <a:latin typeface="Cambria Math" panose="02040503050406030204" pitchFamily="18" charset="0"/>
-                                  </a:rPr>
-                                  <m:t>2</m:t>
-                                </m:r>
-                              </m:sup>
-                            </m:sSup>
-                          </m:fName>
-                          <m:e>
-                            <m:r>
-                              <a:rPr lang="en-US" altLang="ko-KR" b="0" i="1" smtClean="0">
-                                <a:latin typeface="Cambria Math" panose="02040503050406030204" pitchFamily="18" charset="0"/>
-                              </a:rPr>
-                              <m:t>𝑘</m:t>
-                            </m:r>
-                          </m:e>
-                        </m:func>
-                      </m:den>
-                    </m:f>
-                  </m:oMath>
-                </a14:m>
-                <a:r>
-                  <a:rPr lang="ko-KR" altLang="en-US" b="0"/>
-                  <a:t>가 된다</a:t>
-                </a:r>
-                <a:r>
-                  <a:rPr lang="en-US" altLang="ko-KR" b="0"/>
-                  <a:t>.</a:t>
-                </a:r>
-              </a:p>
-              <a:p>
-                <a:endParaRPr lang="en-US" altLang="ko-KR" b="0"/>
-              </a:p>
-              <a:p>
                 <a:endParaRPr lang="en-US" altLang="ko-KR" b="0"/>
               </a:p>
               <a:p>
@@ -11209,7 +10243,7 @@
 </p:sld>
 </file>
 
-<file path=ppt/slides/slide22.xml><?xml version="1.0" encoding="utf-8"?>
+<file path=ppt/slides/slide21.xml><?xml version="1.0" encoding="utf-8"?>
 <p:sld xmlns:a="http://schemas.openxmlformats.org/drawingml/2006/main" xmlns:r="http://schemas.openxmlformats.org/officeDocument/2006/relationships" xmlns:p="http://schemas.openxmlformats.org/presentationml/2006/main">
   <p:cSld>
     <p:spTree>
@@ -12616,7 +11650,7 @@
 </p:sld>
 </file>
 
-<file path=ppt/slides/slide23.xml><?xml version="1.0" encoding="utf-8"?>
+<file path=ppt/slides/slide22.xml><?xml version="1.0" encoding="utf-8"?>
 <p:sld xmlns:a="http://schemas.openxmlformats.org/drawingml/2006/main" xmlns:r="http://schemas.openxmlformats.org/officeDocument/2006/relationships" xmlns:p="http://schemas.openxmlformats.org/presentationml/2006/main">
   <p:cSld>
     <p:spTree>
@@ -12899,8 +11933,8 @@
           </a:fontRef>
         </p:style>
       </p:cxnSp>
-      <mc:AlternateContent xmlns:mc="http://schemas.openxmlformats.org/markup-compatibility/2006">
-        <mc:Choice xmlns:a14="http://schemas.microsoft.com/office/drawing/2010/main" Requires="a14">
+      <mc:AlternateContent xmlns:mc="http://schemas.openxmlformats.org/markup-compatibility/2006" xmlns:a14="http://schemas.microsoft.com/office/drawing/2010/main">
+        <mc:Choice Requires="a14">
           <p:sp>
             <p:nvSpPr>
               <p:cNvPr id="8" name="TextBox 7">
@@ -12950,7 +11984,7 @@
             </p:txBody>
           </p:sp>
         </mc:Choice>
-        <mc:Fallback>
+        <mc:Fallback xmlns="">
           <p:sp>
             <p:nvSpPr>
               <p:cNvPr id="8" name="TextBox 7">
@@ -12995,8 +12029,8 @@
           </p:sp>
         </mc:Fallback>
       </mc:AlternateContent>
-      <mc:AlternateContent xmlns:mc="http://schemas.openxmlformats.org/markup-compatibility/2006">
-        <mc:Choice xmlns:a14="http://schemas.microsoft.com/office/drawing/2010/main" Requires="a14">
+      <mc:AlternateContent xmlns:mc="http://schemas.openxmlformats.org/markup-compatibility/2006" xmlns:a14="http://schemas.microsoft.com/office/drawing/2010/main">
+        <mc:Choice Requires="a14">
           <p:sp>
             <p:nvSpPr>
               <p:cNvPr id="9" name="TextBox 8">
@@ -13046,7 +12080,7 @@
             </p:txBody>
           </p:sp>
         </mc:Choice>
-        <mc:Fallback>
+        <mc:Fallback xmlns="">
           <p:sp>
             <p:nvSpPr>
               <p:cNvPr id="9" name="TextBox 8">
@@ -13237,8 +12271,8 @@
           </a:p>
         </p:txBody>
       </p:sp>
-      <mc:AlternateContent xmlns:mc="http://schemas.openxmlformats.org/markup-compatibility/2006">
-        <mc:Choice xmlns:a14="http://schemas.microsoft.com/office/drawing/2010/main" Requires="a14">
+      <mc:AlternateContent xmlns:mc="http://schemas.openxmlformats.org/markup-compatibility/2006" xmlns:a14="http://schemas.microsoft.com/office/drawing/2010/main">
+        <mc:Choice Requires="a14">
           <p:sp>
             <p:nvSpPr>
               <p:cNvPr id="17" name="TextBox 16">
@@ -13338,7 +12372,7 @@
             </p:txBody>
           </p:sp>
         </mc:Choice>
-        <mc:Fallback>
+        <mc:Fallback xmlns="">
           <p:sp>
             <p:nvSpPr>
               <p:cNvPr id="17" name="TextBox 16">
@@ -13439,7 +12473,7 @@
 </p:sld>
 </file>
 
-<file path=ppt/slides/slide24.xml><?xml version="1.0" encoding="utf-8"?>
+<file path=ppt/slides/slide23.xml><?xml version="1.0" encoding="utf-8"?>
 <p:sld xmlns:a="http://schemas.openxmlformats.org/drawingml/2006/main" xmlns:r="http://schemas.openxmlformats.org/officeDocument/2006/relationships" xmlns:p="http://schemas.openxmlformats.org/presentationml/2006/main">
   <p:cSld>
     <p:spTree>
@@ -14931,7 +13965,7 @@
 </p:sld>
 </file>
 
-<file path=ppt/slides/slide25.xml><?xml version="1.0" encoding="utf-8"?>
+<file path=ppt/slides/slide24.xml><?xml version="1.0" encoding="utf-8"?>
 <p:sld xmlns:a="http://schemas.openxmlformats.org/drawingml/2006/main" xmlns:r="http://schemas.openxmlformats.org/officeDocument/2006/relationships" xmlns:p="http://schemas.openxmlformats.org/presentationml/2006/main">
   <p:cSld>
     <p:spTree>
@@ -15181,8 +14215,8 @@
           </a:fontRef>
         </p:style>
       </p:cxnSp>
-      <mc:AlternateContent xmlns:mc="http://schemas.openxmlformats.org/markup-compatibility/2006">
-        <mc:Choice xmlns:a14="http://schemas.microsoft.com/office/drawing/2010/main" Requires="a14">
+      <mc:AlternateContent xmlns:mc="http://schemas.openxmlformats.org/markup-compatibility/2006" xmlns:a14="http://schemas.microsoft.com/office/drawing/2010/main">
+        <mc:Choice Requires="a14">
           <p:sp>
             <p:nvSpPr>
               <p:cNvPr id="16" name="TextBox 15">
@@ -15251,7 +14285,7 @@
             </p:txBody>
           </p:sp>
         </mc:Choice>
-        <mc:Fallback>
+        <mc:Fallback xmlns="">
           <p:sp>
             <p:nvSpPr>
               <p:cNvPr id="16" name="TextBox 15">
@@ -15517,8 +14551,8 @@
           </a:p>
         </p:txBody>
       </p:sp>
-      <mc:AlternateContent xmlns:mc="http://schemas.openxmlformats.org/markup-compatibility/2006">
-        <mc:Choice xmlns:a14="http://schemas.microsoft.com/office/drawing/2010/main" Requires="a14">
+      <mc:AlternateContent xmlns:mc="http://schemas.openxmlformats.org/markup-compatibility/2006" xmlns:a14="http://schemas.microsoft.com/office/drawing/2010/main">
+        <mc:Choice Requires="a14">
           <p:sp>
             <p:nvSpPr>
               <p:cNvPr id="21" name="TextBox 20">
@@ -15587,7 +14621,7 @@
             </p:txBody>
           </p:sp>
         </mc:Choice>
-        <mc:Fallback>
+        <mc:Fallback xmlns="">
           <p:sp>
             <p:nvSpPr>
               <p:cNvPr id="21" name="TextBox 20">
@@ -15813,8 +14847,8 @@
           </a:p>
         </p:txBody>
       </p:sp>
-      <mc:AlternateContent xmlns:mc="http://schemas.openxmlformats.org/markup-compatibility/2006">
-        <mc:Choice xmlns:a14="http://schemas.microsoft.com/office/drawing/2010/main" Requires="a14">
+      <mc:AlternateContent xmlns:mc="http://schemas.openxmlformats.org/markup-compatibility/2006" xmlns:a14="http://schemas.microsoft.com/office/drawing/2010/main">
+        <mc:Choice Requires="a14">
           <p:sp>
             <p:nvSpPr>
               <p:cNvPr id="25" name="TextBox 24">
@@ -15979,7 +15013,7 @@
             </p:txBody>
           </p:sp>
         </mc:Choice>
-        <mc:Fallback>
+        <mc:Fallback xmlns="">
           <p:sp>
             <p:nvSpPr>
               <p:cNvPr id="25" name="TextBox 24">
@@ -16080,7 +15114,7 @@
 </p:sld>
 </file>
 
-<file path=ppt/slides/slide26.xml><?xml version="1.0" encoding="utf-8"?>
+<file path=ppt/slides/slide25.xml><?xml version="1.0" encoding="utf-8"?>
 <p:sld xmlns:a="http://schemas.openxmlformats.org/drawingml/2006/main" xmlns:r="http://schemas.openxmlformats.org/officeDocument/2006/relationships" xmlns:p="http://schemas.openxmlformats.org/presentationml/2006/main">
   <p:cSld>
     <p:spTree>
@@ -16125,8 +15159,8 @@
           </a:p>
         </p:txBody>
       </p:sp>
-      <mc:AlternateContent xmlns:mc="http://schemas.openxmlformats.org/markup-compatibility/2006">
-        <mc:Choice xmlns:a14="http://schemas.microsoft.com/office/drawing/2010/main" Requires="a14">
+      <mc:AlternateContent xmlns:mc="http://schemas.openxmlformats.org/markup-compatibility/2006" xmlns:a14="http://schemas.microsoft.com/office/drawing/2010/main">
+        <mc:Choice Requires="a14">
           <p:sp>
             <p:nvSpPr>
               <p:cNvPr id="3" name="내용 개체 틀 2">
@@ -16235,7 +15269,7 @@
             </p:txBody>
           </p:sp>
         </mc:Choice>
-        <mc:Fallback>
+        <mc:Fallback xmlns="">
           <p:sp>
             <p:nvSpPr>
               <p:cNvPr id="3" name="내용 개체 틀 2">
@@ -16512,8 +15546,8 @@
           </a:fontRef>
         </p:style>
       </p:cxnSp>
-      <mc:AlternateContent xmlns:mc="http://schemas.openxmlformats.org/markup-compatibility/2006">
-        <mc:Choice xmlns:a14="http://schemas.microsoft.com/office/drawing/2010/main" Requires="a14">
+      <mc:AlternateContent xmlns:mc="http://schemas.openxmlformats.org/markup-compatibility/2006" xmlns:a14="http://schemas.microsoft.com/office/drawing/2010/main">
+        <mc:Choice Requires="a14">
           <p:sp>
             <p:nvSpPr>
               <p:cNvPr id="8" name="TextBox 7">
@@ -16582,7 +15616,7 @@
             </p:txBody>
           </p:sp>
         </mc:Choice>
-        <mc:Fallback>
+        <mc:Fallback xmlns="">
           <p:sp>
             <p:nvSpPr>
               <p:cNvPr id="8" name="TextBox 7">
@@ -16848,8 +15882,8 @@
           </a:p>
         </p:txBody>
       </p:sp>
-      <mc:AlternateContent xmlns:mc="http://schemas.openxmlformats.org/markup-compatibility/2006">
-        <mc:Choice xmlns:a14="http://schemas.microsoft.com/office/drawing/2010/main" Requires="a14">
+      <mc:AlternateContent xmlns:mc="http://schemas.openxmlformats.org/markup-compatibility/2006" xmlns:a14="http://schemas.microsoft.com/office/drawing/2010/main">
+        <mc:Choice Requires="a14">
           <p:sp>
             <p:nvSpPr>
               <p:cNvPr id="13" name="TextBox 12">
@@ -16918,7 +15952,7 @@
             </p:txBody>
           </p:sp>
         </mc:Choice>
-        <mc:Fallback>
+        <mc:Fallback xmlns="">
           <p:sp>
             <p:nvSpPr>
               <p:cNvPr id="13" name="TextBox 12">
@@ -17144,8 +16178,8 @@
           </a:p>
         </p:txBody>
       </p:sp>
-      <mc:AlternateContent xmlns:mc="http://schemas.openxmlformats.org/markup-compatibility/2006">
-        <mc:Choice xmlns:a14="http://schemas.microsoft.com/office/drawing/2010/main" Requires="a14">
+      <mc:AlternateContent xmlns:mc="http://schemas.openxmlformats.org/markup-compatibility/2006" xmlns:a14="http://schemas.microsoft.com/office/drawing/2010/main">
+        <mc:Choice Requires="a14">
           <p:sp>
             <p:nvSpPr>
               <p:cNvPr id="17" name="TextBox 16">
@@ -17287,13 +16321,12 @@
                 <a:endParaRPr lang="en-US" altLang="ko-KR" sz="2400" b="0"/>
               </a:p>
               <a:p>
-                <a:pPr/>
                 <a:endParaRPr lang="ko-KR" altLang="en-US" sz="2400"/>
               </a:p>
             </p:txBody>
           </p:sp>
         </mc:Choice>
-        <mc:Fallback>
+        <mc:Fallback xmlns="">
           <p:sp>
             <p:nvSpPr>
               <p:cNvPr id="17" name="TextBox 16">
@@ -17394,7 +16427,7 @@
 </p:sld>
 </file>
 
-<file path=ppt/slides/slide27.xml><?xml version="1.0" encoding="utf-8"?>
+<file path=ppt/slides/slide26.xml><?xml version="1.0" encoding="utf-8"?>
 <p:sld xmlns:a="http://schemas.openxmlformats.org/drawingml/2006/main" xmlns:r="http://schemas.openxmlformats.org/officeDocument/2006/relationships" xmlns:p="http://schemas.openxmlformats.org/presentationml/2006/main">
   <p:cSld>
     <p:spTree>
@@ -17411,8 +16444,8 @@
           <a:chExt cx="0" cy="0"/>
         </a:xfrm>
       </p:grpSpPr>
-      <mc:AlternateContent xmlns:mc="http://schemas.openxmlformats.org/markup-compatibility/2006">
-        <mc:Choice xmlns:a14="http://schemas.microsoft.com/office/drawing/2010/main" Requires="a14">
+      <mc:AlternateContent xmlns:mc="http://schemas.openxmlformats.org/markup-compatibility/2006" xmlns:a14="http://schemas.microsoft.com/office/drawing/2010/main">
+        <mc:Choice Requires="a14">
           <p:sp>
             <p:nvSpPr>
               <p:cNvPr id="3" name="내용 개체 틀 2">
@@ -17910,7 +16943,7 @@
             </p:txBody>
           </p:sp>
         </mc:Choice>
-        <mc:Fallback>
+        <mc:Fallback xmlns="">
           <p:sp>
             <p:nvSpPr>
               <p:cNvPr id="3" name="내용 개체 틀 2">
@@ -17967,7 +17000,7 @@
 </p:sld>
 </file>
 
-<file path=ppt/slides/slide28.xml><?xml version="1.0" encoding="utf-8"?>
+<file path=ppt/slides/slide27.xml><?xml version="1.0" encoding="utf-8"?>
 <p:sld xmlns:a="http://schemas.openxmlformats.org/drawingml/2006/main" xmlns:r="http://schemas.openxmlformats.org/officeDocument/2006/relationships" xmlns:p="http://schemas.openxmlformats.org/presentationml/2006/main">
   <p:cSld>
     <p:spTree>
@@ -21246,7 +20279,7 @@
 </p:sld>
 </file>
 
-<file path=ppt/slides/slide29.xml><?xml version="1.0" encoding="utf-8"?>
+<file path=ppt/slides/slide28.xml><?xml version="1.0" encoding="utf-8"?>
 <p:sld xmlns:a="http://schemas.openxmlformats.org/drawingml/2006/main" xmlns:r="http://schemas.openxmlformats.org/officeDocument/2006/relationships" xmlns:p="http://schemas.openxmlformats.org/presentationml/2006/main">
   <p:cSld>
     <p:spTree>
@@ -21639,2003 +20672,7 @@
 </p:sld>
 </file>
 
-<file path=ppt/slides/slide3.xml><?xml version="1.0" encoding="utf-8"?>
-<p:sld xmlns:a="http://schemas.openxmlformats.org/drawingml/2006/main" xmlns:r="http://schemas.openxmlformats.org/officeDocument/2006/relationships" xmlns:p="http://schemas.openxmlformats.org/presentationml/2006/main">
-  <p:cSld>
-    <p:spTree>
-      <p:nvGrpSpPr>
-        <p:cNvPr id="1" name="">
-          <a:extLst>
-            <a:ext uri="{FF2B5EF4-FFF2-40B4-BE49-F238E27FC236}">
-              <a16:creationId xmlns:a16="http://schemas.microsoft.com/office/drawing/2014/main" id="{A6F6BF7B-4A11-23A0-B6A6-3936FD4F6CD2}"/>
-            </a:ext>
-          </a:extLst>
-        </p:cNvPr>
-        <p:cNvGrpSpPr/>
-        <p:nvPr/>
-      </p:nvGrpSpPr>
-      <p:grpSpPr>
-        <a:xfrm>
-          <a:off x="0" y="0"/>
-          <a:ext cx="0" cy="0"/>
-          <a:chOff x="0" y="0"/>
-          <a:chExt cx="0" cy="0"/>
-        </a:xfrm>
-      </p:grpSpPr>
-      <p:pic>
-        <p:nvPicPr>
-          <p:cNvPr id="7" name="그림 6">
-            <a:extLst>
-              <a:ext uri="{FF2B5EF4-FFF2-40B4-BE49-F238E27FC236}">
-                <a16:creationId xmlns:a16="http://schemas.microsoft.com/office/drawing/2014/main" id="{66B7F87A-85DC-17ED-3E16-F1D6D8F3A2C1}"/>
-              </a:ext>
-            </a:extLst>
-          </p:cNvPr>
-          <p:cNvPicPr>
-            <a:picLocks noChangeAspect="1"/>
-          </p:cNvPicPr>
-          <p:nvPr/>
-        </p:nvPicPr>
-        <p:blipFill>
-          <a:blip r:embed="rId2"/>
-          <a:stretch>
-            <a:fillRect/>
-          </a:stretch>
-        </p:blipFill>
-        <p:spPr>
-          <a:xfrm>
-            <a:off x="828601" y="1144330"/>
-            <a:ext cx="3110788" cy="2220033"/>
-          </a:xfrm>
-          <a:prstGeom prst="rect">
-            <a:avLst/>
-          </a:prstGeom>
-        </p:spPr>
-      </p:pic>
-      <mc:AlternateContent xmlns:mc="http://schemas.openxmlformats.org/markup-compatibility/2006">
-        <mc:Choice xmlns:a14="http://schemas.microsoft.com/office/drawing/2010/main" Requires="a14">
-          <p:sp>
-            <p:nvSpPr>
-              <p:cNvPr id="20" name="TextBox 19">
-                <a:extLst>
-                  <a:ext uri="{FF2B5EF4-FFF2-40B4-BE49-F238E27FC236}">
-                    <a16:creationId xmlns:a16="http://schemas.microsoft.com/office/drawing/2014/main" id="{1C10E95D-FAB7-33FA-F06C-C3B648B518AB}"/>
-                  </a:ext>
-                </a:extLst>
-              </p:cNvPr>
-              <p:cNvSpPr txBox="1"/>
-              <p:nvPr/>
-            </p:nvSpPr>
-            <p:spPr>
-              <a:xfrm>
-                <a:off x="5682417" y="1156377"/>
-                <a:ext cx="1815049" cy="2215094"/>
-              </a:xfrm>
-              <a:prstGeom prst="rect">
-                <a:avLst/>
-              </a:prstGeom>
-              <a:noFill/>
-            </p:spPr>
-            <p:txBody>
-              <a:bodyPr wrap="none" rtlCol="0">
-                <a:spAutoFit/>
-              </a:bodyPr>
-              <a:lstStyle/>
-              <a:p>
-                <a14:m>
-                  <m:oMathPara xmlns:m="http://schemas.openxmlformats.org/officeDocument/2006/math">
-                    <m:oMathParaPr>
-                      <m:jc m:val="centerGroup"/>
-                    </m:oMathParaPr>
-                    <m:oMath xmlns:m="http://schemas.openxmlformats.org/officeDocument/2006/math">
-                      <m:sSub>
-                        <m:sSubPr>
-                          <m:ctrlPr>
-                            <a:rPr lang="en-US" altLang="ko-KR" sz="2400" b="0" i="1" smtClean="0">
-                              <a:latin typeface="Cambria Math" panose="02040503050406030204" pitchFamily="18" charset="0"/>
-                            </a:rPr>
-                          </m:ctrlPr>
-                        </m:sSubPr>
-                        <m:e>
-                          <m:r>
-                            <a:rPr lang="en-US" altLang="ko-KR" sz="2400" b="0" i="1" smtClean="0">
-                              <a:latin typeface="Cambria Math" panose="02040503050406030204" pitchFamily="18" charset="0"/>
-                            </a:rPr>
-                            <m:t>𝑃</m:t>
-                          </m:r>
-                        </m:e>
-                        <m:sub>
-                          <m:r>
-                            <a:rPr lang="en-US" altLang="ko-KR" sz="2400" b="0" i="1" smtClean="0">
-                              <a:latin typeface="Cambria Math" panose="02040503050406030204" pitchFamily="18" charset="0"/>
-                            </a:rPr>
-                            <m:t>0</m:t>
-                          </m:r>
-                        </m:sub>
-                      </m:sSub>
-                      <m:r>
-                        <a:rPr lang="en-US" altLang="ko-KR" sz="2400" b="0" i="1" smtClean="0">
-                          <a:latin typeface="Cambria Math" panose="02040503050406030204" pitchFamily="18" charset="0"/>
-                        </a:rPr>
-                        <m:t>=</m:t>
-                      </m:r>
-                      <m:d>
-                        <m:dPr>
-                          <m:ctrlPr>
-                            <a:rPr lang="en-US" altLang="ko-KR" sz="2400" i="1" smtClean="0">
-                              <a:latin typeface="Cambria Math" panose="02040503050406030204" pitchFamily="18" charset="0"/>
-                            </a:rPr>
-                          </m:ctrlPr>
-                        </m:dPr>
-                        <m:e>
-                          <m:m>
-                            <m:mPr>
-                              <m:mcs>
-                                <m:mc>
-                                  <m:mcPr>
-                                    <m:count m:val="1"/>
-                                    <m:mcJc m:val="center"/>
-                                  </m:mcPr>
-                                </m:mc>
-                              </m:mcs>
-                              <m:ctrlPr>
-                                <a:rPr lang="en-US" altLang="ko-KR" sz="2400" i="1" smtClean="0">
-                                  <a:latin typeface="Cambria Math" panose="02040503050406030204" pitchFamily="18" charset="0"/>
-                                </a:rPr>
-                              </m:ctrlPr>
-                            </m:mPr>
-                            <m:mr>
-                              <m:e>
-                                <m:r>
-                                  <m:rPr>
-                                    <m:brk m:alnAt="7"/>
-                                  </m:rPr>
-                                  <a:rPr lang="en-US" altLang="ko-KR" sz="2400" i="1" smtClean="0">
-                                    <a:latin typeface="Cambria Math" panose="02040503050406030204" pitchFamily="18" charset="0"/>
-                                  </a:rPr>
-                                  <m:t>⋮</m:t>
-                                </m:r>
-                              </m:e>
-                            </m:mr>
-                            <m:mr>
-                              <m:e>
-                                <m:r>
-                                  <a:rPr lang="en-US" altLang="ko-KR" sz="2400" b="0" i="1" smtClean="0">
-                                    <a:latin typeface="Cambria Math" panose="02040503050406030204" pitchFamily="18" charset="0"/>
-                                  </a:rPr>
-                                  <m:t>0</m:t>
-                                </m:r>
-                              </m:e>
-                            </m:mr>
-                            <m:mr>
-                              <m:e>
-                                <m:eqArr>
-                                  <m:eqArrPr>
-                                    <m:ctrlPr>
-                                      <a:rPr lang="en-US" altLang="ko-KR" sz="2400" i="1" smtClean="0">
-                                        <a:latin typeface="Cambria Math" panose="02040503050406030204" pitchFamily="18" charset="0"/>
-                                      </a:rPr>
-                                    </m:ctrlPr>
-                                  </m:eqArrPr>
-                                  <m:e>
-                                    <m:r>
-                                      <a:rPr lang="en-US" altLang="ko-KR" sz="2400" b="0" i="1" smtClean="0">
-                                        <a:latin typeface="Cambria Math" panose="02040503050406030204" pitchFamily="18" charset="0"/>
-                                      </a:rPr>
-                                      <m:t>1</m:t>
-                                    </m:r>
-                                  </m:e>
-                                  <m:e>
-                                    <m:r>
-                                      <a:rPr lang="en-US" altLang="ko-KR" sz="2400" b="0" i="1" smtClean="0">
-                                        <a:latin typeface="Cambria Math" panose="02040503050406030204" pitchFamily="18" charset="0"/>
-                                      </a:rPr>
-                                      <m:t>0</m:t>
-                                    </m:r>
-                                  </m:e>
-                                  <m:e>
-                                    <m:r>
-                                      <a:rPr lang="ko-KR" altLang="en-US" sz="2400" i="1" smtClean="0">
-                                        <a:latin typeface="Cambria Math" panose="02040503050406030204" pitchFamily="18" charset="0"/>
-                                      </a:rPr>
-                                      <m:t>⋮</m:t>
-                                    </m:r>
-                                  </m:e>
-                                </m:eqArr>
-                              </m:e>
-                            </m:mr>
-                          </m:m>
-                        </m:e>
-                      </m:d>
-                    </m:oMath>
-                  </m:oMathPara>
-                </a14:m>
-                <a:endParaRPr lang="en-US" altLang="ko-KR" sz="2400"/>
-              </a:p>
-              <a:p>
-                <a:endParaRPr lang="ko-KR" altLang="en-US" sz="2400"/>
-              </a:p>
-            </p:txBody>
-          </p:sp>
-        </mc:Choice>
-        <mc:Fallback>
-          <p:sp>
-            <p:nvSpPr>
-              <p:cNvPr id="20" name="TextBox 19">
-                <a:extLst>
-                  <a:ext uri="{FF2B5EF4-FFF2-40B4-BE49-F238E27FC236}">
-                    <a16:creationId xmlns:a16="http://schemas.microsoft.com/office/drawing/2014/main" id="{1C10E95D-FAB7-33FA-F06C-C3B648B518AB}"/>
-                  </a:ext>
-                </a:extLst>
-              </p:cNvPr>
-              <p:cNvSpPr txBox="1">
-                <a:spLocks noRot="1" noChangeAspect="1" noMove="1" noResize="1" noEditPoints="1" noAdjustHandles="1" noChangeArrowheads="1" noChangeShapeType="1" noTextEdit="1"/>
-              </p:cNvSpPr>
-              <p:nvPr/>
-            </p:nvSpPr>
-            <p:spPr>
-              <a:xfrm>
-                <a:off x="5682417" y="1156377"/>
-                <a:ext cx="1815049" cy="2215094"/>
-              </a:xfrm>
-              <a:prstGeom prst="rect">
-                <a:avLst/>
-              </a:prstGeom>
-              <a:blipFill>
-                <a:blip r:embed="rId3"/>
-                <a:stretch>
-                  <a:fillRect/>
-                </a:stretch>
-              </a:blipFill>
-            </p:spPr>
-            <p:txBody>
-              <a:bodyPr/>
-              <a:lstStyle/>
-              <a:p>
-                <a:r>
-                  <a:rPr lang="ko-KR" altLang="en-US">
-                    <a:noFill/>
-                  </a:rPr>
-                  <a:t> </a:t>
-                </a:r>
-              </a:p>
-            </p:txBody>
-          </p:sp>
-        </mc:Fallback>
-      </mc:AlternateContent>
-      <mc:AlternateContent xmlns:mc="http://schemas.openxmlformats.org/markup-compatibility/2006">
-        <mc:Choice xmlns:a14="http://schemas.microsoft.com/office/drawing/2010/main" Requires="a14">
-          <p:sp>
-            <p:nvSpPr>
-              <p:cNvPr id="23" name="TextBox 22">
-                <a:extLst>
-                  <a:ext uri="{FF2B5EF4-FFF2-40B4-BE49-F238E27FC236}">
-                    <a16:creationId xmlns:a16="http://schemas.microsoft.com/office/drawing/2014/main" id="{A4886A75-89F9-2A70-7ED2-55446E1760EB}"/>
-                  </a:ext>
-                </a:extLst>
-              </p:cNvPr>
-              <p:cNvSpPr txBox="1"/>
-              <p:nvPr/>
-            </p:nvSpPr>
-            <p:spPr>
-              <a:xfrm>
-                <a:off x="8541342" y="1109083"/>
-                <a:ext cx="2184893" cy="1845762"/>
-              </a:xfrm>
-              <a:prstGeom prst="rect">
-                <a:avLst/>
-              </a:prstGeom>
-              <a:noFill/>
-            </p:spPr>
-            <p:txBody>
-              <a:bodyPr wrap="none" rtlCol="0">
-                <a:spAutoFit/>
-              </a:bodyPr>
-              <a:lstStyle/>
-              <a:p>
-                <a14:m>
-                  <m:oMathPara xmlns:m="http://schemas.openxmlformats.org/officeDocument/2006/math">
-                    <m:oMathParaPr>
-                      <m:jc m:val="centerGroup"/>
-                    </m:oMathParaPr>
-                    <m:oMath xmlns:m="http://schemas.openxmlformats.org/officeDocument/2006/math">
-                      <m:r>
-                        <a:rPr lang="en-US" altLang="ko-KR" sz="2400" i="1" smtClean="0">
-                          <a:latin typeface="Cambria Math" panose="02040503050406030204" pitchFamily="18" charset="0"/>
-                        </a:rPr>
-                        <m:t>𝐻</m:t>
-                      </m:r>
-                      <m:sSub>
-                        <m:sSubPr>
-                          <m:ctrlPr>
-                            <a:rPr lang="en-US" altLang="ko-KR" sz="2400" b="0" i="1" smtClean="0">
-                              <a:latin typeface="Cambria Math" panose="02040503050406030204" pitchFamily="18" charset="0"/>
-                            </a:rPr>
-                          </m:ctrlPr>
-                        </m:sSubPr>
-                        <m:e>
-                          <m:r>
-                            <a:rPr lang="en-US" altLang="ko-KR" sz="2400" b="0" i="1" smtClean="0">
-                              <a:latin typeface="Cambria Math" panose="02040503050406030204" pitchFamily="18" charset="0"/>
-                            </a:rPr>
-                            <m:t>𝑃</m:t>
-                          </m:r>
-                        </m:e>
-                        <m:sub>
-                          <m:r>
-                            <a:rPr lang="en-US" altLang="ko-KR" sz="2400" b="0" i="1" smtClean="0">
-                              <a:latin typeface="Cambria Math" panose="02040503050406030204" pitchFamily="18" charset="0"/>
-                            </a:rPr>
-                            <m:t>0</m:t>
-                          </m:r>
-                        </m:sub>
-                      </m:sSub>
-                      <m:r>
-                        <a:rPr lang="en-US" altLang="ko-KR" sz="2400" b="0" i="1" smtClean="0">
-                          <a:latin typeface="Cambria Math" panose="02040503050406030204" pitchFamily="18" charset="0"/>
-                        </a:rPr>
-                        <m:t>=</m:t>
-                      </m:r>
-                      <m:d>
-                        <m:dPr>
-                          <m:ctrlPr>
-                            <a:rPr lang="en-US" altLang="ko-KR" sz="2400" i="1" smtClean="0">
-                              <a:latin typeface="Cambria Math" panose="02040503050406030204" pitchFamily="18" charset="0"/>
-                            </a:rPr>
-                          </m:ctrlPr>
-                        </m:dPr>
-                        <m:e>
-                          <m:m>
-                            <m:mPr>
-                              <m:mcs>
-                                <m:mc>
-                                  <m:mcPr>
-                                    <m:count m:val="1"/>
-                                    <m:mcJc m:val="center"/>
-                                  </m:mcPr>
-                                </m:mc>
-                              </m:mcs>
-                              <m:ctrlPr>
-                                <a:rPr lang="en-US" altLang="ko-KR" sz="2400" i="1" smtClean="0">
-                                  <a:latin typeface="Cambria Math" panose="02040503050406030204" pitchFamily="18" charset="0"/>
-                                </a:rPr>
-                              </m:ctrlPr>
-                            </m:mPr>
-                            <m:mr>
-                              <m:e>
-                                <m:r>
-                                  <m:rPr>
-                                    <m:brk m:alnAt="7"/>
-                                  </m:rPr>
-                                  <a:rPr lang="en-US" altLang="ko-KR" sz="2400" i="1" smtClean="0">
-                                    <a:latin typeface="Cambria Math" panose="02040503050406030204" pitchFamily="18" charset="0"/>
-                                  </a:rPr>
-                                  <m:t>⋮</m:t>
-                                </m:r>
-                              </m:e>
-                            </m:mr>
-                            <m:mr>
-                              <m:e>
-                                <m:r>
-                                  <a:rPr lang="en-US" altLang="ko-KR" sz="2400" b="0" i="1" smtClean="0">
-                                    <a:latin typeface="Cambria Math" panose="02040503050406030204" pitchFamily="18" charset="0"/>
-                                  </a:rPr>
-                                  <m:t>1/2</m:t>
-                                </m:r>
-                              </m:e>
-                            </m:mr>
-                            <m:mr>
-                              <m:e>
-                                <m:eqArr>
-                                  <m:eqArrPr>
-                                    <m:ctrlPr>
-                                      <a:rPr lang="en-US" altLang="ko-KR" sz="2400" i="1" smtClean="0">
-                                        <a:latin typeface="Cambria Math" panose="02040503050406030204" pitchFamily="18" charset="0"/>
-                                      </a:rPr>
-                                    </m:ctrlPr>
-                                  </m:eqArrPr>
-                                  <m:e>
-                                    <m:r>
-                                      <a:rPr lang="en-US" altLang="ko-KR" sz="2400" b="0" i="1" smtClean="0">
-                                        <a:latin typeface="Cambria Math" panose="02040503050406030204" pitchFamily="18" charset="0"/>
-                                      </a:rPr>
-                                      <m:t>0</m:t>
-                                    </m:r>
-                                  </m:e>
-                                  <m:e>
-                                    <m:r>
-                                      <a:rPr lang="en-US" altLang="ko-KR" sz="2400" b="0" i="1" smtClean="0">
-                                        <a:latin typeface="Cambria Math" panose="02040503050406030204" pitchFamily="18" charset="0"/>
-                                      </a:rPr>
-                                      <m:t>1/2</m:t>
-                                    </m:r>
-                                  </m:e>
-                                  <m:e>
-                                    <m:r>
-                                      <a:rPr lang="ko-KR" altLang="en-US" sz="2400" i="1" smtClean="0">
-                                        <a:latin typeface="Cambria Math" panose="02040503050406030204" pitchFamily="18" charset="0"/>
-                                      </a:rPr>
-                                      <m:t>⋮</m:t>
-                                    </m:r>
-                                  </m:e>
-                                </m:eqArr>
-                              </m:e>
-                            </m:mr>
-                          </m:m>
-                        </m:e>
-                      </m:d>
-                    </m:oMath>
-                  </m:oMathPara>
-                </a14:m>
-                <a:endParaRPr lang="en-US" altLang="ko-KR" sz="2400"/>
-              </a:p>
-            </p:txBody>
-          </p:sp>
-        </mc:Choice>
-        <mc:Fallback>
-          <p:sp>
-            <p:nvSpPr>
-              <p:cNvPr id="23" name="TextBox 22">
-                <a:extLst>
-                  <a:ext uri="{FF2B5EF4-FFF2-40B4-BE49-F238E27FC236}">
-                    <a16:creationId xmlns:a16="http://schemas.microsoft.com/office/drawing/2014/main" id="{A4886A75-89F9-2A70-7ED2-55446E1760EB}"/>
-                  </a:ext>
-                </a:extLst>
-              </p:cNvPr>
-              <p:cNvSpPr txBox="1">
-                <a:spLocks noRot="1" noChangeAspect="1" noMove="1" noResize="1" noEditPoints="1" noAdjustHandles="1" noChangeArrowheads="1" noChangeShapeType="1" noTextEdit="1"/>
-              </p:cNvSpPr>
-              <p:nvPr/>
-            </p:nvSpPr>
-            <p:spPr>
-              <a:xfrm>
-                <a:off x="8541342" y="1109083"/>
-                <a:ext cx="2184893" cy="1845762"/>
-              </a:xfrm>
-              <a:prstGeom prst="rect">
-                <a:avLst/>
-              </a:prstGeom>
-              <a:blipFill>
-                <a:blip r:embed="rId4"/>
-                <a:stretch>
-                  <a:fillRect/>
-                </a:stretch>
-              </a:blipFill>
-            </p:spPr>
-            <p:txBody>
-              <a:bodyPr/>
-              <a:lstStyle/>
-              <a:p>
-                <a:r>
-                  <a:rPr lang="ko-KR" altLang="en-US">
-                    <a:noFill/>
-                  </a:rPr>
-                  <a:t> </a:t>
-                </a:r>
-              </a:p>
-            </p:txBody>
-          </p:sp>
-        </mc:Fallback>
-      </mc:AlternateContent>
-      <p:cxnSp>
-        <p:nvCxnSpPr>
-          <p:cNvPr id="25" name="직선 화살표 연결선 24">
-            <a:extLst>
-              <a:ext uri="{FF2B5EF4-FFF2-40B4-BE49-F238E27FC236}">
-                <a16:creationId xmlns:a16="http://schemas.microsoft.com/office/drawing/2014/main" id="{27AB4579-D3B8-1529-D72B-BC38DF958A2D}"/>
-              </a:ext>
-            </a:extLst>
-          </p:cNvPr>
-          <p:cNvCxnSpPr/>
-          <p:nvPr/>
-        </p:nvCxnSpPr>
-        <p:spPr>
-          <a:xfrm>
-            <a:off x="7638445" y="2031964"/>
-            <a:ext cx="902897" cy="0"/>
-          </a:xfrm>
-          <a:prstGeom prst="straightConnector1">
-            <a:avLst/>
-          </a:prstGeom>
-          <a:ln>
-            <a:tailEnd type="triangle"/>
-          </a:ln>
-        </p:spPr>
-        <p:style>
-          <a:lnRef idx="2">
-            <a:schemeClr val="accent1"/>
-          </a:lnRef>
-          <a:fillRef idx="0">
-            <a:schemeClr val="accent1"/>
-          </a:fillRef>
-          <a:effectRef idx="1">
-            <a:schemeClr val="accent1"/>
-          </a:effectRef>
-          <a:fontRef idx="minor">
-            <a:schemeClr val="tx1"/>
-          </a:fontRef>
-        </p:style>
-      </p:cxnSp>
-      <p:sp>
-        <p:nvSpPr>
-          <p:cNvPr id="26" name="TextBox 25">
-            <a:extLst>
-              <a:ext uri="{FF2B5EF4-FFF2-40B4-BE49-F238E27FC236}">
-                <a16:creationId xmlns:a16="http://schemas.microsoft.com/office/drawing/2014/main" id="{368577F7-1995-31E0-FA30-5BE025083A93}"/>
-              </a:ext>
-            </a:extLst>
-          </p:cNvPr>
-          <p:cNvSpPr txBox="1"/>
-          <p:nvPr/>
-        </p:nvSpPr>
-        <p:spPr>
-          <a:xfrm>
-            <a:off x="9263478" y="582236"/>
-            <a:ext cx="958917" cy="369332"/>
-          </a:xfrm>
-          <a:prstGeom prst="rect">
-            <a:avLst/>
-          </a:prstGeom>
-          <a:noFill/>
-        </p:spPr>
-        <p:txBody>
-          <a:bodyPr wrap="none" rtlCol="0">
-            <a:spAutoFit/>
-          </a:bodyPr>
-          <a:lstStyle/>
-          <a:p>
-            <a:r>
-              <a:rPr lang="ko-KR" altLang="en-US"/>
-              <a:t>이동 후</a:t>
-            </a:r>
-          </a:p>
-        </p:txBody>
-      </p:sp>
-      <p:sp>
-        <p:nvSpPr>
-          <p:cNvPr id="27" name="TextBox 26">
-            <a:extLst>
-              <a:ext uri="{FF2B5EF4-FFF2-40B4-BE49-F238E27FC236}">
-                <a16:creationId xmlns:a16="http://schemas.microsoft.com/office/drawing/2014/main" id="{7821BB46-86F7-54A9-3A8D-59AA29593F38}"/>
-              </a:ext>
-            </a:extLst>
-          </p:cNvPr>
-          <p:cNvSpPr txBox="1"/>
-          <p:nvPr/>
-        </p:nvSpPr>
-        <p:spPr>
-          <a:xfrm>
-            <a:off x="1958104" y="810892"/>
-            <a:ext cx="1300356" cy="400110"/>
-          </a:xfrm>
-          <a:prstGeom prst="rect">
-            <a:avLst/>
-          </a:prstGeom>
-          <a:noFill/>
-        </p:spPr>
-        <p:txBody>
-          <a:bodyPr wrap="none" rtlCol="0">
-            <a:spAutoFit/>
-          </a:bodyPr>
-          <a:lstStyle/>
-          <a:p>
-            <a:r>
-              <a:rPr lang="ko-KR" altLang="en-US" sz="2000"/>
-              <a:t>전이 행렬</a:t>
-            </a:r>
-          </a:p>
-        </p:txBody>
-      </p:sp>
-      <mc:AlternateContent xmlns:mc="http://schemas.openxmlformats.org/markup-compatibility/2006">
-        <mc:Choice xmlns:a14="http://schemas.microsoft.com/office/drawing/2010/main" Requires="a14">
-          <p:sp>
-            <p:nvSpPr>
-              <p:cNvPr id="28" name="TextBox 27">
-                <a:extLst>
-                  <a:ext uri="{FF2B5EF4-FFF2-40B4-BE49-F238E27FC236}">
-                    <a16:creationId xmlns:a16="http://schemas.microsoft.com/office/drawing/2014/main" id="{2E25A605-40BA-FAF4-737F-73369F1A8A8F}"/>
-                  </a:ext>
-                </a:extLst>
-              </p:cNvPr>
-              <p:cNvSpPr txBox="1"/>
-              <p:nvPr/>
-            </p:nvSpPr>
-            <p:spPr>
-              <a:xfrm>
-                <a:off x="2777317" y="4336386"/>
-                <a:ext cx="6096866" cy="584775"/>
-              </a:xfrm>
-              <a:prstGeom prst="rect">
-                <a:avLst/>
-              </a:prstGeom>
-              <a:noFill/>
-            </p:spPr>
-            <p:txBody>
-              <a:bodyPr wrap="square">
-                <a:spAutoFit/>
-              </a:bodyPr>
-              <a:lstStyle/>
-              <a:p>
-                <a:pPr/>
-                <a14:m>
-                  <m:oMathPara xmlns:m="http://schemas.openxmlformats.org/officeDocument/2006/math">
-                    <m:oMathParaPr>
-                      <m:jc m:val="centerGroup"/>
-                    </m:oMathParaPr>
-                    <m:oMath xmlns:m="http://schemas.openxmlformats.org/officeDocument/2006/math">
-                      <m:sSub>
-                        <m:sSubPr>
-                          <m:ctrlPr>
-                            <a:rPr lang="en-US" altLang="ko-KR" sz="3200" b="0" i="1" smtClean="0">
-                              <a:latin typeface="Cambria Math" panose="02040503050406030204" pitchFamily="18" charset="0"/>
-                            </a:rPr>
-                          </m:ctrlPr>
-                        </m:sSubPr>
-                        <m:e>
-                          <m:r>
-                            <a:rPr lang="en-US" altLang="ko-KR" sz="3200" b="0" i="1" smtClean="0">
-                              <a:latin typeface="Cambria Math" panose="02040503050406030204" pitchFamily="18" charset="0"/>
-                            </a:rPr>
-                            <m:t>𝑃</m:t>
-                          </m:r>
-                        </m:e>
-                        <m:sub>
-                          <m:r>
-                            <a:rPr lang="en-US" altLang="ko-KR" sz="3200" b="0" i="1" smtClean="0">
-                              <a:latin typeface="Cambria Math" panose="02040503050406030204" pitchFamily="18" charset="0"/>
-                            </a:rPr>
-                            <m:t>𝑡</m:t>
-                          </m:r>
-                          <m:r>
-                            <a:rPr lang="en-US" altLang="ko-KR" sz="3200" b="0" i="1" smtClean="0">
-                              <a:latin typeface="Cambria Math" panose="02040503050406030204" pitchFamily="18" charset="0"/>
-                            </a:rPr>
-                            <m:t>+</m:t>
-                          </m:r>
-                          <m:r>
-                            <a:rPr lang="en-US" altLang="ko-KR" sz="3200" b="0" i="1" smtClean="0">
-                              <a:latin typeface="Cambria Math" panose="02040503050406030204" pitchFamily="18" charset="0"/>
-                            </a:rPr>
-                            <m:t>𝑑𝑡</m:t>
-                          </m:r>
-                        </m:sub>
-                      </m:sSub>
-                      <m:r>
-                        <a:rPr lang="en-US" altLang="ko-KR" sz="3200" b="0" i="1" smtClean="0">
-                          <a:latin typeface="Cambria Math" panose="02040503050406030204" pitchFamily="18" charset="0"/>
-                        </a:rPr>
-                        <m:t>=</m:t>
-                      </m:r>
-                      <m:r>
-                        <a:rPr lang="en-US" altLang="ko-KR" sz="3200" b="0" i="1" smtClean="0">
-                          <a:latin typeface="Cambria Math" panose="02040503050406030204" pitchFamily="18" charset="0"/>
-                        </a:rPr>
-                        <m:t>𝑑𝑡𝐻</m:t>
-                      </m:r>
-                      <m:sSub>
-                        <m:sSubPr>
-                          <m:ctrlPr>
-                            <a:rPr lang="en-US" altLang="ko-KR" sz="3200" b="0" i="1" smtClean="0">
-                              <a:latin typeface="Cambria Math" panose="02040503050406030204" pitchFamily="18" charset="0"/>
-                            </a:rPr>
-                          </m:ctrlPr>
-                        </m:sSubPr>
-                        <m:e>
-                          <m:r>
-                            <a:rPr lang="en-US" altLang="ko-KR" sz="3200" b="0" i="1" smtClean="0">
-                              <a:latin typeface="Cambria Math" panose="02040503050406030204" pitchFamily="18" charset="0"/>
-                            </a:rPr>
-                            <m:t>𝑃</m:t>
-                          </m:r>
-                        </m:e>
-                        <m:sub>
-                          <m:r>
-                            <a:rPr lang="en-US" altLang="ko-KR" sz="3200" b="0" i="1" smtClean="0">
-                              <a:latin typeface="Cambria Math" panose="02040503050406030204" pitchFamily="18" charset="0"/>
-                            </a:rPr>
-                            <m:t>𝑡</m:t>
-                          </m:r>
-                        </m:sub>
-                      </m:sSub>
-                      <m:r>
-                        <a:rPr lang="en-US" altLang="ko-KR" sz="3200" b="0" i="1" smtClean="0">
-                          <a:latin typeface="Cambria Math" panose="02040503050406030204" pitchFamily="18" charset="0"/>
-                        </a:rPr>
-                        <m:t>+</m:t>
-                      </m:r>
-                      <m:d>
-                        <m:dPr>
-                          <m:ctrlPr>
-                            <a:rPr lang="en-US" altLang="ko-KR" sz="3200" b="0" i="1" smtClean="0">
-                              <a:latin typeface="Cambria Math" panose="02040503050406030204" pitchFamily="18" charset="0"/>
-                            </a:rPr>
-                          </m:ctrlPr>
-                        </m:dPr>
-                        <m:e>
-                          <m:r>
-                            <a:rPr lang="en-US" altLang="ko-KR" sz="3200" b="0" i="1" smtClean="0">
-                              <a:latin typeface="Cambria Math" panose="02040503050406030204" pitchFamily="18" charset="0"/>
-                            </a:rPr>
-                            <m:t>1−</m:t>
-                          </m:r>
-                          <m:r>
-                            <a:rPr lang="en-US" altLang="ko-KR" sz="3200" b="0" i="1" smtClean="0">
-                              <a:latin typeface="Cambria Math" panose="02040503050406030204" pitchFamily="18" charset="0"/>
-                            </a:rPr>
-                            <m:t>𝑑𝑡</m:t>
-                          </m:r>
-                        </m:e>
-                      </m:d>
-                      <m:sSub>
-                        <m:sSubPr>
-                          <m:ctrlPr>
-                            <a:rPr lang="en-US" altLang="ko-KR" sz="3200" b="0" i="1" smtClean="0">
-                              <a:latin typeface="Cambria Math" panose="02040503050406030204" pitchFamily="18" charset="0"/>
-                            </a:rPr>
-                          </m:ctrlPr>
-                        </m:sSubPr>
-                        <m:e>
-                          <m:r>
-                            <a:rPr lang="en-US" altLang="ko-KR" sz="3200" b="0" i="1" smtClean="0">
-                              <a:latin typeface="Cambria Math" panose="02040503050406030204" pitchFamily="18" charset="0"/>
-                            </a:rPr>
-                            <m:t>𝑃</m:t>
-                          </m:r>
-                        </m:e>
-                        <m:sub>
-                          <m:r>
-                            <a:rPr lang="en-US" altLang="ko-KR" sz="3200" b="0" i="1" smtClean="0">
-                              <a:latin typeface="Cambria Math" panose="02040503050406030204" pitchFamily="18" charset="0"/>
-                            </a:rPr>
-                            <m:t>𝑡</m:t>
-                          </m:r>
-                        </m:sub>
-                      </m:sSub>
-                    </m:oMath>
-                  </m:oMathPara>
-                </a14:m>
-                <a:endParaRPr lang="ko-KR" altLang="en-US" sz="3200"/>
-              </a:p>
-            </p:txBody>
-          </p:sp>
-        </mc:Choice>
-        <mc:Fallback>
-          <p:sp>
-            <p:nvSpPr>
-              <p:cNvPr id="28" name="TextBox 27">
-                <a:extLst>
-                  <a:ext uri="{FF2B5EF4-FFF2-40B4-BE49-F238E27FC236}">
-                    <a16:creationId xmlns:a16="http://schemas.microsoft.com/office/drawing/2014/main" id="{2E25A605-40BA-FAF4-737F-73369F1A8A8F}"/>
-                  </a:ext>
-                </a:extLst>
-              </p:cNvPr>
-              <p:cNvSpPr txBox="1">
-                <a:spLocks noRot="1" noChangeAspect="1" noMove="1" noResize="1" noEditPoints="1" noAdjustHandles="1" noChangeArrowheads="1" noChangeShapeType="1" noTextEdit="1"/>
-              </p:cNvSpPr>
-              <p:nvPr/>
-            </p:nvSpPr>
-            <p:spPr>
-              <a:xfrm>
-                <a:off x="2777317" y="4336386"/>
-                <a:ext cx="6096866" cy="584775"/>
-              </a:xfrm>
-              <a:prstGeom prst="rect">
-                <a:avLst/>
-              </a:prstGeom>
-              <a:blipFill>
-                <a:blip r:embed="rId5"/>
-                <a:stretch>
-                  <a:fillRect/>
-                </a:stretch>
-              </a:blipFill>
-            </p:spPr>
-            <p:txBody>
-              <a:bodyPr/>
-              <a:lstStyle/>
-              <a:p>
-                <a:r>
-                  <a:rPr lang="ko-KR" altLang="en-US">
-                    <a:noFill/>
-                  </a:rPr>
-                  <a:t> </a:t>
-                </a:r>
-              </a:p>
-            </p:txBody>
-          </p:sp>
-        </mc:Fallback>
-      </mc:AlternateContent>
-      <p:cxnSp>
-        <p:nvCxnSpPr>
-          <p:cNvPr id="30" name="직선 연결선 29">
-            <a:extLst>
-              <a:ext uri="{FF2B5EF4-FFF2-40B4-BE49-F238E27FC236}">
-                <a16:creationId xmlns:a16="http://schemas.microsoft.com/office/drawing/2014/main" id="{56ECAC0A-A938-F4AD-A066-37883731B254}"/>
-              </a:ext>
-            </a:extLst>
-          </p:cNvPr>
-          <p:cNvCxnSpPr>
-            <a:cxnSpLocks/>
-          </p:cNvCxnSpPr>
-          <p:nvPr/>
-        </p:nvCxnSpPr>
-        <p:spPr>
-          <a:xfrm>
-            <a:off x="3410309" y="5004232"/>
-            <a:ext cx="902899" cy="0"/>
-          </a:xfrm>
-          <a:prstGeom prst="line">
-            <a:avLst/>
-          </a:prstGeom>
-        </p:spPr>
-        <p:style>
-          <a:lnRef idx="2">
-            <a:schemeClr val="accent1"/>
-          </a:lnRef>
-          <a:fillRef idx="0">
-            <a:schemeClr val="accent1"/>
-          </a:fillRef>
-          <a:effectRef idx="1">
-            <a:schemeClr val="accent1"/>
-          </a:effectRef>
-          <a:fontRef idx="minor">
-            <a:schemeClr val="tx1"/>
-          </a:fontRef>
-        </p:style>
-      </p:cxnSp>
-      <p:cxnSp>
-        <p:nvCxnSpPr>
-          <p:cNvPr id="32" name="직선 화살표 연결선 31">
-            <a:extLst>
-              <a:ext uri="{FF2B5EF4-FFF2-40B4-BE49-F238E27FC236}">
-                <a16:creationId xmlns:a16="http://schemas.microsoft.com/office/drawing/2014/main" id="{80DC6625-934C-8B23-432D-04F6EFD6DC2F}"/>
-              </a:ext>
-            </a:extLst>
-          </p:cNvPr>
-          <p:cNvCxnSpPr/>
-          <p:nvPr/>
-        </p:nvCxnSpPr>
-        <p:spPr>
-          <a:xfrm>
-            <a:off x="3913510" y="5004232"/>
-            <a:ext cx="0" cy="476417"/>
-          </a:xfrm>
-          <a:prstGeom prst="straightConnector1">
-            <a:avLst/>
-          </a:prstGeom>
-          <a:ln>
-            <a:tailEnd type="triangle"/>
-          </a:ln>
-        </p:spPr>
-        <p:style>
-          <a:lnRef idx="2">
-            <a:schemeClr val="accent1"/>
-          </a:lnRef>
-          <a:fillRef idx="0">
-            <a:schemeClr val="accent1"/>
-          </a:fillRef>
-          <a:effectRef idx="1">
-            <a:schemeClr val="accent1"/>
-          </a:effectRef>
-          <a:fontRef idx="minor">
-            <a:schemeClr val="tx1"/>
-          </a:fontRef>
-        </p:style>
-      </p:cxnSp>
-      <mc:AlternateContent xmlns:mc="http://schemas.openxmlformats.org/markup-compatibility/2006">
-        <mc:Choice xmlns:a14="http://schemas.microsoft.com/office/drawing/2010/main" Requires="a14">
-          <p:sp>
-            <p:nvSpPr>
-              <p:cNvPr id="34" name="TextBox 33">
-                <a:extLst>
-                  <a:ext uri="{FF2B5EF4-FFF2-40B4-BE49-F238E27FC236}">
-                    <a16:creationId xmlns:a16="http://schemas.microsoft.com/office/drawing/2014/main" id="{34D4F2CB-CEE3-FAE7-5B5A-1FE2331BF4A8}"/>
-                  </a:ext>
-                </a:extLst>
-              </p:cNvPr>
-              <p:cNvSpPr txBox="1"/>
-              <p:nvPr/>
-            </p:nvSpPr>
-            <p:spPr>
-              <a:xfrm>
-                <a:off x="3181440" y="5570018"/>
-                <a:ext cx="1200777" cy="584775"/>
-              </a:xfrm>
-              <a:prstGeom prst="rect">
-                <a:avLst/>
-              </a:prstGeom>
-              <a:noFill/>
-            </p:spPr>
-            <p:txBody>
-              <a:bodyPr wrap="square" rtlCol="0">
-                <a:spAutoFit/>
-              </a:bodyPr>
-              <a:lstStyle/>
-              <a:p>
-                <a14:m>
-                  <m:oMath xmlns:m="http://schemas.openxmlformats.org/officeDocument/2006/math">
-                    <m:r>
-                      <a:rPr lang="en-US" altLang="ko-KR" sz="1600" b="0" i="1" smtClean="0">
-                        <a:latin typeface="Cambria Math" panose="02040503050406030204" pitchFamily="18" charset="0"/>
-                      </a:rPr>
-                      <m:t>𝑑𝑡</m:t>
-                    </m:r>
-                  </m:oMath>
-                </a14:m>
-                <a:r>
-                  <a:rPr lang="ko-KR" altLang="en-US" sz="1600" b="0"/>
-                  <a:t>초 후 확률 분포</a:t>
-                </a:r>
-                <a:endParaRPr lang="en-US" altLang="ko-KR" sz="1600" b="0"/>
-              </a:p>
-            </p:txBody>
-          </p:sp>
-        </mc:Choice>
-        <mc:Fallback>
-          <p:sp>
-            <p:nvSpPr>
-              <p:cNvPr id="34" name="TextBox 33">
-                <a:extLst>
-                  <a:ext uri="{FF2B5EF4-FFF2-40B4-BE49-F238E27FC236}">
-                    <a16:creationId xmlns:a16="http://schemas.microsoft.com/office/drawing/2014/main" id="{34D4F2CB-CEE3-FAE7-5B5A-1FE2331BF4A8}"/>
-                  </a:ext>
-                </a:extLst>
-              </p:cNvPr>
-              <p:cNvSpPr txBox="1">
-                <a:spLocks noRot="1" noChangeAspect="1" noMove="1" noResize="1" noEditPoints="1" noAdjustHandles="1" noChangeArrowheads="1" noChangeShapeType="1" noTextEdit="1"/>
-              </p:cNvSpPr>
-              <p:nvPr/>
-            </p:nvSpPr>
-            <p:spPr>
-              <a:xfrm>
-                <a:off x="3181440" y="5570018"/>
-                <a:ext cx="1200777" cy="584775"/>
-              </a:xfrm>
-              <a:prstGeom prst="rect">
-                <a:avLst/>
-              </a:prstGeom>
-              <a:blipFill>
-                <a:blip r:embed="rId6"/>
-                <a:stretch>
-                  <a:fillRect l="-3046" t="-3125" b="-12500"/>
-                </a:stretch>
-              </a:blipFill>
-            </p:spPr>
-            <p:txBody>
-              <a:bodyPr/>
-              <a:lstStyle/>
-              <a:p>
-                <a:r>
-                  <a:rPr lang="ko-KR" altLang="en-US">
-                    <a:noFill/>
-                  </a:rPr>
-                  <a:t> </a:t>
-                </a:r>
-              </a:p>
-            </p:txBody>
-          </p:sp>
-        </mc:Fallback>
-      </mc:AlternateContent>
-      <p:cxnSp>
-        <p:nvCxnSpPr>
-          <p:cNvPr id="35" name="직선 연결선 34">
-            <a:extLst>
-              <a:ext uri="{FF2B5EF4-FFF2-40B4-BE49-F238E27FC236}">
-                <a16:creationId xmlns:a16="http://schemas.microsoft.com/office/drawing/2014/main" id="{FC79D5DC-97BD-4875-2F42-9104D2C65B5F}"/>
-              </a:ext>
-            </a:extLst>
-          </p:cNvPr>
-          <p:cNvCxnSpPr>
-            <a:cxnSpLocks/>
-          </p:cNvCxnSpPr>
-          <p:nvPr/>
-        </p:nvCxnSpPr>
-        <p:spPr>
-          <a:xfrm>
-            <a:off x="4859547" y="5004232"/>
-            <a:ext cx="379562" cy="0"/>
-          </a:xfrm>
-          <a:prstGeom prst="line">
-            <a:avLst/>
-          </a:prstGeom>
-        </p:spPr>
-        <p:style>
-          <a:lnRef idx="2">
-            <a:schemeClr val="accent1"/>
-          </a:lnRef>
-          <a:fillRef idx="0">
-            <a:schemeClr val="accent1"/>
-          </a:fillRef>
-          <a:effectRef idx="1">
-            <a:schemeClr val="accent1"/>
-          </a:effectRef>
-          <a:fontRef idx="minor">
-            <a:schemeClr val="tx1"/>
-          </a:fontRef>
-        </p:style>
-      </p:cxnSp>
-      <p:cxnSp>
-        <p:nvCxnSpPr>
-          <p:cNvPr id="37" name="직선 화살표 연결선 36">
-            <a:extLst>
-              <a:ext uri="{FF2B5EF4-FFF2-40B4-BE49-F238E27FC236}">
-                <a16:creationId xmlns:a16="http://schemas.microsoft.com/office/drawing/2014/main" id="{641B81C3-E6BE-7AAE-C4A0-552A558C6D3C}"/>
-              </a:ext>
-            </a:extLst>
-          </p:cNvPr>
-          <p:cNvCxnSpPr/>
-          <p:nvPr/>
-        </p:nvCxnSpPr>
-        <p:spPr>
-          <a:xfrm>
-            <a:off x="5063698" y="5004232"/>
-            <a:ext cx="0" cy="476417"/>
-          </a:xfrm>
-          <a:prstGeom prst="straightConnector1">
-            <a:avLst/>
-          </a:prstGeom>
-          <a:ln>
-            <a:tailEnd type="triangle"/>
-          </a:ln>
-        </p:spPr>
-        <p:style>
-          <a:lnRef idx="2">
-            <a:schemeClr val="accent1"/>
-          </a:lnRef>
-          <a:fillRef idx="0">
-            <a:schemeClr val="accent1"/>
-          </a:fillRef>
-          <a:effectRef idx="1">
-            <a:schemeClr val="accent1"/>
-          </a:effectRef>
-          <a:fontRef idx="minor">
-            <a:schemeClr val="tx1"/>
-          </a:fontRef>
-        </p:style>
-      </p:cxnSp>
-      <mc:AlternateContent xmlns:mc="http://schemas.openxmlformats.org/markup-compatibility/2006">
-        <mc:Choice xmlns:a14="http://schemas.microsoft.com/office/drawing/2010/main" Requires="a14">
-          <p:sp>
-            <p:nvSpPr>
-              <p:cNvPr id="38" name="TextBox 37">
-                <a:extLst>
-                  <a:ext uri="{FF2B5EF4-FFF2-40B4-BE49-F238E27FC236}">
-                    <a16:creationId xmlns:a16="http://schemas.microsoft.com/office/drawing/2014/main" id="{38413A52-604E-C8CC-DD1C-46B6D81EBCCB}"/>
-                  </a:ext>
-                </a:extLst>
-              </p:cNvPr>
-              <p:cNvSpPr txBox="1"/>
-              <p:nvPr/>
-            </p:nvSpPr>
-            <p:spPr>
-              <a:xfrm>
-                <a:off x="4558443" y="5564824"/>
-                <a:ext cx="1010510" cy="589457"/>
-              </a:xfrm>
-              <a:prstGeom prst="rect">
-                <a:avLst/>
-              </a:prstGeom>
-              <a:noFill/>
-            </p:spPr>
-            <p:txBody>
-              <a:bodyPr wrap="square" rtlCol="0">
-                <a:spAutoFit/>
-              </a:bodyPr>
-              <a:lstStyle/>
-              <a:p>
-                <a14:m>
-                  <m:oMath xmlns:m="http://schemas.openxmlformats.org/officeDocument/2006/math">
-                    <m:r>
-                      <a:rPr lang="ko-KR" altLang="en-US" sz="1600" i="1">
-                        <a:latin typeface="Cambria Math" panose="02040503050406030204" pitchFamily="18" charset="0"/>
-                      </a:rPr>
-                      <m:t>이</m:t>
-                    </m:r>
-                  </m:oMath>
-                </a14:m>
-                <a:r>
-                  <a:rPr lang="ko-KR" altLang="en-US" sz="1600" b="0"/>
-                  <a:t>동할 확률</a:t>
-                </a:r>
-                <a:endParaRPr lang="en-US" altLang="ko-KR" sz="1600" b="0"/>
-              </a:p>
-            </p:txBody>
-          </p:sp>
-        </mc:Choice>
-        <mc:Fallback>
-          <p:sp>
-            <p:nvSpPr>
-              <p:cNvPr id="38" name="TextBox 37">
-                <a:extLst>
-                  <a:ext uri="{FF2B5EF4-FFF2-40B4-BE49-F238E27FC236}">
-                    <a16:creationId xmlns:a16="http://schemas.microsoft.com/office/drawing/2014/main" id="{38413A52-604E-C8CC-DD1C-46B6D81EBCCB}"/>
-                  </a:ext>
-                </a:extLst>
-              </p:cNvPr>
-              <p:cNvSpPr txBox="1">
-                <a:spLocks noRot="1" noChangeAspect="1" noMove="1" noResize="1" noEditPoints="1" noAdjustHandles="1" noChangeArrowheads="1" noChangeShapeType="1" noTextEdit="1"/>
-              </p:cNvSpPr>
-              <p:nvPr/>
-            </p:nvSpPr>
-            <p:spPr>
-              <a:xfrm>
-                <a:off x="4558443" y="5564824"/>
-                <a:ext cx="1010510" cy="589457"/>
-              </a:xfrm>
-              <a:prstGeom prst="rect">
-                <a:avLst/>
-              </a:prstGeom>
-              <a:blipFill>
-                <a:blip r:embed="rId7"/>
-                <a:stretch>
-                  <a:fillRect l="-3614" t="-3093" b="-12371"/>
-                </a:stretch>
-              </a:blipFill>
-            </p:spPr>
-            <p:txBody>
-              <a:bodyPr/>
-              <a:lstStyle/>
-              <a:p>
-                <a:r>
-                  <a:rPr lang="ko-KR" altLang="en-US">
-                    <a:noFill/>
-                  </a:rPr>
-                  <a:t> </a:t>
-                </a:r>
-              </a:p>
-            </p:txBody>
-          </p:sp>
-        </mc:Fallback>
-      </mc:AlternateContent>
-      <p:cxnSp>
-        <p:nvCxnSpPr>
-          <p:cNvPr id="39" name="직선 연결선 38">
-            <a:extLst>
-              <a:ext uri="{FF2B5EF4-FFF2-40B4-BE49-F238E27FC236}">
-                <a16:creationId xmlns:a16="http://schemas.microsoft.com/office/drawing/2014/main" id="{752F9F8A-AD3C-C111-8B95-97C2289BB6EE}"/>
-              </a:ext>
-            </a:extLst>
-          </p:cNvPr>
-          <p:cNvCxnSpPr>
-            <a:cxnSpLocks/>
-          </p:cNvCxnSpPr>
-          <p:nvPr/>
-        </p:nvCxnSpPr>
-        <p:spPr>
-          <a:xfrm>
-            <a:off x="5313872" y="5004232"/>
-            <a:ext cx="621102" cy="0"/>
-          </a:xfrm>
-          <a:prstGeom prst="line">
-            <a:avLst/>
-          </a:prstGeom>
-        </p:spPr>
-        <p:style>
-          <a:lnRef idx="2">
-            <a:schemeClr val="accent1"/>
-          </a:lnRef>
-          <a:fillRef idx="0">
-            <a:schemeClr val="accent1"/>
-          </a:fillRef>
-          <a:effectRef idx="1">
-            <a:schemeClr val="accent1"/>
-          </a:effectRef>
-          <a:fontRef idx="minor">
-            <a:schemeClr val="tx1"/>
-          </a:fontRef>
-        </p:style>
-      </p:cxnSp>
-      <p:cxnSp>
-        <p:nvCxnSpPr>
-          <p:cNvPr id="40" name="직선 화살표 연결선 39">
-            <a:extLst>
-              <a:ext uri="{FF2B5EF4-FFF2-40B4-BE49-F238E27FC236}">
-                <a16:creationId xmlns:a16="http://schemas.microsoft.com/office/drawing/2014/main" id="{47D3EB35-9401-CA5C-A1B0-3C8754332A01}"/>
-              </a:ext>
-            </a:extLst>
-          </p:cNvPr>
-          <p:cNvCxnSpPr/>
-          <p:nvPr/>
-        </p:nvCxnSpPr>
-        <p:spPr>
-          <a:xfrm>
-            <a:off x="5765313" y="5004232"/>
-            <a:ext cx="0" cy="476417"/>
-          </a:xfrm>
-          <a:prstGeom prst="straightConnector1">
-            <a:avLst/>
-          </a:prstGeom>
-          <a:ln>
-            <a:tailEnd type="triangle"/>
-          </a:ln>
-        </p:spPr>
-        <p:style>
-          <a:lnRef idx="2">
-            <a:schemeClr val="accent1"/>
-          </a:lnRef>
-          <a:fillRef idx="0">
-            <a:schemeClr val="accent1"/>
-          </a:fillRef>
-          <a:effectRef idx="1">
-            <a:schemeClr val="accent1"/>
-          </a:effectRef>
-          <a:fontRef idx="minor">
-            <a:schemeClr val="tx1"/>
-          </a:fontRef>
-        </p:style>
-      </p:cxnSp>
-      <mc:AlternateContent xmlns:mc="http://schemas.openxmlformats.org/markup-compatibility/2006">
-        <mc:Choice xmlns:a14="http://schemas.microsoft.com/office/drawing/2010/main" Requires="a14">
-          <p:sp>
-            <p:nvSpPr>
-              <p:cNvPr id="42" name="TextBox 41">
-                <a:extLst>
-                  <a:ext uri="{FF2B5EF4-FFF2-40B4-BE49-F238E27FC236}">
-                    <a16:creationId xmlns:a16="http://schemas.microsoft.com/office/drawing/2014/main" id="{191D81EC-02F0-51E3-3202-469DF0F4BE4A}"/>
-                  </a:ext>
-                </a:extLst>
-              </p:cNvPr>
-              <p:cNvSpPr txBox="1"/>
-              <p:nvPr/>
-            </p:nvSpPr>
-            <p:spPr>
-              <a:xfrm>
-                <a:off x="5415333" y="5564824"/>
-                <a:ext cx="1963127" cy="589457"/>
-              </a:xfrm>
-              <a:prstGeom prst="rect">
-                <a:avLst/>
-              </a:prstGeom>
-              <a:noFill/>
-            </p:spPr>
-            <p:txBody>
-              <a:bodyPr wrap="square" rtlCol="0">
-                <a:spAutoFit/>
-              </a:bodyPr>
-              <a:lstStyle/>
-              <a:p>
-                <a14:m>
-                  <m:oMath xmlns:m="http://schemas.openxmlformats.org/officeDocument/2006/math">
-                    <m:r>
-                      <a:rPr lang="ko-KR" altLang="en-US" sz="1600" i="1" smtClean="0">
-                        <a:latin typeface="Cambria Math" panose="02040503050406030204" pitchFamily="18" charset="0"/>
-                      </a:rPr>
-                      <m:t>이</m:t>
-                    </m:r>
-                  </m:oMath>
-                </a14:m>
-                <a:r>
-                  <a:rPr lang="ko-KR" altLang="en-US" sz="1600" b="0"/>
-                  <a:t>동했다는 가정 하의 확률 분포</a:t>
-                </a:r>
-                <a:endParaRPr lang="en-US" altLang="ko-KR" sz="1600" b="0"/>
-              </a:p>
-            </p:txBody>
-          </p:sp>
-        </mc:Choice>
-        <mc:Fallback>
-          <p:sp>
-            <p:nvSpPr>
-              <p:cNvPr id="42" name="TextBox 41">
-                <a:extLst>
-                  <a:ext uri="{FF2B5EF4-FFF2-40B4-BE49-F238E27FC236}">
-                    <a16:creationId xmlns:a16="http://schemas.microsoft.com/office/drawing/2014/main" id="{191D81EC-02F0-51E3-3202-469DF0F4BE4A}"/>
-                  </a:ext>
-                </a:extLst>
-              </p:cNvPr>
-              <p:cNvSpPr txBox="1">
-                <a:spLocks noRot="1" noChangeAspect="1" noMove="1" noResize="1" noEditPoints="1" noAdjustHandles="1" noChangeArrowheads="1" noChangeShapeType="1" noTextEdit="1"/>
-              </p:cNvSpPr>
-              <p:nvPr/>
-            </p:nvSpPr>
-            <p:spPr>
-              <a:xfrm>
-                <a:off x="5415333" y="5564824"/>
-                <a:ext cx="1963127" cy="589457"/>
-              </a:xfrm>
-              <a:prstGeom prst="rect">
-                <a:avLst/>
-              </a:prstGeom>
-              <a:blipFill>
-                <a:blip r:embed="rId8"/>
-                <a:stretch>
-                  <a:fillRect l="-1553" t="-3093" r="-932" b="-12371"/>
-                </a:stretch>
-              </a:blipFill>
-            </p:spPr>
-            <p:txBody>
-              <a:bodyPr/>
-              <a:lstStyle/>
-              <a:p>
-                <a:r>
-                  <a:rPr lang="ko-KR" altLang="en-US">
-                    <a:noFill/>
-                  </a:rPr>
-                  <a:t> </a:t>
-                </a:r>
-              </a:p>
-            </p:txBody>
-          </p:sp>
-        </mc:Fallback>
-      </mc:AlternateContent>
-      <p:cxnSp>
-        <p:nvCxnSpPr>
-          <p:cNvPr id="43" name="직선 연결선 42">
-            <a:extLst>
-              <a:ext uri="{FF2B5EF4-FFF2-40B4-BE49-F238E27FC236}">
-                <a16:creationId xmlns:a16="http://schemas.microsoft.com/office/drawing/2014/main" id="{BEF04EF3-B3F7-1942-8EAA-0680C78DC151}"/>
-              </a:ext>
-            </a:extLst>
-          </p:cNvPr>
-          <p:cNvCxnSpPr>
-            <a:cxnSpLocks/>
-          </p:cNvCxnSpPr>
-          <p:nvPr/>
-        </p:nvCxnSpPr>
-        <p:spPr>
-          <a:xfrm>
-            <a:off x="6504317" y="5004232"/>
-            <a:ext cx="1276709" cy="0"/>
-          </a:xfrm>
-          <a:prstGeom prst="line">
-            <a:avLst/>
-          </a:prstGeom>
-        </p:spPr>
-        <p:style>
-          <a:lnRef idx="2">
-            <a:schemeClr val="accent1"/>
-          </a:lnRef>
-          <a:fillRef idx="0">
-            <a:schemeClr val="accent1"/>
-          </a:fillRef>
-          <a:effectRef idx="1">
-            <a:schemeClr val="accent1"/>
-          </a:effectRef>
-          <a:fontRef idx="minor">
-            <a:schemeClr val="tx1"/>
-          </a:fontRef>
-        </p:style>
-      </p:cxnSp>
-      <p:cxnSp>
-        <p:nvCxnSpPr>
-          <p:cNvPr id="44" name="직선 화살표 연결선 43">
-            <a:extLst>
-              <a:ext uri="{FF2B5EF4-FFF2-40B4-BE49-F238E27FC236}">
-                <a16:creationId xmlns:a16="http://schemas.microsoft.com/office/drawing/2014/main" id="{F04D500B-8931-1B13-40D7-1ED0D15F1075}"/>
-              </a:ext>
-            </a:extLst>
-          </p:cNvPr>
-          <p:cNvCxnSpPr>
-            <a:cxnSpLocks/>
-          </p:cNvCxnSpPr>
-          <p:nvPr/>
-        </p:nvCxnSpPr>
-        <p:spPr>
-          <a:xfrm>
-            <a:off x="7320951" y="5004232"/>
-            <a:ext cx="230038" cy="560592"/>
-          </a:xfrm>
-          <a:prstGeom prst="straightConnector1">
-            <a:avLst/>
-          </a:prstGeom>
-          <a:ln>
-            <a:tailEnd type="triangle"/>
-          </a:ln>
-        </p:spPr>
-        <p:style>
-          <a:lnRef idx="2">
-            <a:schemeClr val="accent1"/>
-          </a:lnRef>
-          <a:fillRef idx="0">
-            <a:schemeClr val="accent1"/>
-          </a:fillRef>
-          <a:effectRef idx="1">
-            <a:schemeClr val="accent1"/>
-          </a:effectRef>
-          <a:fontRef idx="minor">
-            <a:schemeClr val="tx1"/>
-          </a:fontRef>
-        </p:style>
-      </p:cxnSp>
-      <mc:AlternateContent xmlns:mc="http://schemas.openxmlformats.org/markup-compatibility/2006">
-        <mc:Choice xmlns:a14="http://schemas.microsoft.com/office/drawing/2010/main" Requires="a14">
-          <p:sp>
-            <p:nvSpPr>
-              <p:cNvPr id="45" name="TextBox 44">
-                <a:extLst>
-                  <a:ext uri="{FF2B5EF4-FFF2-40B4-BE49-F238E27FC236}">
-                    <a16:creationId xmlns:a16="http://schemas.microsoft.com/office/drawing/2014/main" id="{84C048DE-56D8-2A37-8384-A9DA7B869932}"/>
-                  </a:ext>
-                </a:extLst>
-              </p:cNvPr>
-              <p:cNvSpPr txBox="1"/>
-              <p:nvPr/>
-            </p:nvSpPr>
-            <p:spPr>
-              <a:xfrm>
-                <a:off x="7322608" y="5564824"/>
-                <a:ext cx="1010510" cy="589457"/>
-              </a:xfrm>
-              <a:prstGeom prst="rect">
-                <a:avLst/>
-              </a:prstGeom>
-              <a:noFill/>
-            </p:spPr>
-            <p:txBody>
-              <a:bodyPr wrap="square" rtlCol="0">
-                <a:spAutoFit/>
-              </a:bodyPr>
-              <a:lstStyle/>
-              <a:p>
-                <a14:m>
-                  <m:oMath xmlns:m="http://schemas.openxmlformats.org/officeDocument/2006/math">
-                    <m:r>
-                      <a:rPr lang="ko-KR" altLang="en-US" sz="1600" i="1" smtClean="0">
-                        <a:latin typeface="Cambria Math" panose="02040503050406030204" pitchFamily="18" charset="0"/>
-                      </a:rPr>
-                      <m:t>이</m:t>
-                    </m:r>
-                  </m:oMath>
-                </a14:m>
-                <a:r>
-                  <a:rPr lang="ko-KR" altLang="en-US" sz="1600" b="0"/>
-                  <a:t>동 안 할 확률</a:t>
-                </a:r>
-                <a:endParaRPr lang="en-US" altLang="ko-KR" sz="1600" b="0"/>
-              </a:p>
-            </p:txBody>
-          </p:sp>
-        </mc:Choice>
-        <mc:Fallback>
-          <p:sp>
-            <p:nvSpPr>
-              <p:cNvPr id="45" name="TextBox 44">
-                <a:extLst>
-                  <a:ext uri="{FF2B5EF4-FFF2-40B4-BE49-F238E27FC236}">
-                    <a16:creationId xmlns:a16="http://schemas.microsoft.com/office/drawing/2014/main" id="{84C048DE-56D8-2A37-8384-A9DA7B869932}"/>
-                  </a:ext>
-                </a:extLst>
-              </p:cNvPr>
-              <p:cNvSpPr txBox="1">
-                <a:spLocks noRot="1" noChangeAspect="1" noMove="1" noResize="1" noEditPoints="1" noAdjustHandles="1" noChangeArrowheads="1" noChangeShapeType="1" noTextEdit="1"/>
-              </p:cNvSpPr>
-              <p:nvPr/>
-            </p:nvSpPr>
-            <p:spPr>
-              <a:xfrm>
-                <a:off x="7322608" y="5564824"/>
-                <a:ext cx="1010510" cy="589457"/>
-              </a:xfrm>
-              <a:prstGeom prst="rect">
-                <a:avLst/>
-              </a:prstGeom>
-              <a:blipFill>
-                <a:blip r:embed="rId9"/>
-                <a:stretch>
-                  <a:fillRect l="-3012" t="-3093" b="-12371"/>
-                </a:stretch>
-              </a:blipFill>
-            </p:spPr>
-            <p:txBody>
-              <a:bodyPr/>
-              <a:lstStyle/>
-              <a:p>
-                <a:r>
-                  <a:rPr lang="ko-KR" altLang="en-US">
-                    <a:noFill/>
-                  </a:rPr>
-                  <a:t> </a:t>
-                </a:r>
-              </a:p>
-            </p:txBody>
-          </p:sp>
-        </mc:Fallback>
-      </mc:AlternateContent>
-      <p:cxnSp>
-        <p:nvCxnSpPr>
-          <p:cNvPr id="50" name="직선 연결선 49">
-            <a:extLst>
-              <a:ext uri="{FF2B5EF4-FFF2-40B4-BE49-F238E27FC236}">
-                <a16:creationId xmlns:a16="http://schemas.microsoft.com/office/drawing/2014/main" id="{416638E3-D1AC-F009-9ACD-DA13A6C10A7C}"/>
-              </a:ext>
-            </a:extLst>
-          </p:cNvPr>
-          <p:cNvCxnSpPr>
-            <a:cxnSpLocks/>
-          </p:cNvCxnSpPr>
-          <p:nvPr/>
-        </p:nvCxnSpPr>
-        <p:spPr>
-          <a:xfrm>
-            <a:off x="7882113" y="5004232"/>
-            <a:ext cx="364740" cy="0"/>
-          </a:xfrm>
-          <a:prstGeom prst="line">
-            <a:avLst/>
-          </a:prstGeom>
-        </p:spPr>
-        <p:style>
-          <a:lnRef idx="2">
-            <a:schemeClr val="accent1"/>
-          </a:lnRef>
-          <a:fillRef idx="0">
-            <a:schemeClr val="accent1"/>
-          </a:fillRef>
-          <a:effectRef idx="1">
-            <a:schemeClr val="accent1"/>
-          </a:effectRef>
-          <a:fontRef idx="minor">
-            <a:schemeClr val="tx1"/>
-          </a:fontRef>
-        </p:style>
-      </p:cxnSp>
-      <p:cxnSp>
-        <p:nvCxnSpPr>
-          <p:cNvPr id="53" name="직선 화살표 연결선 52">
-            <a:extLst>
-              <a:ext uri="{FF2B5EF4-FFF2-40B4-BE49-F238E27FC236}">
-                <a16:creationId xmlns:a16="http://schemas.microsoft.com/office/drawing/2014/main" id="{9E825FF5-E492-E8BE-911D-BC7888DEDD75}"/>
-              </a:ext>
-            </a:extLst>
-          </p:cNvPr>
-          <p:cNvCxnSpPr>
-            <a:cxnSpLocks/>
-          </p:cNvCxnSpPr>
-          <p:nvPr/>
-        </p:nvCxnSpPr>
-        <p:spPr>
-          <a:xfrm>
-            <a:off x="8177843" y="5004232"/>
-            <a:ext cx="230038" cy="560592"/>
-          </a:xfrm>
-          <a:prstGeom prst="straightConnector1">
-            <a:avLst/>
-          </a:prstGeom>
-          <a:ln>
-            <a:tailEnd type="triangle"/>
-          </a:ln>
-        </p:spPr>
-        <p:style>
-          <a:lnRef idx="2">
-            <a:schemeClr val="accent1"/>
-          </a:lnRef>
-          <a:fillRef idx="0">
-            <a:schemeClr val="accent1"/>
-          </a:fillRef>
-          <a:effectRef idx="1">
-            <a:schemeClr val="accent1"/>
-          </a:effectRef>
-          <a:fontRef idx="minor">
-            <a:schemeClr val="tx1"/>
-          </a:fontRef>
-        </p:style>
-      </p:cxnSp>
-      <mc:AlternateContent xmlns:mc="http://schemas.openxmlformats.org/markup-compatibility/2006">
-        <mc:Choice xmlns:a14="http://schemas.microsoft.com/office/drawing/2010/main" Requires="a14">
-          <p:sp>
-            <p:nvSpPr>
-              <p:cNvPr id="54" name="TextBox 53">
-                <a:extLst>
-                  <a:ext uri="{FF2B5EF4-FFF2-40B4-BE49-F238E27FC236}">
-                    <a16:creationId xmlns:a16="http://schemas.microsoft.com/office/drawing/2014/main" id="{F0C25107-8BB2-A81E-0253-8AB757B31614}"/>
-                  </a:ext>
-                </a:extLst>
-              </p:cNvPr>
-              <p:cNvSpPr txBox="1"/>
-              <p:nvPr/>
-            </p:nvSpPr>
-            <p:spPr>
-              <a:xfrm>
-                <a:off x="8195093" y="5564823"/>
-                <a:ext cx="1613147" cy="835678"/>
-              </a:xfrm>
-              <a:prstGeom prst="rect">
-                <a:avLst/>
-              </a:prstGeom>
-              <a:noFill/>
-            </p:spPr>
-            <p:txBody>
-              <a:bodyPr wrap="square" rtlCol="0">
-                <a:spAutoFit/>
-              </a:bodyPr>
-              <a:lstStyle/>
-              <a:p>
-                <a14:m>
-                  <m:oMath xmlns:m="http://schemas.openxmlformats.org/officeDocument/2006/math">
-                    <m:r>
-                      <a:rPr lang="ko-KR" altLang="en-US" sz="1600" i="1" smtClean="0">
-                        <a:latin typeface="Cambria Math" panose="02040503050406030204" pitchFamily="18" charset="0"/>
-                      </a:rPr>
-                      <m:t>이</m:t>
-                    </m:r>
-                  </m:oMath>
-                </a14:m>
-                <a:r>
-                  <a:rPr lang="ko-KR" altLang="en-US" sz="1600" b="0"/>
-                  <a:t>동 안 했을 때 확률 분포 </a:t>
-                </a:r>
-                <a:r>
-                  <a:rPr lang="en-US" altLang="ko-KR" sz="1600" b="0"/>
-                  <a:t>(</a:t>
-                </a:r>
-                <a:r>
-                  <a:rPr lang="ko-KR" altLang="en-US" sz="1600" b="0"/>
-                  <a:t>그대로</a:t>
-                </a:r>
-                <a:r>
-                  <a:rPr lang="en-US" altLang="ko-KR" sz="1600" b="0"/>
-                  <a:t>)</a:t>
-                </a:r>
-              </a:p>
-            </p:txBody>
-          </p:sp>
-        </mc:Choice>
-        <mc:Fallback>
-          <p:sp>
-            <p:nvSpPr>
-              <p:cNvPr id="54" name="TextBox 53">
-                <a:extLst>
-                  <a:ext uri="{FF2B5EF4-FFF2-40B4-BE49-F238E27FC236}">
-                    <a16:creationId xmlns:a16="http://schemas.microsoft.com/office/drawing/2014/main" id="{F0C25107-8BB2-A81E-0253-8AB757B31614}"/>
-                  </a:ext>
-                </a:extLst>
-              </p:cNvPr>
-              <p:cNvSpPr txBox="1">
-                <a:spLocks noRot="1" noChangeAspect="1" noMove="1" noResize="1" noEditPoints="1" noAdjustHandles="1" noChangeArrowheads="1" noChangeShapeType="1" noTextEdit="1"/>
-              </p:cNvSpPr>
-              <p:nvPr/>
-            </p:nvSpPr>
-            <p:spPr>
-              <a:xfrm>
-                <a:off x="8195093" y="5564823"/>
-                <a:ext cx="1613147" cy="835678"/>
-              </a:xfrm>
-              <a:prstGeom prst="rect">
-                <a:avLst/>
-              </a:prstGeom>
-              <a:blipFill>
-                <a:blip r:embed="rId10"/>
-                <a:stretch>
-                  <a:fillRect l="-1887" t="-2190" b="-8759"/>
-                </a:stretch>
-              </a:blipFill>
-            </p:spPr>
-            <p:txBody>
-              <a:bodyPr/>
-              <a:lstStyle/>
-              <a:p>
-                <a:r>
-                  <a:rPr lang="ko-KR" altLang="en-US">
-                    <a:noFill/>
-                  </a:rPr>
-                  <a:t> </a:t>
-                </a:r>
-              </a:p>
-            </p:txBody>
-          </p:sp>
-        </mc:Fallback>
-      </mc:AlternateContent>
-      <mc:AlternateContent xmlns:mc="http://schemas.openxmlformats.org/markup-compatibility/2006">
-        <mc:Choice xmlns:a14="http://schemas.microsoft.com/office/drawing/2010/main" Requires="a14">
-          <p:sp>
-            <p:nvSpPr>
-              <p:cNvPr id="55" name="TextBox 54">
-                <a:extLst>
-                  <a:ext uri="{FF2B5EF4-FFF2-40B4-BE49-F238E27FC236}">
-                    <a16:creationId xmlns:a16="http://schemas.microsoft.com/office/drawing/2014/main" id="{49324FA7-E61A-629B-D309-0B62852C1E2D}"/>
-                  </a:ext>
-                </a:extLst>
-              </p:cNvPr>
-              <p:cNvSpPr txBox="1"/>
-              <p:nvPr/>
-            </p:nvSpPr>
-            <p:spPr>
-              <a:xfrm>
-                <a:off x="6504317" y="3269876"/>
-                <a:ext cx="569515" cy="461665"/>
-              </a:xfrm>
-              <a:prstGeom prst="rect">
-                <a:avLst/>
-              </a:prstGeom>
-              <a:noFill/>
-            </p:spPr>
-            <p:txBody>
-              <a:bodyPr wrap="none" rtlCol="0">
-                <a:spAutoFit/>
-              </a:bodyPr>
-              <a:lstStyle/>
-              <a:p>
-                <a14:m>
-                  <m:oMathPara xmlns:m="http://schemas.openxmlformats.org/officeDocument/2006/math">
-                    <m:oMathParaPr>
-                      <m:jc m:val="centerGroup"/>
-                    </m:oMathParaPr>
-                    <m:oMath xmlns:m="http://schemas.openxmlformats.org/officeDocument/2006/math">
-                      <m:sSub>
-                        <m:sSubPr>
-                          <m:ctrlPr>
-                            <a:rPr lang="en-US" altLang="ko-KR" sz="2400" b="0" i="1" smtClean="0">
-                              <a:latin typeface="Cambria Math" panose="02040503050406030204" pitchFamily="18" charset="0"/>
-                            </a:rPr>
-                          </m:ctrlPr>
-                        </m:sSubPr>
-                        <m:e>
-                          <m:r>
-                            <a:rPr lang="en-US" altLang="ko-KR" sz="2400" b="0" i="1" smtClean="0">
-                              <a:latin typeface="Cambria Math" panose="02040503050406030204" pitchFamily="18" charset="0"/>
-                            </a:rPr>
-                            <m:t>𝑃</m:t>
-                          </m:r>
-                        </m:e>
-                        <m:sub>
-                          <m:r>
-                            <a:rPr lang="en-US" altLang="ko-KR" sz="2400" b="0" i="1" smtClean="0">
-                              <a:latin typeface="Cambria Math" panose="02040503050406030204" pitchFamily="18" charset="0"/>
-                            </a:rPr>
-                            <m:t>𝑡</m:t>
-                          </m:r>
-                        </m:sub>
-                      </m:sSub>
-                    </m:oMath>
-                  </m:oMathPara>
-                </a14:m>
-                <a:endParaRPr lang="en-US" altLang="ko-KR" sz="2400" b="0"/>
-              </a:p>
-            </p:txBody>
-          </p:sp>
-        </mc:Choice>
-        <mc:Fallback>
-          <p:sp>
-            <p:nvSpPr>
-              <p:cNvPr id="55" name="TextBox 54">
-                <a:extLst>
-                  <a:ext uri="{FF2B5EF4-FFF2-40B4-BE49-F238E27FC236}">
-                    <a16:creationId xmlns:a16="http://schemas.microsoft.com/office/drawing/2014/main" id="{49324FA7-E61A-629B-D309-0B62852C1E2D}"/>
-                  </a:ext>
-                </a:extLst>
-              </p:cNvPr>
-              <p:cNvSpPr txBox="1">
-                <a:spLocks noRot="1" noChangeAspect="1" noMove="1" noResize="1" noEditPoints="1" noAdjustHandles="1" noChangeArrowheads="1" noChangeShapeType="1" noTextEdit="1"/>
-              </p:cNvSpPr>
-              <p:nvPr/>
-            </p:nvSpPr>
-            <p:spPr>
-              <a:xfrm>
-                <a:off x="6504317" y="3269876"/>
-                <a:ext cx="569515" cy="461665"/>
-              </a:xfrm>
-              <a:prstGeom prst="rect">
-                <a:avLst/>
-              </a:prstGeom>
-              <a:blipFill>
-                <a:blip r:embed="rId11"/>
-                <a:stretch>
-                  <a:fillRect b="-3947"/>
-                </a:stretch>
-              </a:blipFill>
-            </p:spPr>
-            <p:txBody>
-              <a:bodyPr/>
-              <a:lstStyle/>
-              <a:p>
-                <a:r>
-                  <a:rPr lang="ko-KR" altLang="en-US">
-                    <a:noFill/>
-                  </a:rPr>
-                  <a:t> </a:t>
-                </a:r>
-              </a:p>
-            </p:txBody>
-          </p:sp>
-        </mc:Fallback>
-      </mc:AlternateContent>
-      <mc:AlternateContent xmlns:mc="http://schemas.openxmlformats.org/markup-compatibility/2006">
-        <mc:Choice xmlns:a14="http://schemas.microsoft.com/office/drawing/2010/main" Requires="a14">
-          <p:sp>
-            <p:nvSpPr>
-              <p:cNvPr id="56" name="TextBox 55">
-                <a:extLst>
-                  <a:ext uri="{FF2B5EF4-FFF2-40B4-BE49-F238E27FC236}">
-                    <a16:creationId xmlns:a16="http://schemas.microsoft.com/office/drawing/2014/main" id="{DB5A83C5-B81F-013F-BAFA-51AA3DC9AE46}"/>
-                  </a:ext>
-                </a:extLst>
-              </p:cNvPr>
-              <p:cNvSpPr txBox="1"/>
-              <p:nvPr/>
-            </p:nvSpPr>
-            <p:spPr>
-              <a:xfrm>
-                <a:off x="8874183" y="3269876"/>
-                <a:ext cx="802977" cy="461665"/>
-              </a:xfrm>
-              <a:prstGeom prst="rect">
-                <a:avLst/>
-              </a:prstGeom>
-              <a:noFill/>
-            </p:spPr>
-            <p:txBody>
-              <a:bodyPr wrap="none" rtlCol="0">
-                <a:spAutoFit/>
-              </a:bodyPr>
-              <a:lstStyle/>
-              <a:p>
-                <a14:m>
-                  <m:oMathPara xmlns:m="http://schemas.openxmlformats.org/officeDocument/2006/math">
-                    <m:oMathParaPr>
-                      <m:jc m:val="centerGroup"/>
-                    </m:oMathParaPr>
-                    <m:oMath xmlns:m="http://schemas.openxmlformats.org/officeDocument/2006/math">
-                      <m:r>
-                        <a:rPr lang="en-US" altLang="ko-KR" sz="2400" b="0" i="1" smtClean="0">
-                          <a:latin typeface="Cambria Math" panose="02040503050406030204" pitchFamily="18" charset="0"/>
-                        </a:rPr>
-                        <m:t>𝐻</m:t>
-                      </m:r>
-                      <m:sSub>
-                        <m:sSubPr>
-                          <m:ctrlPr>
-                            <a:rPr lang="en-US" altLang="ko-KR" sz="2400" b="0" i="1" smtClean="0">
-                              <a:latin typeface="Cambria Math" panose="02040503050406030204" pitchFamily="18" charset="0"/>
-                            </a:rPr>
-                          </m:ctrlPr>
-                        </m:sSubPr>
-                        <m:e>
-                          <m:r>
-                            <a:rPr lang="en-US" altLang="ko-KR" sz="2400" b="0" i="1" smtClean="0">
-                              <a:latin typeface="Cambria Math" panose="02040503050406030204" pitchFamily="18" charset="0"/>
-                            </a:rPr>
-                            <m:t>𝑃</m:t>
-                          </m:r>
-                        </m:e>
-                        <m:sub>
-                          <m:r>
-                            <a:rPr lang="en-US" altLang="ko-KR" sz="2400" b="0" i="1" smtClean="0">
-                              <a:latin typeface="Cambria Math" panose="02040503050406030204" pitchFamily="18" charset="0"/>
-                            </a:rPr>
-                            <m:t>𝑡</m:t>
-                          </m:r>
-                        </m:sub>
-                      </m:sSub>
-                    </m:oMath>
-                  </m:oMathPara>
-                </a14:m>
-                <a:endParaRPr lang="en-US" altLang="ko-KR" sz="2400" b="0"/>
-              </a:p>
-            </p:txBody>
-          </p:sp>
-        </mc:Choice>
-        <mc:Fallback>
-          <p:sp>
-            <p:nvSpPr>
-              <p:cNvPr id="56" name="TextBox 55">
-                <a:extLst>
-                  <a:ext uri="{FF2B5EF4-FFF2-40B4-BE49-F238E27FC236}">
-                    <a16:creationId xmlns:a16="http://schemas.microsoft.com/office/drawing/2014/main" id="{DB5A83C5-B81F-013F-BAFA-51AA3DC9AE46}"/>
-                  </a:ext>
-                </a:extLst>
-              </p:cNvPr>
-              <p:cNvSpPr txBox="1">
-                <a:spLocks noRot="1" noChangeAspect="1" noMove="1" noResize="1" noEditPoints="1" noAdjustHandles="1" noChangeArrowheads="1" noChangeShapeType="1" noTextEdit="1"/>
-              </p:cNvSpPr>
-              <p:nvPr/>
-            </p:nvSpPr>
-            <p:spPr>
-              <a:xfrm>
-                <a:off x="8874183" y="3269876"/>
-                <a:ext cx="802977" cy="461665"/>
-              </a:xfrm>
-              <a:prstGeom prst="rect">
-                <a:avLst/>
-              </a:prstGeom>
-              <a:blipFill>
-                <a:blip r:embed="rId12"/>
-                <a:stretch>
-                  <a:fillRect b="-3947"/>
-                </a:stretch>
-              </a:blipFill>
-            </p:spPr>
-            <p:txBody>
-              <a:bodyPr/>
-              <a:lstStyle/>
-              <a:p>
-                <a:r>
-                  <a:rPr lang="ko-KR" altLang="en-US">
-                    <a:noFill/>
-                  </a:rPr>
-                  <a:t> </a:t>
-                </a:r>
-              </a:p>
-            </p:txBody>
-          </p:sp>
-        </mc:Fallback>
-      </mc:AlternateContent>
-      <p:cxnSp>
-        <p:nvCxnSpPr>
-          <p:cNvPr id="57" name="직선 화살표 연결선 56">
-            <a:extLst>
-              <a:ext uri="{FF2B5EF4-FFF2-40B4-BE49-F238E27FC236}">
-                <a16:creationId xmlns:a16="http://schemas.microsoft.com/office/drawing/2014/main" id="{28457254-C187-DAB3-1A56-8F2817254771}"/>
-              </a:ext>
-            </a:extLst>
-          </p:cNvPr>
-          <p:cNvCxnSpPr/>
-          <p:nvPr/>
-        </p:nvCxnSpPr>
-        <p:spPr>
-          <a:xfrm>
-            <a:off x="7638445" y="3500708"/>
-            <a:ext cx="902897" cy="0"/>
-          </a:xfrm>
-          <a:prstGeom prst="straightConnector1">
-            <a:avLst/>
-          </a:prstGeom>
-          <a:ln>
-            <a:tailEnd type="triangle"/>
-          </a:ln>
-        </p:spPr>
-        <p:style>
-          <a:lnRef idx="2">
-            <a:schemeClr val="accent1"/>
-          </a:lnRef>
-          <a:fillRef idx="0">
-            <a:schemeClr val="accent1"/>
-          </a:fillRef>
-          <a:effectRef idx="1">
-            <a:schemeClr val="accent1"/>
-          </a:effectRef>
-          <a:fontRef idx="minor">
-            <a:schemeClr val="tx1"/>
-          </a:fontRef>
-        </p:style>
-      </p:cxnSp>
-      <p:sp>
-        <p:nvSpPr>
-          <p:cNvPr id="58" name="TextBox 57">
-            <a:extLst>
-              <a:ext uri="{FF2B5EF4-FFF2-40B4-BE49-F238E27FC236}">
-                <a16:creationId xmlns:a16="http://schemas.microsoft.com/office/drawing/2014/main" id="{8D6BF1E4-3C53-8EAA-E98A-6594332C91F8}"/>
-              </a:ext>
-            </a:extLst>
-          </p:cNvPr>
-          <p:cNvSpPr txBox="1"/>
-          <p:nvPr/>
-        </p:nvSpPr>
-        <p:spPr>
-          <a:xfrm>
-            <a:off x="6267236" y="582236"/>
-            <a:ext cx="958917" cy="369332"/>
-          </a:xfrm>
-          <a:prstGeom prst="rect">
-            <a:avLst/>
-          </a:prstGeom>
-          <a:noFill/>
-        </p:spPr>
-        <p:txBody>
-          <a:bodyPr wrap="none" rtlCol="0">
-            <a:spAutoFit/>
-          </a:bodyPr>
-          <a:lstStyle/>
-          <a:p>
-            <a:r>
-              <a:rPr lang="ko-KR" altLang="en-US"/>
-              <a:t>이동 전</a:t>
-            </a:r>
-          </a:p>
-        </p:txBody>
-      </p:sp>
-    </p:spTree>
-    <p:extLst>
-      <p:ext uri="{BB962C8B-B14F-4D97-AF65-F5344CB8AC3E}">
-        <p14:creationId xmlns:p14="http://schemas.microsoft.com/office/powerpoint/2010/main" val="136313343"/>
-      </p:ext>
-    </p:extLst>
-  </p:cSld>
-  <p:clrMapOvr>
-    <a:masterClrMapping/>
-  </p:clrMapOvr>
-</p:sld>
-</file>
-
-<file path=ppt/slides/slide30.xml><?xml version="1.0" encoding="utf-8"?>
+<file path=ppt/slides/slide29.xml><?xml version="1.0" encoding="utf-8"?>
 <p:sld xmlns:a="http://schemas.openxmlformats.org/drawingml/2006/main" xmlns:r="http://schemas.openxmlformats.org/officeDocument/2006/relationships" xmlns:p="http://schemas.openxmlformats.org/presentationml/2006/main">
   <p:cSld>
     <p:spTree>
@@ -23693,8 +20730,8 @@
           </a:p>
         </p:txBody>
       </p:sp>
-      <mc:AlternateContent xmlns:mc="http://schemas.openxmlformats.org/markup-compatibility/2006">
-        <mc:Choice xmlns:a14="http://schemas.microsoft.com/office/drawing/2010/main" Requires="a14">
+      <mc:AlternateContent xmlns:mc="http://schemas.openxmlformats.org/markup-compatibility/2006" xmlns:a14="http://schemas.microsoft.com/office/drawing/2010/main">
+        <mc:Choice Requires="a14">
           <p:graphicFrame>
             <p:nvGraphicFramePr>
               <p:cNvPr id="5" name="표 4">
@@ -24332,7 +21369,7 @@
             </a:graphic>
           </p:graphicFrame>
         </mc:Choice>
-        <mc:Fallback>
+        <mc:Fallback xmlns="">
           <p:graphicFrame>
             <p:nvGraphicFramePr>
               <p:cNvPr id="5" name="표 4">
@@ -27038,7 +24075,2007 @@
 </p:sld>
 </file>
 
-<file path=ppt/slides/slide31.xml><?xml version="1.0" encoding="utf-8"?>
+<file path=ppt/slides/slide3.xml><?xml version="1.0" encoding="utf-8"?>
+<p:sld xmlns:a="http://schemas.openxmlformats.org/drawingml/2006/main" xmlns:r="http://schemas.openxmlformats.org/officeDocument/2006/relationships" xmlns:p="http://schemas.openxmlformats.org/presentationml/2006/main">
+  <p:cSld>
+    <p:spTree>
+      <p:nvGrpSpPr>
+        <p:cNvPr id="1" name="">
+          <a:extLst>
+            <a:ext uri="{FF2B5EF4-FFF2-40B4-BE49-F238E27FC236}">
+              <a16:creationId xmlns:a16="http://schemas.microsoft.com/office/drawing/2014/main" id="{A6F6BF7B-4A11-23A0-B6A6-3936FD4F6CD2}"/>
+            </a:ext>
+          </a:extLst>
+        </p:cNvPr>
+        <p:cNvGrpSpPr/>
+        <p:nvPr/>
+      </p:nvGrpSpPr>
+      <p:grpSpPr>
+        <a:xfrm>
+          <a:off x="0" y="0"/>
+          <a:ext cx="0" cy="0"/>
+          <a:chOff x="0" y="0"/>
+          <a:chExt cx="0" cy="0"/>
+        </a:xfrm>
+      </p:grpSpPr>
+      <p:pic>
+        <p:nvPicPr>
+          <p:cNvPr id="7" name="그림 6">
+            <a:extLst>
+              <a:ext uri="{FF2B5EF4-FFF2-40B4-BE49-F238E27FC236}">
+                <a16:creationId xmlns:a16="http://schemas.microsoft.com/office/drawing/2014/main" id="{66B7F87A-85DC-17ED-3E16-F1D6D8F3A2C1}"/>
+              </a:ext>
+            </a:extLst>
+          </p:cNvPr>
+          <p:cNvPicPr>
+            <a:picLocks noChangeAspect="1"/>
+          </p:cNvPicPr>
+          <p:nvPr/>
+        </p:nvPicPr>
+        <p:blipFill>
+          <a:blip r:embed="rId2"/>
+          <a:stretch>
+            <a:fillRect/>
+          </a:stretch>
+        </p:blipFill>
+        <p:spPr>
+          <a:xfrm>
+            <a:off x="828601" y="1144330"/>
+            <a:ext cx="3110788" cy="2220033"/>
+          </a:xfrm>
+          <a:prstGeom prst="rect">
+            <a:avLst/>
+          </a:prstGeom>
+        </p:spPr>
+      </p:pic>
+      <mc:AlternateContent xmlns:mc="http://schemas.openxmlformats.org/markup-compatibility/2006" xmlns:a14="http://schemas.microsoft.com/office/drawing/2010/main">
+        <mc:Choice Requires="a14">
+          <p:sp>
+            <p:nvSpPr>
+              <p:cNvPr id="20" name="TextBox 19">
+                <a:extLst>
+                  <a:ext uri="{FF2B5EF4-FFF2-40B4-BE49-F238E27FC236}">
+                    <a16:creationId xmlns:a16="http://schemas.microsoft.com/office/drawing/2014/main" id="{1C10E95D-FAB7-33FA-F06C-C3B648B518AB}"/>
+                  </a:ext>
+                </a:extLst>
+              </p:cNvPr>
+              <p:cNvSpPr txBox="1"/>
+              <p:nvPr/>
+            </p:nvSpPr>
+            <p:spPr>
+              <a:xfrm>
+                <a:off x="5682417" y="1156377"/>
+                <a:ext cx="1815049" cy="2215094"/>
+              </a:xfrm>
+              <a:prstGeom prst="rect">
+                <a:avLst/>
+              </a:prstGeom>
+              <a:noFill/>
+            </p:spPr>
+            <p:txBody>
+              <a:bodyPr wrap="none" rtlCol="0">
+                <a:spAutoFit/>
+              </a:bodyPr>
+              <a:lstStyle/>
+              <a:p>
+                <a:pPr/>
+                <a14:m>
+                  <m:oMathPara xmlns:m="http://schemas.openxmlformats.org/officeDocument/2006/math">
+                    <m:oMathParaPr>
+                      <m:jc m:val="centerGroup"/>
+                    </m:oMathParaPr>
+                    <m:oMath xmlns:m="http://schemas.openxmlformats.org/officeDocument/2006/math">
+                      <m:sSub>
+                        <m:sSubPr>
+                          <m:ctrlPr>
+                            <a:rPr lang="en-US" altLang="ko-KR" sz="2400" b="0" i="1" smtClean="0">
+                              <a:latin typeface="Cambria Math" panose="02040503050406030204" pitchFamily="18" charset="0"/>
+                            </a:rPr>
+                          </m:ctrlPr>
+                        </m:sSubPr>
+                        <m:e>
+                          <m:r>
+                            <a:rPr lang="en-US" altLang="ko-KR" sz="2400" b="0" i="1" smtClean="0">
+                              <a:latin typeface="Cambria Math" panose="02040503050406030204" pitchFamily="18" charset="0"/>
+                            </a:rPr>
+                            <m:t>𝑃</m:t>
+                          </m:r>
+                        </m:e>
+                        <m:sub>
+                          <m:r>
+                            <a:rPr lang="en-US" altLang="ko-KR" sz="2400" b="0" i="1" smtClean="0">
+                              <a:latin typeface="Cambria Math" panose="02040503050406030204" pitchFamily="18" charset="0"/>
+                            </a:rPr>
+                            <m:t>0</m:t>
+                          </m:r>
+                        </m:sub>
+                      </m:sSub>
+                      <m:r>
+                        <a:rPr lang="en-US" altLang="ko-KR" sz="2400" b="0" i="1" smtClean="0">
+                          <a:latin typeface="Cambria Math" panose="02040503050406030204" pitchFamily="18" charset="0"/>
+                        </a:rPr>
+                        <m:t>=</m:t>
+                      </m:r>
+                      <m:d>
+                        <m:dPr>
+                          <m:ctrlPr>
+                            <a:rPr lang="en-US" altLang="ko-KR" sz="2400" i="1" smtClean="0">
+                              <a:latin typeface="Cambria Math" panose="02040503050406030204" pitchFamily="18" charset="0"/>
+                            </a:rPr>
+                          </m:ctrlPr>
+                        </m:dPr>
+                        <m:e>
+                          <m:m>
+                            <m:mPr>
+                              <m:mcs>
+                                <m:mc>
+                                  <m:mcPr>
+                                    <m:count m:val="1"/>
+                                    <m:mcJc m:val="center"/>
+                                  </m:mcPr>
+                                </m:mc>
+                              </m:mcs>
+                              <m:ctrlPr>
+                                <a:rPr lang="en-US" altLang="ko-KR" sz="2400" i="1" smtClean="0">
+                                  <a:latin typeface="Cambria Math" panose="02040503050406030204" pitchFamily="18" charset="0"/>
+                                </a:rPr>
+                              </m:ctrlPr>
+                            </m:mPr>
+                            <m:mr>
+                              <m:e>
+                                <m:r>
+                                  <m:rPr>
+                                    <m:brk m:alnAt="7"/>
+                                  </m:rPr>
+                                  <a:rPr lang="en-US" altLang="ko-KR" sz="2400" i="1" smtClean="0">
+                                    <a:latin typeface="Cambria Math" panose="02040503050406030204" pitchFamily="18" charset="0"/>
+                                  </a:rPr>
+                                  <m:t>⋮</m:t>
+                                </m:r>
+                              </m:e>
+                            </m:mr>
+                            <m:mr>
+                              <m:e>
+                                <m:r>
+                                  <a:rPr lang="en-US" altLang="ko-KR" sz="2400" b="0" i="1" smtClean="0">
+                                    <a:latin typeface="Cambria Math" panose="02040503050406030204" pitchFamily="18" charset="0"/>
+                                  </a:rPr>
+                                  <m:t>0</m:t>
+                                </m:r>
+                              </m:e>
+                            </m:mr>
+                            <m:mr>
+                              <m:e>
+                                <m:eqArr>
+                                  <m:eqArrPr>
+                                    <m:ctrlPr>
+                                      <a:rPr lang="en-US" altLang="ko-KR" sz="2400" i="1" smtClean="0">
+                                        <a:latin typeface="Cambria Math" panose="02040503050406030204" pitchFamily="18" charset="0"/>
+                                      </a:rPr>
+                                    </m:ctrlPr>
+                                  </m:eqArrPr>
+                                  <m:e>
+                                    <m:r>
+                                      <a:rPr lang="en-US" altLang="ko-KR" sz="2400" b="0" i="1" smtClean="0">
+                                        <a:latin typeface="Cambria Math" panose="02040503050406030204" pitchFamily="18" charset="0"/>
+                                      </a:rPr>
+                                      <m:t>1</m:t>
+                                    </m:r>
+                                  </m:e>
+                                  <m:e>
+                                    <m:r>
+                                      <a:rPr lang="en-US" altLang="ko-KR" sz="2400" b="0" i="1" smtClean="0">
+                                        <a:latin typeface="Cambria Math" panose="02040503050406030204" pitchFamily="18" charset="0"/>
+                                      </a:rPr>
+                                      <m:t>0</m:t>
+                                    </m:r>
+                                  </m:e>
+                                  <m:e>
+                                    <m:r>
+                                      <a:rPr lang="ko-KR" altLang="en-US" sz="2400" i="1" smtClean="0">
+                                        <a:latin typeface="Cambria Math" panose="02040503050406030204" pitchFamily="18" charset="0"/>
+                                      </a:rPr>
+                                      <m:t>⋮</m:t>
+                                    </m:r>
+                                  </m:e>
+                                </m:eqArr>
+                              </m:e>
+                            </m:mr>
+                          </m:m>
+                        </m:e>
+                      </m:d>
+                    </m:oMath>
+                  </m:oMathPara>
+                </a14:m>
+                <a:endParaRPr lang="en-US" altLang="ko-KR" sz="2400"/>
+              </a:p>
+              <a:p>
+                <a:endParaRPr lang="ko-KR" altLang="en-US" sz="2400"/>
+              </a:p>
+            </p:txBody>
+          </p:sp>
+        </mc:Choice>
+        <mc:Fallback xmlns="">
+          <p:sp>
+            <p:nvSpPr>
+              <p:cNvPr id="20" name="TextBox 19">
+                <a:extLst>
+                  <a:ext uri="{FF2B5EF4-FFF2-40B4-BE49-F238E27FC236}">
+                    <a16:creationId xmlns:a16="http://schemas.microsoft.com/office/drawing/2014/main" id="{1C10E95D-FAB7-33FA-F06C-C3B648B518AB}"/>
+                  </a:ext>
+                </a:extLst>
+              </p:cNvPr>
+              <p:cNvSpPr txBox="1">
+                <a:spLocks noRot="1" noChangeAspect="1" noMove="1" noResize="1" noEditPoints="1" noAdjustHandles="1" noChangeArrowheads="1" noChangeShapeType="1" noTextEdit="1"/>
+              </p:cNvSpPr>
+              <p:nvPr/>
+            </p:nvSpPr>
+            <p:spPr>
+              <a:xfrm>
+                <a:off x="5682417" y="1156377"/>
+                <a:ext cx="1815049" cy="2215094"/>
+              </a:xfrm>
+              <a:prstGeom prst="rect">
+                <a:avLst/>
+              </a:prstGeom>
+              <a:blipFill>
+                <a:blip r:embed="rId3"/>
+                <a:stretch>
+                  <a:fillRect/>
+                </a:stretch>
+              </a:blipFill>
+            </p:spPr>
+            <p:txBody>
+              <a:bodyPr/>
+              <a:lstStyle/>
+              <a:p>
+                <a:r>
+                  <a:rPr lang="ko-KR" altLang="en-US">
+                    <a:noFill/>
+                  </a:rPr>
+                  <a:t> </a:t>
+                </a:r>
+              </a:p>
+            </p:txBody>
+          </p:sp>
+        </mc:Fallback>
+      </mc:AlternateContent>
+      <mc:AlternateContent xmlns:mc="http://schemas.openxmlformats.org/markup-compatibility/2006" xmlns:a14="http://schemas.microsoft.com/office/drawing/2010/main">
+        <mc:Choice Requires="a14">
+          <p:sp>
+            <p:nvSpPr>
+              <p:cNvPr id="23" name="TextBox 22">
+                <a:extLst>
+                  <a:ext uri="{FF2B5EF4-FFF2-40B4-BE49-F238E27FC236}">
+                    <a16:creationId xmlns:a16="http://schemas.microsoft.com/office/drawing/2014/main" id="{A4886A75-89F9-2A70-7ED2-55446E1760EB}"/>
+                  </a:ext>
+                </a:extLst>
+              </p:cNvPr>
+              <p:cNvSpPr txBox="1"/>
+              <p:nvPr/>
+            </p:nvSpPr>
+            <p:spPr>
+              <a:xfrm>
+                <a:off x="8541342" y="1109083"/>
+                <a:ext cx="2184893" cy="1845762"/>
+              </a:xfrm>
+              <a:prstGeom prst="rect">
+                <a:avLst/>
+              </a:prstGeom>
+              <a:noFill/>
+            </p:spPr>
+            <p:txBody>
+              <a:bodyPr wrap="none" rtlCol="0">
+                <a:spAutoFit/>
+              </a:bodyPr>
+              <a:lstStyle/>
+              <a:p>
+                <a:pPr/>
+                <a14:m>
+                  <m:oMathPara xmlns:m="http://schemas.openxmlformats.org/officeDocument/2006/math">
+                    <m:oMathParaPr>
+                      <m:jc m:val="centerGroup"/>
+                    </m:oMathParaPr>
+                    <m:oMath xmlns:m="http://schemas.openxmlformats.org/officeDocument/2006/math">
+                      <m:r>
+                        <a:rPr lang="en-US" altLang="ko-KR" sz="2400" i="1" smtClean="0">
+                          <a:latin typeface="Cambria Math" panose="02040503050406030204" pitchFamily="18" charset="0"/>
+                        </a:rPr>
+                        <m:t>𝐻</m:t>
+                      </m:r>
+                      <m:sSub>
+                        <m:sSubPr>
+                          <m:ctrlPr>
+                            <a:rPr lang="en-US" altLang="ko-KR" sz="2400" b="0" i="1" smtClean="0">
+                              <a:latin typeface="Cambria Math" panose="02040503050406030204" pitchFamily="18" charset="0"/>
+                            </a:rPr>
+                          </m:ctrlPr>
+                        </m:sSubPr>
+                        <m:e>
+                          <m:r>
+                            <a:rPr lang="en-US" altLang="ko-KR" sz="2400" b="0" i="1" smtClean="0">
+                              <a:latin typeface="Cambria Math" panose="02040503050406030204" pitchFamily="18" charset="0"/>
+                            </a:rPr>
+                            <m:t>𝑃</m:t>
+                          </m:r>
+                        </m:e>
+                        <m:sub>
+                          <m:r>
+                            <a:rPr lang="en-US" altLang="ko-KR" sz="2400" b="0" i="1" smtClean="0">
+                              <a:latin typeface="Cambria Math" panose="02040503050406030204" pitchFamily="18" charset="0"/>
+                            </a:rPr>
+                            <m:t>0</m:t>
+                          </m:r>
+                        </m:sub>
+                      </m:sSub>
+                      <m:r>
+                        <a:rPr lang="en-US" altLang="ko-KR" sz="2400" b="0" i="1" smtClean="0">
+                          <a:latin typeface="Cambria Math" panose="02040503050406030204" pitchFamily="18" charset="0"/>
+                        </a:rPr>
+                        <m:t>=</m:t>
+                      </m:r>
+                      <m:d>
+                        <m:dPr>
+                          <m:ctrlPr>
+                            <a:rPr lang="en-US" altLang="ko-KR" sz="2400" i="1" smtClean="0">
+                              <a:latin typeface="Cambria Math" panose="02040503050406030204" pitchFamily="18" charset="0"/>
+                            </a:rPr>
+                          </m:ctrlPr>
+                        </m:dPr>
+                        <m:e>
+                          <m:m>
+                            <m:mPr>
+                              <m:mcs>
+                                <m:mc>
+                                  <m:mcPr>
+                                    <m:count m:val="1"/>
+                                    <m:mcJc m:val="center"/>
+                                  </m:mcPr>
+                                </m:mc>
+                              </m:mcs>
+                              <m:ctrlPr>
+                                <a:rPr lang="en-US" altLang="ko-KR" sz="2400" i="1" smtClean="0">
+                                  <a:latin typeface="Cambria Math" panose="02040503050406030204" pitchFamily="18" charset="0"/>
+                                </a:rPr>
+                              </m:ctrlPr>
+                            </m:mPr>
+                            <m:mr>
+                              <m:e>
+                                <m:r>
+                                  <m:rPr>
+                                    <m:brk m:alnAt="7"/>
+                                  </m:rPr>
+                                  <a:rPr lang="en-US" altLang="ko-KR" sz="2400" i="1" smtClean="0">
+                                    <a:latin typeface="Cambria Math" panose="02040503050406030204" pitchFamily="18" charset="0"/>
+                                  </a:rPr>
+                                  <m:t>⋮</m:t>
+                                </m:r>
+                              </m:e>
+                            </m:mr>
+                            <m:mr>
+                              <m:e>
+                                <m:r>
+                                  <a:rPr lang="en-US" altLang="ko-KR" sz="2400" b="0" i="1" smtClean="0">
+                                    <a:latin typeface="Cambria Math" panose="02040503050406030204" pitchFamily="18" charset="0"/>
+                                  </a:rPr>
+                                  <m:t>1/2</m:t>
+                                </m:r>
+                              </m:e>
+                            </m:mr>
+                            <m:mr>
+                              <m:e>
+                                <m:eqArr>
+                                  <m:eqArrPr>
+                                    <m:ctrlPr>
+                                      <a:rPr lang="en-US" altLang="ko-KR" sz="2400" i="1" smtClean="0">
+                                        <a:latin typeface="Cambria Math" panose="02040503050406030204" pitchFamily="18" charset="0"/>
+                                      </a:rPr>
+                                    </m:ctrlPr>
+                                  </m:eqArrPr>
+                                  <m:e>
+                                    <m:r>
+                                      <a:rPr lang="en-US" altLang="ko-KR" sz="2400" b="0" i="1" smtClean="0">
+                                        <a:latin typeface="Cambria Math" panose="02040503050406030204" pitchFamily="18" charset="0"/>
+                                      </a:rPr>
+                                      <m:t>0</m:t>
+                                    </m:r>
+                                  </m:e>
+                                  <m:e>
+                                    <m:r>
+                                      <a:rPr lang="en-US" altLang="ko-KR" sz="2400" b="0" i="1" smtClean="0">
+                                        <a:latin typeface="Cambria Math" panose="02040503050406030204" pitchFamily="18" charset="0"/>
+                                      </a:rPr>
+                                      <m:t>1/2</m:t>
+                                    </m:r>
+                                  </m:e>
+                                  <m:e>
+                                    <m:r>
+                                      <a:rPr lang="ko-KR" altLang="en-US" sz="2400" i="1" smtClean="0">
+                                        <a:latin typeface="Cambria Math" panose="02040503050406030204" pitchFamily="18" charset="0"/>
+                                      </a:rPr>
+                                      <m:t>⋮</m:t>
+                                    </m:r>
+                                  </m:e>
+                                </m:eqArr>
+                              </m:e>
+                            </m:mr>
+                          </m:m>
+                        </m:e>
+                      </m:d>
+                    </m:oMath>
+                  </m:oMathPara>
+                </a14:m>
+                <a:endParaRPr lang="en-US" altLang="ko-KR" sz="2400"/>
+              </a:p>
+            </p:txBody>
+          </p:sp>
+        </mc:Choice>
+        <mc:Fallback xmlns="">
+          <p:sp>
+            <p:nvSpPr>
+              <p:cNvPr id="23" name="TextBox 22">
+                <a:extLst>
+                  <a:ext uri="{FF2B5EF4-FFF2-40B4-BE49-F238E27FC236}">
+                    <a16:creationId xmlns:a16="http://schemas.microsoft.com/office/drawing/2014/main" id="{A4886A75-89F9-2A70-7ED2-55446E1760EB}"/>
+                  </a:ext>
+                </a:extLst>
+              </p:cNvPr>
+              <p:cNvSpPr txBox="1">
+                <a:spLocks noRot="1" noChangeAspect="1" noMove="1" noResize="1" noEditPoints="1" noAdjustHandles="1" noChangeArrowheads="1" noChangeShapeType="1" noTextEdit="1"/>
+              </p:cNvSpPr>
+              <p:nvPr/>
+            </p:nvSpPr>
+            <p:spPr>
+              <a:xfrm>
+                <a:off x="8541342" y="1109083"/>
+                <a:ext cx="2184893" cy="1845762"/>
+              </a:xfrm>
+              <a:prstGeom prst="rect">
+                <a:avLst/>
+              </a:prstGeom>
+              <a:blipFill>
+                <a:blip r:embed="rId4"/>
+                <a:stretch>
+                  <a:fillRect/>
+                </a:stretch>
+              </a:blipFill>
+            </p:spPr>
+            <p:txBody>
+              <a:bodyPr/>
+              <a:lstStyle/>
+              <a:p>
+                <a:r>
+                  <a:rPr lang="ko-KR" altLang="en-US">
+                    <a:noFill/>
+                  </a:rPr>
+                  <a:t> </a:t>
+                </a:r>
+              </a:p>
+            </p:txBody>
+          </p:sp>
+        </mc:Fallback>
+      </mc:AlternateContent>
+      <p:cxnSp>
+        <p:nvCxnSpPr>
+          <p:cNvPr id="25" name="직선 화살표 연결선 24">
+            <a:extLst>
+              <a:ext uri="{FF2B5EF4-FFF2-40B4-BE49-F238E27FC236}">
+                <a16:creationId xmlns:a16="http://schemas.microsoft.com/office/drawing/2014/main" id="{27AB4579-D3B8-1529-D72B-BC38DF958A2D}"/>
+              </a:ext>
+            </a:extLst>
+          </p:cNvPr>
+          <p:cNvCxnSpPr/>
+          <p:nvPr/>
+        </p:nvCxnSpPr>
+        <p:spPr>
+          <a:xfrm>
+            <a:off x="7638445" y="2031964"/>
+            <a:ext cx="902897" cy="0"/>
+          </a:xfrm>
+          <a:prstGeom prst="straightConnector1">
+            <a:avLst/>
+          </a:prstGeom>
+          <a:ln>
+            <a:tailEnd type="triangle"/>
+          </a:ln>
+        </p:spPr>
+        <p:style>
+          <a:lnRef idx="2">
+            <a:schemeClr val="accent1"/>
+          </a:lnRef>
+          <a:fillRef idx="0">
+            <a:schemeClr val="accent1"/>
+          </a:fillRef>
+          <a:effectRef idx="1">
+            <a:schemeClr val="accent1"/>
+          </a:effectRef>
+          <a:fontRef idx="minor">
+            <a:schemeClr val="tx1"/>
+          </a:fontRef>
+        </p:style>
+      </p:cxnSp>
+      <p:sp>
+        <p:nvSpPr>
+          <p:cNvPr id="26" name="TextBox 25">
+            <a:extLst>
+              <a:ext uri="{FF2B5EF4-FFF2-40B4-BE49-F238E27FC236}">
+                <a16:creationId xmlns:a16="http://schemas.microsoft.com/office/drawing/2014/main" id="{368577F7-1995-31E0-FA30-5BE025083A93}"/>
+              </a:ext>
+            </a:extLst>
+          </p:cNvPr>
+          <p:cNvSpPr txBox="1"/>
+          <p:nvPr/>
+        </p:nvSpPr>
+        <p:spPr>
+          <a:xfrm>
+            <a:off x="9263478" y="582236"/>
+            <a:ext cx="958917" cy="369332"/>
+          </a:xfrm>
+          <a:prstGeom prst="rect">
+            <a:avLst/>
+          </a:prstGeom>
+          <a:noFill/>
+        </p:spPr>
+        <p:txBody>
+          <a:bodyPr wrap="none" rtlCol="0">
+            <a:spAutoFit/>
+          </a:bodyPr>
+          <a:lstStyle/>
+          <a:p>
+            <a:r>
+              <a:rPr lang="ko-KR" altLang="en-US"/>
+              <a:t>이동 후</a:t>
+            </a:r>
+          </a:p>
+        </p:txBody>
+      </p:sp>
+      <p:sp>
+        <p:nvSpPr>
+          <p:cNvPr id="27" name="TextBox 26">
+            <a:extLst>
+              <a:ext uri="{FF2B5EF4-FFF2-40B4-BE49-F238E27FC236}">
+                <a16:creationId xmlns:a16="http://schemas.microsoft.com/office/drawing/2014/main" id="{7821BB46-86F7-54A9-3A8D-59AA29593F38}"/>
+              </a:ext>
+            </a:extLst>
+          </p:cNvPr>
+          <p:cNvSpPr txBox="1"/>
+          <p:nvPr/>
+        </p:nvSpPr>
+        <p:spPr>
+          <a:xfrm>
+            <a:off x="1958104" y="810892"/>
+            <a:ext cx="1300356" cy="400110"/>
+          </a:xfrm>
+          <a:prstGeom prst="rect">
+            <a:avLst/>
+          </a:prstGeom>
+          <a:noFill/>
+        </p:spPr>
+        <p:txBody>
+          <a:bodyPr wrap="none" rtlCol="0">
+            <a:spAutoFit/>
+          </a:bodyPr>
+          <a:lstStyle/>
+          <a:p>
+            <a:r>
+              <a:rPr lang="ko-KR" altLang="en-US" sz="2000"/>
+              <a:t>전이 행렬</a:t>
+            </a:r>
+          </a:p>
+        </p:txBody>
+      </p:sp>
+      <mc:AlternateContent xmlns:mc="http://schemas.openxmlformats.org/markup-compatibility/2006" xmlns:a14="http://schemas.microsoft.com/office/drawing/2010/main">
+        <mc:Choice Requires="a14">
+          <p:sp>
+            <p:nvSpPr>
+              <p:cNvPr id="28" name="TextBox 27">
+                <a:extLst>
+                  <a:ext uri="{FF2B5EF4-FFF2-40B4-BE49-F238E27FC236}">
+                    <a16:creationId xmlns:a16="http://schemas.microsoft.com/office/drawing/2014/main" id="{2E25A605-40BA-FAF4-737F-73369F1A8A8F}"/>
+                  </a:ext>
+                </a:extLst>
+              </p:cNvPr>
+              <p:cNvSpPr txBox="1"/>
+              <p:nvPr/>
+            </p:nvSpPr>
+            <p:spPr>
+              <a:xfrm>
+                <a:off x="2777317" y="4336386"/>
+                <a:ext cx="6096866" cy="584775"/>
+              </a:xfrm>
+              <a:prstGeom prst="rect">
+                <a:avLst/>
+              </a:prstGeom>
+              <a:noFill/>
+            </p:spPr>
+            <p:txBody>
+              <a:bodyPr wrap="square">
+                <a:spAutoFit/>
+              </a:bodyPr>
+              <a:lstStyle/>
+              <a:p>
+                <a:pPr/>
+                <a14:m>
+                  <m:oMathPara xmlns:m="http://schemas.openxmlformats.org/officeDocument/2006/math">
+                    <m:oMathParaPr>
+                      <m:jc m:val="centerGroup"/>
+                    </m:oMathParaPr>
+                    <m:oMath xmlns:m="http://schemas.openxmlformats.org/officeDocument/2006/math">
+                      <m:sSub>
+                        <m:sSubPr>
+                          <m:ctrlPr>
+                            <a:rPr lang="en-US" altLang="ko-KR" sz="3200" b="0" i="1" smtClean="0">
+                              <a:latin typeface="Cambria Math" panose="02040503050406030204" pitchFamily="18" charset="0"/>
+                            </a:rPr>
+                          </m:ctrlPr>
+                        </m:sSubPr>
+                        <m:e>
+                          <m:r>
+                            <a:rPr lang="en-US" altLang="ko-KR" sz="3200" b="0" i="1" smtClean="0">
+                              <a:latin typeface="Cambria Math" panose="02040503050406030204" pitchFamily="18" charset="0"/>
+                            </a:rPr>
+                            <m:t>𝑃</m:t>
+                          </m:r>
+                        </m:e>
+                        <m:sub>
+                          <m:r>
+                            <a:rPr lang="en-US" altLang="ko-KR" sz="3200" b="0" i="1" smtClean="0">
+                              <a:latin typeface="Cambria Math" panose="02040503050406030204" pitchFamily="18" charset="0"/>
+                            </a:rPr>
+                            <m:t>𝑡</m:t>
+                          </m:r>
+                          <m:r>
+                            <a:rPr lang="en-US" altLang="ko-KR" sz="3200" b="0" i="1" smtClean="0">
+                              <a:latin typeface="Cambria Math" panose="02040503050406030204" pitchFamily="18" charset="0"/>
+                            </a:rPr>
+                            <m:t>+</m:t>
+                          </m:r>
+                          <m:r>
+                            <a:rPr lang="en-US" altLang="ko-KR" sz="3200" b="0" i="1" smtClean="0">
+                              <a:latin typeface="Cambria Math" panose="02040503050406030204" pitchFamily="18" charset="0"/>
+                            </a:rPr>
+                            <m:t>𝑑𝑡</m:t>
+                          </m:r>
+                        </m:sub>
+                      </m:sSub>
+                      <m:r>
+                        <a:rPr lang="en-US" altLang="ko-KR" sz="3200" b="0" i="1" smtClean="0">
+                          <a:latin typeface="Cambria Math" panose="02040503050406030204" pitchFamily="18" charset="0"/>
+                        </a:rPr>
+                        <m:t>=</m:t>
+                      </m:r>
+                      <m:r>
+                        <a:rPr lang="en-US" altLang="ko-KR" sz="3200" b="0" i="1" smtClean="0">
+                          <a:latin typeface="Cambria Math" panose="02040503050406030204" pitchFamily="18" charset="0"/>
+                        </a:rPr>
+                        <m:t>𝑑𝑡𝐻</m:t>
+                      </m:r>
+                      <m:sSub>
+                        <m:sSubPr>
+                          <m:ctrlPr>
+                            <a:rPr lang="en-US" altLang="ko-KR" sz="3200" b="0" i="1" smtClean="0">
+                              <a:latin typeface="Cambria Math" panose="02040503050406030204" pitchFamily="18" charset="0"/>
+                            </a:rPr>
+                          </m:ctrlPr>
+                        </m:sSubPr>
+                        <m:e>
+                          <m:r>
+                            <a:rPr lang="en-US" altLang="ko-KR" sz="3200" b="0" i="1" smtClean="0">
+                              <a:latin typeface="Cambria Math" panose="02040503050406030204" pitchFamily="18" charset="0"/>
+                            </a:rPr>
+                            <m:t>𝑃</m:t>
+                          </m:r>
+                        </m:e>
+                        <m:sub>
+                          <m:r>
+                            <a:rPr lang="en-US" altLang="ko-KR" sz="3200" b="0" i="1" smtClean="0">
+                              <a:latin typeface="Cambria Math" panose="02040503050406030204" pitchFamily="18" charset="0"/>
+                            </a:rPr>
+                            <m:t>𝑡</m:t>
+                          </m:r>
+                        </m:sub>
+                      </m:sSub>
+                      <m:r>
+                        <a:rPr lang="en-US" altLang="ko-KR" sz="3200" b="0" i="1" smtClean="0">
+                          <a:latin typeface="Cambria Math" panose="02040503050406030204" pitchFamily="18" charset="0"/>
+                        </a:rPr>
+                        <m:t>+</m:t>
+                      </m:r>
+                      <m:d>
+                        <m:dPr>
+                          <m:ctrlPr>
+                            <a:rPr lang="en-US" altLang="ko-KR" sz="3200" b="0" i="1" smtClean="0">
+                              <a:latin typeface="Cambria Math" panose="02040503050406030204" pitchFamily="18" charset="0"/>
+                            </a:rPr>
+                          </m:ctrlPr>
+                        </m:dPr>
+                        <m:e>
+                          <m:r>
+                            <a:rPr lang="en-US" altLang="ko-KR" sz="3200" b="0" i="1" smtClean="0">
+                              <a:latin typeface="Cambria Math" panose="02040503050406030204" pitchFamily="18" charset="0"/>
+                            </a:rPr>
+                            <m:t>1−</m:t>
+                          </m:r>
+                          <m:r>
+                            <a:rPr lang="en-US" altLang="ko-KR" sz="3200" b="0" i="1" smtClean="0">
+                              <a:latin typeface="Cambria Math" panose="02040503050406030204" pitchFamily="18" charset="0"/>
+                            </a:rPr>
+                            <m:t>𝑑𝑡</m:t>
+                          </m:r>
+                        </m:e>
+                      </m:d>
+                      <m:sSub>
+                        <m:sSubPr>
+                          <m:ctrlPr>
+                            <a:rPr lang="en-US" altLang="ko-KR" sz="3200" b="0" i="1" smtClean="0">
+                              <a:latin typeface="Cambria Math" panose="02040503050406030204" pitchFamily="18" charset="0"/>
+                            </a:rPr>
+                          </m:ctrlPr>
+                        </m:sSubPr>
+                        <m:e>
+                          <m:r>
+                            <a:rPr lang="en-US" altLang="ko-KR" sz="3200" b="0" i="1" smtClean="0">
+                              <a:latin typeface="Cambria Math" panose="02040503050406030204" pitchFamily="18" charset="0"/>
+                            </a:rPr>
+                            <m:t>𝑃</m:t>
+                          </m:r>
+                        </m:e>
+                        <m:sub>
+                          <m:r>
+                            <a:rPr lang="en-US" altLang="ko-KR" sz="3200" b="0" i="1" smtClean="0">
+                              <a:latin typeface="Cambria Math" panose="02040503050406030204" pitchFamily="18" charset="0"/>
+                            </a:rPr>
+                            <m:t>𝑡</m:t>
+                          </m:r>
+                        </m:sub>
+                      </m:sSub>
+                    </m:oMath>
+                  </m:oMathPara>
+                </a14:m>
+                <a:endParaRPr lang="ko-KR" altLang="en-US" sz="3200"/>
+              </a:p>
+            </p:txBody>
+          </p:sp>
+        </mc:Choice>
+        <mc:Fallback xmlns="">
+          <p:sp>
+            <p:nvSpPr>
+              <p:cNvPr id="28" name="TextBox 27">
+                <a:extLst>
+                  <a:ext uri="{FF2B5EF4-FFF2-40B4-BE49-F238E27FC236}">
+                    <a16:creationId xmlns:a16="http://schemas.microsoft.com/office/drawing/2014/main" id="{2E25A605-40BA-FAF4-737F-73369F1A8A8F}"/>
+                  </a:ext>
+                </a:extLst>
+              </p:cNvPr>
+              <p:cNvSpPr txBox="1">
+                <a:spLocks noRot="1" noChangeAspect="1" noMove="1" noResize="1" noEditPoints="1" noAdjustHandles="1" noChangeArrowheads="1" noChangeShapeType="1" noTextEdit="1"/>
+              </p:cNvSpPr>
+              <p:nvPr/>
+            </p:nvSpPr>
+            <p:spPr>
+              <a:xfrm>
+                <a:off x="2777317" y="4336386"/>
+                <a:ext cx="6096866" cy="584775"/>
+              </a:xfrm>
+              <a:prstGeom prst="rect">
+                <a:avLst/>
+              </a:prstGeom>
+              <a:blipFill>
+                <a:blip r:embed="rId5"/>
+                <a:stretch>
+                  <a:fillRect/>
+                </a:stretch>
+              </a:blipFill>
+            </p:spPr>
+            <p:txBody>
+              <a:bodyPr/>
+              <a:lstStyle/>
+              <a:p>
+                <a:r>
+                  <a:rPr lang="ko-KR" altLang="en-US">
+                    <a:noFill/>
+                  </a:rPr>
+                  <a:t> </a:t>
+                </a:r>
+              </a:p>
+            </p:txBody>
+          </p:sp>
+        </mc:Fallback>
+      </mc:AlternateContent>
+      <p:cxnSp>
+        <p:nvCxnSpPr>
+          <p:cNvPr id="30" name="직선 연결선 29">
+            <a:extLst>
+              <a:ext uri="{FF2B5EF4-FFF2-40B4-BE49-F238E27FC236}">
+                <a16:creationId xmlns:a16="http://schemas.microsoft.com/office/drawing/2014/main" id="{56ECAC0A-A938-F4AD-A066-37883731B254}"/>
+              </a:ext>
+            </a:extLst>
+          </p:cNvPr>
+          <p:cNvCxnSpPr>
+            <a:cxnSpLocks/>
+          </p:cNvCxnSpPr>
+          <p:nvPr/>
+        </p:nvCxnSpPr>
+        <p:spPr>
+          <a:xfrm>
+            <a:off x="3410309" y="5004232"/>
+            <a:ext cx="902899" cy="0"/>
+          </a:xfrm>
+          <a:prstGeom prst="line">
+            <a:avLst/>
+          </a:prstGeom>
+        </p:spPr>
+        <p:style>
+          <a:lnRef idx="2">
+            <a:schemeClr val="accent1"/>
+          </a:lnRef>
+          <a:fillRef idx="0">
+            <a:schemeClr val="accent1"/>
+          </a:fillRef>
+          <a:effectRef idx="1">
+            <a:schemeClr val="accent1"/>
+          </a:effectRef>
+          <a:fontRef idx="minor">
+            <a:schemeClr val="tx1"/>
+          </a:fontRef>
+        </p:style>
+      </p:cxnSp>
+      <p:cxnSp>
+        <p:nvCxnSpPr>
+          <p:cNvPr id="32" name="직선 화살표 연결선 31">
+            <a:extLst>
+              <a:ext uri="{FF2B5EF4-FFF2-40B4-BE49-F238E27FC236}">
+                <a16:creationId xmlns:a16="http://schemas.microsoft.com/office/drawing/2014/main" id="{80DC6625-934C-8B23-432D-04F6EFD6DC2F}"/>
+              </a:ext>
+            </a:extLst>
+          </p:cNvPr>
+          <p:cNvCxnSpPr/>
+          <p:nvPr/>
+        </p:nvCxnSpPr>
+        <p:spPr>
+          <a:xfrm>
+            <a:off x="3913510" y="5004232"/>
+            <a:ext cx="0" cy="476417"/>
+          </a:xfrm>
+          <a:prstGeom prst="straightConnector1">
+            <a:avLst/>
+          </a:prstGeom>
+          <a:ln>
+            <a:tailEnd type="triangle"/>
+          </a:ln>
+        </p:spPr>
+        <p:style>
+          <a:lnRef idx="2">
+            <a:schemeClr val="accent1"/>
+          </a:lnRef>
+          <a:fillRef idx="0">
+            <a:schemeClr val="accent1"/>
+          </a:fillRef>
+          <a:effectRef idx="1">
+            <a:schemeClr val="accent1"/>
+          </a:effectRef>
+          <a:fontRef idx="minor">
+            <a:schemeClr val="tx1"/>
+          </a:fontRef>
+        </p:style>
+      </p:cxnSp>
+      <mc:AlternateContent xmlns:mc="http://schemas.openxmlformats.org/markup-compatibility/2006" xmlns:a14="http://schemas.microsoft.com/office/drawing/2010/main">
+        <mc:Choice Requires="a14">
+          <p:sp>
+            <p:nvSpPr>
+              <p:cNvPr id="34" name="TextBox 33">
+                <a:extLst>
+                  <a:ext uri="{FF2B5EF4-FFF2-40B4-BE49-F238E27FC236}">
+                    <a16:creationId xmlns:a16="http://schemas.microsoft.com/office/drawing/2014/main" id="{34D4F2CB-CEE3-FAE7-5B5A-1FE2331BF4A8}"/>
+                  </a:ext>
+                </a:extLst>
+              </p:cNvPr>
+              <p:cNvSpPr txBox="1"/>
+              <p:nvPr/>
+            </p:nvSpPr>
+            <p:spPr>
+              <a:xfrm>
+                <a:off x="3181440" y="5570018"/>
+                <a:ext cx="1200777" cy="584775"/>
+              </a:xfrm>
+              <a:prstGeom prst="rect">
+                <a:avLst/>
+              </a:prstGeom>
+              <a:noFill/>
+            </p:spPr>
+            <p:txBody>
+              <a:bodyPr wrap="square" rtlCol="0">
+                <a:spAutoFit/>
+              </a:bodyPr>
+              <a:lstStyle/>
+              <a:p>
+                <a14:m>
+                  <m:oMath xmlns:m="http://schemas.openxmlformats.org/officeDocument/2006/math">
+                    <m:r>
+                      <a:rPr lang="en-US" altLang="ko-KR" sz="1600" b="0" i="1" smtClean="0">
+                        <a:latin typeface="Cambria Math" panose="02040503050406030204" pitchFamily="18" charset="0"/>
+                      </a:rPr>
+                      <m:t>𝑑𝑡</m:t>
+                    </m:r>
+                  </m:oMath>
+                </a14:m>
+                <a:r>
+                  <a:rPr lang="ko-KR" altLang="en-US" sz="1600" b="0"/>
+                  <a:t>초 후 확률 분포</a:t>
+                </a:r>
+                <a:endParaRPr lang="en-US" altLang="ko-KR" sz="1600" b="0"/>
+              </a:p>
+            </p:txBody>
+          </p:sp>
+        </mc:Choice>
+        <mc:Fallback xmlns="">
+          <p:sp>
+            <p:nvSpPr>
+              <p:cNvPr id="34" name="TextBox 33">
+                <a:extLst>
+                  <a:ext uri="{FF2B5EF4-FFF2-40B4-BE49-F238E27FC236}">
+                    <a16:creationId xmlns:a16="http://schemas.microsoft.com/office/drawing/2014/main" id="{34D4F2CB-CEE3-FAE7-5B5A-1FE2331BF4A8}"/>
+                  </a:ext>
+                </a:extLst>
+              </p:cNvPr>
+              <p:cNvSpPr txBox="1">
+                <a:spLocks noRot="1" noChangeAspect="1" noMove="1" noResize="1" noEditPoints="1" noAdjustHandles="1" noChangeArrowheads="1" noChangeShapeType="1" noTextEdit="1"/>
+              </p:cNvSpPr>
+              <p:nvPr/>
+            </p:nvSpPr>
+            <p:spPr>
+              <a:xfrm>
+                <a:off x="3181440" y="5570018"/>
+                <a:ext cx="1200777" cy="584775"/>
+              </a:xfrm>
+              <a:prstGeom prst="rect">
+                <a:avLst/>
+              </a:prstGeom>
+              <a:blipFill>
+                <a:blip r:embed="rId6"/>
+                <a:stretch>
+                  <a:fillRect l="-3046" t="-3125" b="-12500"/>
+                </a:stretch>
+              </a:blipFill>
+            </p:spPr>
+            <p:txBody>
+              <a:bodyPr/>
+              <a:lstStyle/>
+              <a:p>
+                <a:r>
+                  <a:rPr lang="ko-KR" altLang="en-US">
+                    <a:noFill/>
+                  </a:rPr>
+                  <a:t> </a:t>
+                </a:r>
+              </a:p>
+            </p:txBody>
+          </p:sp>
+        </mc:Fallback>
+      </mc:AlternateContent>
+      <p:cxnSp>
+        <p:nvCxnSpPr>
+          <p:cNvPr id="35" name="직선 연결선 34">
+            <a:extLst>
+              <a:ext uri="{FF2B5EF4-FFF2-40B4-BE49-F238E27FC236}">
+                <a16:creationId xmlns:a16="http://schemas.microsoft.com/office/drawing/2014/main" id="{FC79D5DC-97BD-4875-2F42-9104D2C65B5F}"/>
+              </a:ext>
+            </a:extLst>
+          </p:cNvPr>
+          <p:cNvCxnSpPr>
+            <a:cxnSpLocks/>
+          </p:cNvCxnSpPr>
+          <p:nvPr/>
+        </p:nvCxnSpPr>
+        <p:spPr>
+          <a:xfrm>
+            <a:off x="4859547" y="5004232"/>
+            <a:ext cx="379562" cy="0"/>
+          </a:xfrm>
+          <a:prstGeom prst="line">
+            <a:avLst/>
+          </a:prstGeom>
+        </p:spPr>
+        <p:style>
+          <a:lnRef idx="2">
+            <a:schemeClr val="accent1"/>
+          </a:lnRef>
+          <a:fillRef idx="0">
+            <a:schemeClr val="accent1"/>
+          </a:fillRef>
+          <a:effectRef idx="1">
+            <a:schemeClr val="accent1"/>
+          </a:effectRef>
+          <a:fontRef idx="minor">
+            <a:schemeClr val="tx1"/>
+          </a:fontRef>
+        </p:style>
+      </p:cxnSp>
+      <p:cxnSp>
+        <p:nvCxnSpPr>
+          <p:cNvPr id="37" name="직선 화살표 연결선 36">
+            <a:extLst>
+              <a:ext uri="{FF2B5EF4-FFF2-40B4-BE49-F238E27FC236}">
+                <a16:creationId xmlns:a16="http://schemas.microsoft.com/office/drawing/2014/main" id="{641B81C3-E6BE-7AAE-C4A0-552A558C6D3C}"/>
+              </a:ext>
+            </a:extLst>
+          </p:cNvPr>
+          <p:cNvCxnSpPr/>
+          <p:nvPr/>
+        </p:nvCxnSpPr>
+        <p:spPr>
+          <a:xfrm>
+            <a:off x="5063698" y="5004232"/>
+            <a:ext cx="0" cy="476417"/>
+          </a:xfrm>
+          <a:prstGeom prst="straightConnector1">
+            <a:avLst/>
+          </a:prstGeom>
+          <a:ln>
+            <a:tailEnd type="triangle"/>
+          </a:ln>
+        </p:spPr>
+        <p:style>
+          <a:lnRef idx="2">
+            <a:schemeClr val="accent1"/>
+          </a:lnRef>
+          <a:fillRef idx="0">
+            <a:schemeClr val="accent1"/>
+          </a:fillRef>
+          <a:effectRef idx="1">
+            <a:schemeClr val="accent1"/>
+          </a:effectRef>
+          <a:fontRef idx="minor">
+            <a:schemeClr val="tx1"/>
+          </a:fontRef>
+        </p:style>
+      </p:cxnSp>
+      <mc:AlternateContent xmlns:mc="http://schemas.openxmlformats.org/markup-compatibility/2006" xmlns:a14="http://schemas.microsoft.com/office/drawing/2010/main">
+        <mc:Choice Requires="a14">
+          <p:sp>
+            <p:nvSpPr>
+              <p:cNvPr id="38" name="TextBox 37">
+                <a:extLst>
+                  <a:ext uri="{FF2B5EF4-FFF2-40B4-BE49-F238E27FC236}">
+                    <a16:creationId xmlns:a16="http://schemas.microsoft.com/office/drawing/2014/main" id="{38413A52-604E-C8CC-DD1C-46B6D81EBCCB}"/>
+                  </a:ext>
+                </a:extLst>
+              </p:cNvPr>
+              <p:cNvSpPr txBox="1"/>
+              <p:nvPr/>
+            </p:nvSpPr>
+            <p:spPr>
+              <a:xfrm>
+                <a:off x="4558443" y="5564824"/>
+                <a:ext cx="1010510" cy="589457"/>
+              </a:xfrm>
+              <a:prstGeom prst="rect">
+                <a:avLst/>
+              </a:prstGeom>
+              <a:noFill/>
+            </p:spPr>
+            <p:txBody>
+              <a:bodyPr wrap="square" rtlCol="0">
+                <a:spAutoFit/>
+              </a:bodyPr>
+              <a:lstStyle/>
+              <a:p>
+                <a14:m>
+                  <m:oMath xmlns:m="http://schemas.openxmlformats.org/officeDocument/2006/math">
+                    <m:r>
+                      <a:rPr lang="ko-KR" altLang="en-US" sz="1600" i="1">
+                        <a:latin typeface="Cambria Math" panose="02040503050406030204" pitchFamily="18" charset="0"/>
+                      </a:rPr>
+                      <m:t>이</m:t>
+                    </m:r>
+                  </m:oMath>
+                </a14:m>
+                <a:r>
+                  <a:rPr lang="ko-KR" altLang="en-US" sz="1600" b="0"/>
+                  <a:t>동할 확률</a:t>
+                </a:r>
+                <a:endParaRPr lang="en-US" altLang="ko-KR" sz="1600" b="0"/>
+              </a:p>
+            </p:txBody>
+          </p:sp>
+        </mc:Choice>
+        <mc:Fallback xmlns="">
+          <p:sp>
+            <p:nvSpPr>
+              <p:cNvPr id="38" name="TextBox 37">
+                <a:extLst>
+                  <a:ext uri="{FF2B5EF4-FFF2-40B4-BE49-F238E27FC236}">
+                    <a16:creationId xmlns:a16="http://schemas.microsoft.com/office/drawing/2014/main" id="{38413A52-604E-C8CC-DD1C-46B6D81EBCCB}"/>
+                  </a:ext>
+                </a:extLst>
+              </p:cNvPr>
+              <p:cNvSpPr txBox="1">
+                <a:spLocks noRot="1" noChangeAspect="1" noMove="1" noResize="1" noEditPoints="1" noAdjustHandles="1" noChangeArrowheads="1" noChangeShapeType="1" noTextEdit="1"/>
+              </p:cNvSpPr>
+              <p:nvPr/>
+            </p:nvSpPr>
+            <p:spPr>
+              <a:xfrm>
+                <a:off x="4558443" y="5564824"/>
+                <a:ext cx="1010510" cy="589457"/>
+              </a:xfrm>
+              <a:prstGeom prst="rect">
+                <a:avLst/>
+              </a:prstGeom>
+              <a:blipFill>
+                <a:blip r:embed="rId7"/>
+                <a:stretch>
+                  <a:fillRect l="-3614" t="-3093" b="-12371"/>
+                </a:stretch>
+              </a:blipFill>
+            </p:spPr>
+            <p:txBody>
+              <a:bodyPr/>
+              <a:lstStyle/>
+              <a:p>
+                <a:r>
+                  <a:rPr lang="ko-KR" altLang="en-US">
+                    <a:noFill/>
+                  </a:rPr>
+                  <a:t> </a:t>
+                </a:r>
+              </a:p>
+            </p:txBody>
+          </p:sp>
+        </mc:Fallback>
+      </mc:AlternateContent>
+      <p:cxnSp>
+        <p:nvCxnSpPr>
+          <p:cNvPr id="39" name="직선 연결선 38">
+            <a:extLst>
+              <a:ext uri="{FF2B5EF4-FFF2-40B4-BE49-F238E27FC236}">
+                <a16:creationId xmlns:a16="http://schemas.microsoft.com/office/drawing/2014/main" id="{752F9F8A-AD3C-C111-8B95-97C2289BB6EE}"/>
+              </a:ext>
+            </a:extLst>
+          </p:cNvPr>
+          <p:cNvCxnSpPr>
+            <a:cxnSpLocks/>
+          </p:cNvCxnSpPr>
+          <p:nvPr/>
+        </p:nvCxnSpPr>
+        <p:spPr>
+          <a:xfrm>
+            <a:off x="5313872" y="5004232"/>
+            <a:ext cx="621102" cy="0"/>
+          </a:xfrm>
+          <a:prstGeom prst="line">
+            <a:avLst/>
+          </a:prstGeom>
+        </p:spPr>
+        <p:style>
+          <a:lnRef idx="2">
+            <a:schemeClr val="accent1"/>
+          </a:lnRef>
+          <a:fillRef idx="0">
+            <a:schemeClr val="accent1"/>
+          </a:fillRef>
+          <a:effectRef idx="1">
+            <a:schemeClr val="accent1"/>
+          </a:effectRef>
+          <a:fontRef idx="minor">
+            <a:schemeClr val="tx1"/>
+          </a:fontRef>
+        </p:style>
+      </p:cxnSp>
+      <p:cxnSp>
+        <p:nvCxnSpPr>
+          <p:cNvPr id="40" name="직선 화살표 연결선 39">
+            <a:extLst>
+              <a:ext uri="{FF2B5EF4-FFF2-40B4-BE49-F238E27FC236}">
+                <a16:creationId xmlns:a16="http://schemas.microsoft.com/office/drawing/2014/main" id="{47D3EB35-9401-CA5C-A1B0-3C8754332A01}"/>
+              </a:ext>
+            </a:extLst>
+          </p:cNvPr>
+          <p:cNvCxnSpPr/>
+          <p:nvPr/>
+        </p:nvCxnSpPr>
+        <p:spPr>
+          <a:xfrm>
+            <a:off x="5765313" y="5004232"/>
+            <a:ext cx="0" cy="476417"/>
+          </a:xfrm>
+          <a:prstGeom prst="straightConnector1">
+            <a:avLst/>
+          </a:prstGeom>
+          <a:ln>
+            <a:tailEnd type="triangle"/>
+          </a:ln>
+        </p:spPr>
+        <p:style>
+          <a:lnRef idx="2">
+            <a:schemeClr val="accent1"/>
+          </a:lnRef>
+          <a:fillRef idx="0">
+            <a:schemeClr val="accent1"/>
+          </a:fillRef>
+          <a:effectRef idx="1">
+            <a:schemeClr val="accent1"/>
+          </a:effectRef>
+          <a:fontRef idx="minor">
+            <a:schemeClr val="tx1"/>
+          </a:fontRef>
+        </p:style>
+      </p:cxnSp>
+      <mc:AlternateContent xmlns:mc="http://schemas.openxmlformats.org/markup-compatibility/2006" xmlns:a14="http://schemas.microsoft.com/office/drawing/2010/main">
+        <mc:Choice Requires="a14">
+          <p:sp>
+            <p:nvSpPr>
+              <p:cNvPr id="42" name="TextBox 41">
+                <a:extLst>
+                  <a:ext uri="{FF2B5EF4-FFF2-40B4-BE49-F238E27FC236}">
+                    <a16:creationId xmlns:a16="http://schemas.microsoft.com/office/drawing/2014/main" id="{191D81EC-02F0-51E3-3202-469DF0F4BE4A}"/>
+                  </a:ext>
+                </a:extLst>
+              </p:cNvPr>
+              <p:cNvSpPr txBox="1"/>
+              <p:nvPr/>
+            </p:nvSpPr>
+            <p:spPr>
+              <a:xfrm>
+                <a:off x="5415333" y="5564824"/>
+                <a:ext cx="1963127" cy="589457"/>
+              </a:xfrm>
+              <a:prstGeom prst="rect">
+                <a:avLst/>
+              </a:prstGeom>
+              <a:noFill/>
+            </p:spPr>
+            <p:txBody>
+              <a:bodyPr wrap="square" rtlCol="0">
+                <a:spAutoFit/>
+              </a:bodyPr>
+              <a:lstStyle/>
+              <a:p>
+                <a14:m>
+                  <m:oMath xmlns:m="http://schemas.openxmlformats.org/officeDocument/2006/math">
+                    <m:r>
+                      <a:rPr lang="ko-KR" altLang="en-US" sz="1600" i="1" smtClean="0">
+                        <a:latin typeface="Cambria Math" panose="02040503050406030204" pitchFamily="18" charset="0"/>
+                      </a:rPr>
+                      <m:t>이</m:t>
+                    </m:r>
+                  </m:oMath>
+                </a14:m>
+                <a:r>
+                  <a:rPr lang="ko-KR" altLang="en-US" sz="1600" b="0"/>
+                  <a:t>동했다는 가정 하의 확률 분포</a:t>
+                </a:r>
+                <a:endParaRPr lang="en-US" altLang="ko-KR" sz="1600" b="0"/>
+              </a:p>
+            </p:txBody>
+          </p:sp>
+        </mc:Choice>
+        <mc:Fallback xmlns="">
+          <p:sp>
+            <p:nvSpPr>
+              <p:cNvPr id="42" name="TextBox 41">
+                <a:extLst>
+                  <a:ext uri="{FF2B5EF4-FFF2-40B4-BE49-F238E27FC236}">
+                    <a16:creationId xmlns:a16="http://schemas.microsoft.com/office/drawing/2014/main" id="{191D81EC-02F0-51E3-3202-469DF0F4BE4A}"/>
+                  </a:ext>
+                </a:extLst>
+              </p:cNvPr>
+              <p:cNvSpPr txBox="1">
+                <a:spLocks noRot="1" noChangeAspect="1" noMove="1" noResize="1" noEditPoints="1" noAdjustHandles="1" noChangeArrowheads="1" noChangeShapeType="1" noTextEdit="1"/>
+              </p:cNvSpPr>
+              <p:nvPr/>
+            </p:nvSpPr>
+            <p:spPr>
+              <a:xfrm>
+                <a:off x="5415333" y="5564824"/>
+                <a:ext cx="1963127" cy="589457"/>
+              </a:xfrm>
+              <a:prstGeom prst="rect">
+                <a:avLst/>
+              </a:prstGeom>
+              <a:blipFill>
+                <a:blip r:embed="rId8"/>
+                <a:stretch>
+                  <a:fillRect l="-1553" t="-3093" r="-932" b="-12371"/>
+                </a:stretch>
+              </a:blipFill>
+            </p:spPr>
+            <p:txBody>
+              <a:bodyPr/>
+              <a:lstStyle/>
+              <a:p>
+                <a:r>
+                  <a:rPr lang="ko-KR" altLang="en-US">
+                    <a:noFill/>
+                  </a:rPr>
+                  <a:t> </a:t>
+                </a:r>
+              </a:p>
+            </p:txBody>
+          </p:sp>
+        </mc:Fallback>
+      </mc:AlternateContent>
+      <p:cxnSp>
+        <p:nvCxnSpPr>
+          <p:cNvPr id="43" name="직선 연결선 42">
+            <a:extLst>
+              <a:ext uri="{FF2B5EF4-FFF2-40B4-BE49-F238E27FC236}">
+                <a16:creationId xmlns:a16="http://schemas.microsoft.com/office/drawing/2014/main" id="{BEF04EF3-B3F7-1942-8EAA-0680C78DC151}"/>
+              </a:ext>
+            </a:extLst>
+          </p:cNvPr>
+          <p:cNvCxnSpPr>
+            <a:cxnSpLocks/>
+          </p:cNvCxnSpPr>
+          <p:nvPr/>
+        </p:nvCxnSpPr>
+        <p:spPr>
+          <a:xfrm>
+            <a:off x="6504317" y="5004232"/>
+            <a:ext cx="1276709" cy="0"/>
+          </a:xfrm>
+          <a:prstGeom prst="line">
+            <a:avLst/>
+          </a:prstGeom>
+        </p:spPr>
+        <p:style>
+          <a:lnRef idx="2">
+            <a:schemeClr val="accent1"/>
+          </a:lnRef>
+          <a:fillRef idx="0">
+            <a:schemeClr val="accent1"/>
+          </a:fillRef>
+          <a:effectRef idx="1">
+            <a:schemeClr val="accent1"/>
+          </a:effectRef>
+          <a:fontRef idx="minor">
+            <a:schemeClr val="tx1"/>
+          </a:fontRef>
+        </p:style>
+      </p:cxnSp>
+      <p:cxnSp>
+        <p:nvCxnSpPr>
+          <p:cNvPr id="44" name="직선 화살표 연결선 43">
+            <a:extLst>
+              <a:ext uri="{FF2B5EF4-FFF2-40B4-BE49-F238E27FC236}">
+                <a16:creationId xmlns:a16="http://schemas.microsoft.com/office/drawing/2014/main" id="{F04D500B-8931-1B13-40D7-1ED0D15F1075}"/>
+              </a:ext>
+            </a:extLst>
+          </p:cNvPr>
+          <p:cNvCxnSpPr>
+            <a:cxnSpLocks/>
+          </p:cNvCxnSpPr>
+          <p:nvPr/>
+        </p:nvCxnSpPr>
+        <p:spPr>
+          <a:xfrm>
+            <a:off x="7320951" y="5004232"/>
+            <a:ext cx="230038" cy="560592"/>
+          </a:xfrm>
+          <a:prstGeom prst="straightConnector1">
+            <a:avLst/>
+          </a:prstGeom>
+          <a:ln>
+            <a:tailEnd type="triangle"/>
+          </a:ln>
+        </p:spPr>
+        <p:style>
+          <a:lnRef idx="2">
+            <a:schemeClr val="accent1"/>
+          </a:lnRef>
+          <a:fillRef idx="0">
+            <a:schemeClr val="accent1"/>
+          </a:fillRef>
+          <a:effectRef idx="1">
+            <a:schemeClr val="accent1"/>
+          </a:effectRef>
+          <a:fontRef idx="minor">
+            <a:schemeClr val="tx1"/>
+          </a:fontRef>
+        </p:style>
+      </p:cxnSp>
+      <mc:AlternateContent xmlns:mc="http://schemas.openxmlformats.org/markup-compatibility/2006" xmlns:a14="http://schemas.microsoft.com/office/drawing/2010/main">
+        <mc:Choice Requires="a14">
+          <p:sp>
+            <p:nvSpPr>
+              <p:cNvPr id="45" name="TextBox 44">
+                <a:extLst>
+                  <a:ext uri="{FF2B5EF4-FFF2-40B4-BE49-F238E27FC236}">
+                    <a16:creationId xmlns:a16="http://schemas.microsoft.com/office/drawing/2014/main" id="{84C048DE-56D8-2A37-8384-A9DA7B869932}"/>
+                  </a:ext>
+                </a:extLst>
+              </p:cNvPr>
+              <p:cNvSpPr txBox="1"/>
+              <p:nvPr/>
+            </p:nvSpPr>
+            <p:spPr>
+              <a:xfrm>
+                <a:off x="7322608" y="5564824"/>
+                <a:ext cx="1010510" cy="589457"/>
+              </a:xfrm>
+              <a:prstGeom prst="rect">
+                <a:avLst/>
+              </a:prstGeom>
+              <a:noFill/>
+            </p:spPr>
+            <p:txBody>
+              <a:bodyPr wrap="square" rtlCol="0">
+                <a:spAutoFit/>
+              </a:bodyPr>
+              <a:lstStyle/>
+              <a:p>
+                <a14:m>
+                  <m:oMath xmlns:m="http://schemas.openxmlformats.org/officeDocument/2006/math">
+                    <m:r>
+                      <a:rPr lang="ko-KR" altLang="en-US" sz="1600" i="1" smtClean="0">
+                        <a:latin typeface="Cambria Math" panose="02040503050406030204" pitchFamily="18" charset="0"/>
+                      </a:rPr>
+                      <m:t>이</m:t>
+                    </m:r>
+                  </m:oMath>
+                </a14:m>
+                <a:r>
+                  <a:rPr lang="ko-KR" altLang="en-US" sz="1600" b="0"/>
+                  <a:t>동 안 할 확률</a:t>
+                </a:r>
+                <a:endParaRPr lang="en-US" altLang="ko-KR" sz="1600" b="0"/>
+              </a:p>
+            </p:txBody>
+          </p:sp>
+        </mc:Choice>
+        <mc:Fallback xmlns="">
+          <p:sp>
+            <p:nvSpPr>
+              <p:cNvPr id="45" name="TextBox 44">
+                <a:extLst>
+                  <a:ext uri="{FF2B5EF4-FFF2-40B4-BE49-F238E27FC236}">
+                    <a16:creationId xmlns:a16="http://schemas.microsoft.com/office/drawing/2014/main" id="{84C048DE-56D8-2A37-8384-A9DA7B869932}"/>
+                  </a:ext>
+                </a:extLst>
+              </p:cNvPr>
+              <p:cNvSpPr txBox="1">
+                <a:spLocks noRot="1" noChangeAspect="1" noMove="1" noResize="1" noEditPoints="1" noAdjustHandles="1" noChangeArrowheads="1" noChangeShapeType="1" noTextEdit="1"/>
+              </p:cNvSpPr>
+              <p:nvPr/>
+            </p:nvSpPr>
+            <p:spPr>
+              <a:xfrm>
+                <a:off x="7322608" y="5564824"/>
+                <a:ext cx="1010510" cy="589457"/>
+              </a:xfrm>
+              <a:prstGeom prst="rect">
+                <a:avLst/>
+              </a:prstGeom>
+              <a:blipFill>
+                <a:blip r:embed="rId9"/>
+                <a:stretch>
+                  <a:fillRect l="-3012" t="-3093" b="-12371"/>
+                </a:stretch>
+              </a:blipFill>
+            </p:spPr>
+            <p:txBody>
+              <a:bodyPr/>
+              <a:lstStyle/>
+              <a:p>
+                <a:r>
+                  <a:rPr lang="ko-KR" altLang="en-US">
+                    <a:noFill/>
+                  </a:rPr>
+                  <a:t> </a:t>
+                </a:r>
+              </a:p>
+            </p:txBody>
+          </p:sp>
+        </mc:Fallback>
+      </mc:AlternateContent>
+      <p:cxnSp>
+        <p:nvCxnSpPr>
+          <p:cNvPr id="50" name="직선 연결선 49">
+            <a:extLst>
+              <a:ext uri="{FF2B5EF4-FFF2-40B4-BE49-F238E27FC236}">
+                <a16:creationId xmlns:a16="http://schemas.microsoft.com/office/drawing/2014/main" id="{416638E3-D1AC-F009-9ACD-DA13A6C10A7C}"/>
+              </a:ext>
+            </a:extLst>
+          </p:cNvPr>
+          <p:cNvCxnSpPr>
+            <a:cxnSpLocks/>
+          </p:cNvCxnSpPr>
+          <p:nvPr/>
+        </p:nvCxnSpPr>
+        <p:spPr>
+          <a:xfrm>
+            <a:off x="7882113" y="5004232"/>
+            <a:ext cx="364740" cy="0"/>
+          </a:xfrm>
+          <a:prstGeom prst="line">
+            <a:avLst/>
+          </a:prstGeom>
+        </p:spPr>
+        <p:style>
+          <a:lnRef idx="2">
+            <a:schemeClr val="accent1"/>
+          </a:lnRef>
+          <a:fillRef idx="0">
+            <a:schemeClr val="accent1"/>
+          </a:fillRef>
+          <a:effectRef idx="1">
+            <a:schemeClr val="accent1"/>
+          </a:effectRef>
+          <a:fontRef idx="minor">
+            <a:schemeClr val="tx1"/>
+          </a:fontRef>
+        </p:style>
+      </p:cxnSp>
+      <p:cxnSp>
+        <p:nvCxnSpPr>
+          <p:cNvPr id="53" name="직선 화살표 연결선 52">
+            <a:extLst>
+              <a:ext uri="{FF2B5EF4-FFF2-40B4-BE49-F238E27FC236}">
+                <a16:creationId xmlns:a16="http://schemas.microsoft.com/office/drawing/2014/main" id="{9E825FF5-E492-E8BE-911D-BC7888DEDD75}"/>
+              </a:ext>
+            </a:extLst>
+          </p:cNvPr>
+          <p:cNvCxnSpPr>
+            <a:cxnSpLocks/>
+          </p:cNvCxnSpPr>
+          <p:nvPr/>
+        </p:nvCxnSpPr>
+        <p:spPr>
+          <a:xfrm>
+            <a:off x="8177843" y="5004232"/>
+            <a:ext cx="230038" cy="560592"/>
+          </a:xfrm>
+          <a:prstGeom prst="straightConnector1">
+            <a:avLst/>
+          </a:prstGeom>
+          <a:ln>
+            <a:tailEnd type="triangle"/>
+          </a:ln>
+        </p:spPr>
+        <p:style>
+          <a:lnRef idx="2">
+            <a:schemeClr val="accent1"/>
+          </a:lnRef>
+          <a:fillRef idx="0">
+            <a:schemeClr val="accent1"/>
+          </a:fillRef>
+          <a:effectRef idx="1">
+            <a:schemeClr val="accent1"/>
+          </a:effectRef>
+          <a:fontRef idx="minor">
+            <a:schemeClr val="tx1"/>
+          </a:fontRef>
+        </p:style>
+      </p:cxnSp>
+      <mc:AlternateContent xmlns:mc="http://schemas.openxmlformats.org/markup-compatibility/2006" xmlns:a14="http://schemas.microsoft.com/office/drawing/2010/main">
+        <mc:Choice Requires="a14">
+          <p:sp>
+            <p:nvSpPr>
+              <p:cNvPr id="54" name="TextBox 53">
+                <a:extLst>
+                  <a:ext uri="{FF2B5EF4-FFF2-40B4-BE49-F238E27FC236}">
+                    <a16:creationId xmlns:a16="http://schemas.microsoft.com/office/drawing/2014/main" id="{F0C25107-8BB2-A81E-0253-8AB757B31614}"/>
+                  </a:ext>
+                </a:extLst>
+              </p:cNvPr>
+              <p:cNvSpPr txBox="1"/>
+              <p:nvPr/>
+            </p:nvSpPr>
+            <p:spPr>
+              <a:xfrm>
+                <a:off x="8195093" y="5564823"/>
+                <a:ext cx="1613147" cy="835678"/>
+              </a:xfrm>
+              <a:prstGeom prst="rect">
+                <a:avLst/>
+              </a:prstGeom>
+              <a:noFill/>
+            </p:spPr>
+            <p:txBody>
+              <a:bodyPr wrap="square" rtlCol="0">
+                <a:spAutoFit/>
+              </a:bodyPr>
+              <a:lstStyle/>
+              <a:p>
+                <a14:m>
+                  <m:oMath xmlns:m="http://schemas.openxmlformats.org/officeDocument/2006/math">
+                    <m:r>
+                      <a:rPr lang="ko-KR" altLang="en-US" sz="1600" i="1" smtClean="0">
+                        <a:latin typeface="Cambria Math" panose="02040503050406030204" pitchFamily="18" charset="0"/>
+                      </a:rPr>
+                      <m:t>이</m:t>
+                    </m:r>
+                  </m:oMath>
+                </a14:m>
+                <a:r>
+                  <a:rPr lang="ko-KR" altLang="en-US" sz="1600" b="0"/>
+                  <a:t>동 안 했을 때 확률 분포 </a:t>
+                </a:r>
+                <a:r>
+                  <a:rPr lang="en-US" altLang="ko-KR" sz="1600" b="0"/>
+                  <a:t>(</a:t>
+                </a:r>
+                <a:r>
+                  <a:rPr lang="ko-KR" altLang="en-US" sz="1600" b="0"/>
+                  <a:t>그대로</a:t>
+                </a:r>
+                <a:r>
+                  <a:rPr lang="en-US" altLang="ko-KR" sz="1600" b="0"/>
+                  <a:t>)</a:t>
+                </a:r>
+              </a:p>
+            </p:txBody>
+          </p:sp>
+        </mc:Choice>
+        <mc:Fallback xmlns="">
+          <p:sp>
+            <p:nvSpPr>
+              <p:cNvPr id="54" name="TextBox 53">
+                <a:extLst>
+                  <a:ext uri="{FF2B5EF4-FFF2-40B4-BE49-F238E27FC236}">
+                    <a16:creationId xmlns:a16="http://schemas.microsoft.com/office/drawing/2014/main" id="{F0C25107-8BB2-A81E-0253-8AB757B31614}"/>
+                  </a:ext>
+                </a:extLst>
+              </p:cNvPr>
+              <p:cNvSpPr txBox="1">
+                <a:spLocks noRot="1" noChangeAspect="1" noMove="1" noResize="1" noEditPoints="1" noAdjustHandles="1" noChangeArrowheads="1" noChangeShapeType="1" noTextEdit="1"/>
+              </p:cNvSpPr>
+              <p:nvPr/>
+            </p:nvSpPr>
+            <p:spPr>
+              <a:xfrm>
+                <a:off x="8195093" y="5564823"/>
+                <a:ext cx="1613147" cy="835678"/>
+              </a:xfrm>
+              <a:prstGeom prst="rect">
+                <a:avLst/>
+              </a:prstGeom>
+              <a:blipFill>
+                <a:blip r:embed="rId10"/>
+                <a:stretch>
+                  <a:fillRect l="-1887" t="-2190" b="-8759"/>
+                </a:stretch>
+              </a:blipFill>
+            </p:spPr>
+            <p:txBody>
+              <a:bodyPr/>
+              <a:lstStyle/>
+              <a:p>
+                <a:r>
+                  <a:rPr lang="ko-KR" altLang="en-US">
+                    <a:noFill/>
+                  </a:rPr>
+                  <a:t> </a:t>
+                </a:r>
+              </a:p>
+            </p:txBody>
+          </p:sp>
+        </mc:Fallback>
+      </mc:AlternateContent>
+      <mc:AlternateContent xmlns:mc="http://schemas.openxmlformats.org/markup-compatibility/2006" xmlns:a14="http://schemas.microsoft.com/office/drawing/2010/main">
+        <mc:Choice Requires="a14">
+          <p:sp>
+            <p:nvSpPr>
+              <p:cNvPr id="55" name="TextBox 54">
+                <a:extLst>
+                  <a:ext uri="{FF2B5EF4-FFF2-40B4-BE49-F238E27FC236}">
+                    <a16:creationId xmlns:a16="http://schemas.microsoft.com/office/drawing/2014/main" id="{49324FA7-E61A-629B-D309-0B62852C1E2D}"/>
+                  </a:ext>
+                </a:extLst>
+              </p:cNvPr>
+              <p:cNvSpPr txBox="1"/>
+              <p:nvPr/>
+            </p:nvSpPr>
+            <p:spPr>
+              <a:xfrm>
+                <a:off x="6504317" y="3269876"/>
+                <a:ext cx="569515" cy="461665"/>
+              </a:xfrm>
+              <a:prstGeom prst="rect">
+                <a:avLst/>
+              </a:prstGeom>
+              <a:noFill/>
+            </p:spPr>
+            <p:txBody>
+              <a:bodyPr wrap="none" rtlCol="0">
+                <a:spAutoFit/>
+              </a:bodyPr>
+              <a:lstStyle/>
+              <a:p>
+                <a:pPr/>
+                <a14:m>
+                  <m:oMathPara xmlns:m="http://schemas.openxmlformats.org/officeDocument/2006/math">
+                    <m:oMathParaPr>
+                      <m:jc m:val="centerGroup"/>
+                    </m:oMathParaPr>
+                    <m:oMath xmlns:m="http://schemas.openxmlformats.org/officeDocument/2006/math">
+                      <m:sSub>
+                        <m:sSubPr>
+                          <m:ctrlPr>
+                            <a:rPr lang="en-US" altLang="ko-KR" sz="2400" b="0" i="1" smtClean="0">
+                              <a:latin typeface="Cambria Math" panose="02040503050406030204" pitchFamily="18" charset="0"/>
+                            </a:rPr>
+                          </m:ctrlPr>
+                        </m:sSubPr>
+                        <m:e>
+                          <m:r>
+                            <a:rPr lang="en-US" altLang="ko-KR" sz="2400" b="0" i="1" smtClean="0">
+                              <a:latin typeface="Cambria Math" panose="02040503050406030204" pitchFamily="18" charset="0"/>
+                            </a:rPr>
+                            <m:t>𝑃</m:t>
+                          </m:r>
+                        </m:e>
+                        <m:sub>
+                          <m:r>
+                            <a:rPr lang="en-US" altLang="ko-KR" sz="2400" b="0" i="1" smtClean="0">
+                              <a:latin typeface="Cambria Math" panose="02040503050406030204" pitchFamily="18" charset="0"/>
+                            </a:rPr>
+                            <m:t>𝑡</m:t>
+                          </m:r>
+                        </m:sub>
+                      </m:sSub>
+                    </m:oMath>
+                  </m:oMathPara>
+                </a14:m>
+                <a:endParaRPr lang="en-US" altLang="ko-KR" sz="2400" b="0"/>
+              </a:p>
+            </p:txBody>
+          </p:sp>
+        </mc:Choice>
+        <mc:Fallback xmlns="">
+          <p:sp>
+            <p:nvSpPr>
+              <p:cNvPr id="55" name="TextBox 54">
+                <a:extLst>
+                  <a:ext uri="{FF2B5EF4-FFF2-40B4-BE49-F238E27FC236}">
+                    <a16:creationId xmlns:a16="http://schemas.microsoft.com/office/drawing/2014/main" id="{49324FA7-E61A-629B-D309-0B62852C1E2D}"/>
+                  </a:ext>
+                </a:extLst>
+              </p:cNvPr>
+              <p:cNvSpPr txBox="1">
+                <a:spLocks noRot="1" noChangeAspect="1" noMove="1" noResize="1" noEditPoints="1" noAdjustHandles="1" noChangeArrowheads="1" noChangeShapeType="1" noTextEdit="1"/>
+              </p:cNvSpPr>
+              <p:nvPr/>
+            </p:nvSpPr>
+            <p:spPr>
+              <a:xfrm>
+                <a:off x="6504317" y="3269876"/>
+                <a:ext cx="569515" cy="461665"/>
+              </a:xfrm>
+              <a:prstGeom prst="rect">
+                <a:avLst/>
+              </a:prstGeom>
+              <a:blipFill>
+                <a:blip r:embed="rId11"/>
+                <a:stretch>
+                  <a:fillRect b="-3947"/>
+                </a:stretch>
+              </a:blipFill>
+            </p:spPr>
+            <p:txBody>
+              <a:bodyPr/>
+              <a:lstStyle/>
+              <a:p>
+                <a:r>
+                  <a:rPr lang="ko-KR" altLang="en-US">
+                    <a:noFill/>
+                  </a:rPr>
+                  <a:t> </a:t>
+                </a:r>
+              </a:p>
+            </p:txBody>
+          </p:sp>
+        </mc:Fallback>
+      </mc:AlternateContent>
+      <mc:AlternateContent xmlns:mc="http://schemas.openxmlformats.org/markup-compatibility/2006" xmlns:a14="http://schemas.microsoft.com/office/drawing/2010/main">
+        <mc:Choice Requires="a14">
+          <p:sp>
+            <p:nvSpPr>
+              <p:cNvPr id="56" name="TextBox 55">
+                <a:extLst>
+                  <a:ext uri="{FF2B5EF4-FFF2-40B4-BE49-F238E27FC236}">
+                    <a16:creationId xmlns:a16="http://schemas.microsoft.com/office/drawing/2014/main" id="{DB5A83C5-B81F-013F-BAFA-51AA3DC9AE46}"/>
+                  </a:ext>
+                </a:extLst>
+              </p:cNvPr>
+              <p:cNvSpPr txBox="1"/>
+              <p:nvPr/>
+            </p:nvSpPr>
+            <p:spPr>
+              <a:xfrm>
+                <a:off x="8874183" y="3269876"/>
+                <a:ext cx="802977" cy="461665"/>
+              </a:xfrm>
+              <a:prstGeom prst="rect">
+                <a:avLst/>
+              </a:prstGeom>
+              <a:noFill/>
+            </p:spPr>
+            <p:txBody>
+              <a:bodyPr wrap="none" rtlCol="0">
+                <a:spAutoFit/>
+              </a:bodyPr>
+              <a:lstStyle/>
+              <a:p>
+                <a:pPr/>
+                <a14:m>
+                  <m:oMathPara xmlns:m="http://schemas.openxmlformats.org/officeDocument/2006/math">
+                    <m:oMathParaPr>
+                      <m:jc m:val="centerGroup"/>
+                    </m:oMathParaPr>
+                    <m:oMath xmlns:m="http://schemas.openxmlformats.org/officeDocument/2006/math">
+                      <m:r>
+                        <a:rPr lang="en-US" altLang="ko-KR" sz="2400" b="0" i="1" smtClean="0">
+                          <a:latin typeface="Cambria Math" panose="02040503050406030204" pitchFamily="18" charset="0"/>
+                        </a:rPr>
+                        <m:t>𝐻</m:t>
+                      </m:r>
+                      <m:sSub>
+                        <m:sSubPr>
+                          <m:ctrlPr>
+                            <a:rPr lang="en-US" altLang="ko-KR" sz="2400" b="0" i="1" smtClean="0">
+                              <a:latin typeface="Cambria Math" panose="02040503050406030204" pitchFamily="18" charset="0"/>
+                            </a:rPr>
+                          </m:ctrlPr>
+                        </m:sSubPr>
+                        <m:e>
+                          <m:r>
+                            <a:rPr lang="en-US" altLang="ko-KR" sz="2400" b="0" i="1" smtClean="0">
+                              <a:latin typeface="Cambria Math" panose="02040503050406030204" pitchFamily="18" charset="0"/>
+                            </a:rPr>
+                            <m:t>𝑃</m:t>
+                          </m:r>
+                        </m:e>
+                        <m:sub>
+                          <m:r>
+                            <a:rPr lang="en-US" altLang="ko-KR" sz="2400" b="0" i="1" smtClean="0">
+                              <a:latin typeface="Cambria Math" panose="02040503050406030204" pitchFamily="18" charset="0"/>
+                            </a:rPr>
+                            <m:t>𝑡</m:t>
+                          </m:r>
+                        </m:sub>
+                      </m:sSub>
+                    </m:oMath>
+                  </m:oMathPara>
+                </a14:m>
+                <a:endParaRPr lang="en-US" altLang="ko-KR" sz="2400" b="0"/>
+              </a:p>
+            </p:txBody>
+          </p:sp>
+        </mc:Choice>
+        <mc:Fallback xmlns="">
+          <p:sp>
+            <p:nvSpPr>
+              <p:cNvPr id="56" name="TextBox 55">
+                <a:extLst>
+                  <a:ext uri="{FF2B5EF4-FFF2-40B4-BE49-F238E27FC236}">
+                    <a16:creationId xmlns:a16="http://schemas.microsoft.com/office/drawing/2014/main" id="{DB5A83C5-B81F-013F-BAFA-51AA3DC9AE46}"/>
+                  </a:ext>
+                </a:extLst>
+              </p:cNvPr>
+              <p:cNvSpPr txBox="1">
+                <a:spLocks noRot="1" noChangeAspect="1" noMove="1" noResize="1" noEditPoints="1" noAdjustHandles="1" noChangeArrowheads="1" noChangeShapeType="1" noTextEdit="1"/>
+              </p:cNvSpPr>
+              <p:nvPr/>
+            </p:nvSpPr>
+            <p:spPr>
+              <a:xfrm>
+                <a:off x="8874183" y="3269876"/>
+                <a:ext cx="802977" cy="461665"/>
+              </a:xfrm>
+              <a:prstGeom prst="rect">
+                <a:avLst/>
+              </a:prstGeom>
+              <a:blipFill>
+                <a:blip r:embed="rId12"/>
+                <a:stretch>
+                  <a:fillRect b="-3947"/>
+                </a:stretch>
+              </a:blipFill>
+            </p:spPr>
+            <p:txBody>
+              <a:bodyPr/>
+              <a:lstStyle/>
+              <a:p>
+                <a:r>
+                  <a:rPr lang="ko-KR" altLang="en-US">
+                    <a:noFill/>
+                  </a:rPr>
+                  <a:t> </a:t>
+                </a:r>
+              </a:p>
+            </p:txBody>
+          </p:sp>
+        </mc:Fallback>
+      </mc:AlternateContent>
+      <p:cxnSp>
+        <p:nvCxnSpPr>
+          <p:cNvPr id="57" name="직선 화살표 연결선 56">
+            <a:extLst>
+              <a:ext uri="{FF2B5EF4-FFF2-40B4-BE49-F238E27FC236}">
+                <a16:creationId xmlns:a16="http://schemas.microsoft.com/office/drawing/2014/main" id="{28457254-C187-DAB3-1A56-8F2817254771}"/>
+              </a:ext>
+            </a:extLst>
+          </p:cNvPr>
+          <p:cNvCxnSpPr/>
+          <p:nvPr/>
+        </p:nvCxnSpPr>
+        <p:spPr>
+          <a:xfrm>
+            <a:off x="7638445" y="3500708"/>
+            <a:ext cx="902897" cy="0"/>
+          </a:xfrm>
+          <a:prstGeom prst="straightConnector1">
+            <a:avLst/>
+          </a:prstGeom>
+          <a:ln>
+            <a:tailEnd type="triangle"/>
+          </a:ln>
+        </p:spPr>
+        <p:style>
+          <a:lnRef idx="2">
+            <a:schemeClr val="accent1"/>
+          </a:lnRef>
+          <a:fillRef idx="0">
+            <a:schemeClr val="accent1"/>
+          </a:fillRef>
+          <a:effectRef idx="1">
+            <a:schemeClr val="accent1"/>
+          </a:effectRef>
+          <a:fontRef idx="minor">
+            <a:schemeClr val="tx1"/>
+          </a:fontRef>
+        </p:style>
+      </p:cxnSp>
+      <p:sp>
+        <p:nvSpPr>
+          <p:cNvPr id="58" name="TextBox 57">
+            <a:extLst>
+              <a:ext uri="{FF2B5EF4-FFF2-40B4-BE49-F238E27FC236}">
+                <a16:creationId xmlns:a16="http://schemas.microsoft.com/office/drawing/2014/main" id="{8D6BF1E4-3C53-8EAA-E98A-6594332C91F8}"/>
+              </a:ext>
+            </a:extLst>
+          </p:cNvPr>
+          <p:cNvSpPr txBox="1"/>
+          <p:nvPr/>
+        </p:nvSpPr>
+        <p:spPr>
+          <a:xfrm>
+            <a:off x="6267236" y="582236"/>
+            <a:ext cx="958917" cy="369332"/>
+          </a:xfrm>
+          <a:prstGeom prst="rect">
+            <a:avLst/>
+          </a:prstGeom>
+          <a:noFill/>
+        </p:spPr>
+        <p:txBody>
+          <a:bodyPr wrap="none" rtlCol="0">
+            <a:spAutoFit/>
+          </a:bodyPr>
+          <a:lstStyle/>
+          <a:p>
+            <a:r>
+              <a:rPr lang="ko-KR" altLang="en-US"/>
+              <a:t>이동 전</a:t>
+            </a:r>
+          </a:p>
+        </p:txBody>
+      </p:sp>
+    </p:spTree>
+    <p:extLst>
+      <p:ext uri="{BB962C8B-B14F-4D97-AF65-F5344CB8AC3E}">
+        <p14:creationId xmlns:p14="http://schemas.microsoft.com/office/powerpoint/2010/main" val="136313343"/>
+      </p:ext>
+    </p:extLst>
+  </p:cSld>
+  <p:clrMapOvr>
+    <a:masterClrMapping/>
+  </p:clrMapOvr>
+</p:sld>
+</file>
+
+<file path=ppt/slides/slide30.xml><?xml version="1.0" encoding="utf-8"?>
 <p:sld xmlns:a="http://schemas.openxmlformats.org/drawingml/2006/main" xmlns:r="http://schemas.openxmlformats.org/officeDocument/2006/relationships" xmlns:p="http://schemas.openxmlformats.org/presentationml/2006/main">
   <p:cSld>
     <p:spTree>
@@ -27536,7 +26573,7 @@
 </p:sld>
 </file>
 
-<file path=ppt/slides/slide32.xml><?xml version="1.0" encoding="utf-8"?>
+<file path=ppt/slides/slide31.xml><?xml version="1.0" encoding="utf-8"?>
 <p:sld xmlns:a="http://schemas.openxmlformats.org/drawingml/2006/main" xmlns:r="http://schemas.openxmlformats.org/officeDocument/2006/relationships" xmlns:p="http://schemas.openxmlformats.org/presentationml/2006/main">
   <p:cSld>
     <p:spTree>
@@ -28621,7 +27658,7 @@
 </p:sld>
 </file>
 
-<file path=ppt/slides/slide33.xml><?xml version="1.0" encoding="utf-8"?>
+<file path=ppt/slides/slide32.xml><?xml version="1.0" encoding="utf-8"?>
 <p:sld xmlns:a="http://schemas.openxmlformats.org/drawingml/2006/main" xmlns:r="http://schemas.openxmlformats.org/officeDocument/2006/relationships" xmlns:p="http://schemas.openxmlformats.org/presentationml/2006/main">
   <p:cSld>
     <p:spTree>
@@ -28729,7 +27766,7 @@
 </p:sld>
 </file>
 
-<file path=ppt/slides/slide34.xml><?xml version="1.0" encoding="utf-8"?>
+<file path=ppt/slides/slide33.xml><?xml version="1.0" encoding="utf-8"?>
 <p:sld xmlns:a="http://schemas.openxmlformats.org/drawingml/2006/main" xmlns:r="http://schemas.openxmlformats.org/officeDocument/2006/relationships" xmlns:p="http://schemas.openxmlformats.org/presentationml/2006/main">
   <p:cSld>
     <p:spTree>
@@ -28769,7 +27806,7 @@
           <a:p>
             <a:r>
               <a:rPr lang="ko-KR" altLang="en-US"/>
-              <a:t>알고리즘의 시간 복잡도</a:t>
+              <a:t>알고리즘의 수행 시간</a:t>
             </a:r>
           </a:p>
         </p:txBody>
@@ -29069,96 +28106,6 @@
                           </m:sSup>
                         </m:den>
                       </m:f>
-                      <m:r>
-                        <a:rPr lang="en-US" altLang="ko-KR" b="0" i="1" smtClean="0">
-                          <a:latin typeface="Cambria Math" panose="02040503050406030204" pitchFamily="18" charset="0"/>
-                        </a:rPr>
-                        <m:t>~</m:t>
-                      </m:r>
-                      <m:f>
-                        <m:fPr>
-                          <m:ctrlPr>
-                            <a:rPr lang="en-US" altLang="ko-KR" b="0" i="1" smtClean="0">
-                              <a:latin typeface="Cambria Math" panose="02040503050406030204" pitchFamily="18" charset="0"/>
-                            </a:rPr>
-                          </m:ctrlPr>
-                        </m:fPr>
-                        <m:num>
-                          <m:r>
-                            <a:rPr lang="en-US" altLang="ko-KR" b="0" i="1" smtClean="0">
-                              <a:latin typeface="Cambria Math" panose="02040503050406030204" pitchFamily="18" charset="0"/>
-                            </a:rPr>
-                            <m:t>1</m:t>
-                          </m:r>
-                        </m:num>
-                        <m:den>
-                          <m:r>
-                            <a:rPr lang="en-US" altLang="ko-KR" b="0" i="1" smtClean="0">
-                              <a:latin typeface="Cambria Math" panose="02040503050406030204" pitchFamily="18" charset="0"/>
-                            </a:rPr>
-                            <m:t>𝜆</m:t>
-                          </m:r>
-                        </m:den>
-                      </m:f>
-                      <m:f>
-                        <m:fPr>
-                          <m:ctrlPr>
-                            <a:rPr lang="en-US" altLang="ko-KR" b="0" i="1" smtClean="0">
-                              <a:latin typeface="Cambria Math" panose="02040503050406030204" pitchFamily="18" charset="0"/>
-                            </a:rPr>
-                          </m:ctrlPr>
-                        </m:fPr>
-                        <m:num>
-                          <m:r>
-                            <a:rPr lang="en-US" altLang="ko-KR" b="0" i="1" smtClean="0">
-                              <a:latin typeface="Cambria Math" panose="02040503050406030204" pitchFamily="18" charset="0"/>
-                            </a:rPr>
-                            <m:t>1</m:t>
-                          </m:r>
-                        </m:num>
-                        <m:den>
-                          <m:sSup>
-                            <m:sSupPr>
-                              <m:ctrlPr>
-                                <a:rPr lang="en-US" altLang="ko-KR" b="0" i="1" smtClean="0">
-                                  <a:latin typeface="Cambria Math" panose="02040503050406030204" pitchFamily="18" charset="0"/>
-                                </a:rPr>
-                              </m:ctrlPr>
-                            </m:sSupPr>
-                            <m:e>
-                              <m:r>
-                                <a:rPr lang="en-US" altLang="ko-KR" b="0" i="1" smtClean="0">
-                                  <a:latin typeface="Cambria Math" panose="02040503050406030204" pitchFamily="18" charset="0"/>
-                                </a:rPr>
-                                <m:t>𝑁</m:t>
-                              </m:r>
-                            </m:e>
-                            <m:sup>
-                              <m:r>
-                                <a:rPr lang="en-US" altLang="ko-KR" b="0" i="1" smtClean="0">
-                                  <a:latin typeface="Cambria Math" panose="02040503050406030204" pitchFamily="18" charset="0"/>
-                                </a:rPr>
-                                <m:t>1</m:t>
-                              </m:r>
-                              <m:r>
-                                <m:rPr>
-                                  <m:lit/>
-                                </m:rPr>
-                                <a:rPr lang="en-US" altLang="ko-KR" b="0" i="1" smtClean="0">
-                                  <a:latin typeface="Cambria Math" panose="02040503050406030204" pitchFamily="18" charset="0"/>
-                                </a:rPr>
-                                <m:t>/</m:t>
-                              </m:r>
-                              <m:r>
-                                <a:rPr lang="en-US" altLang="ko-KR" b="0" i="1" smtClean="0">
-                                  <a:latin typeface="Cambria Math" panose="02040503050406030204" pitchFamily="18" charset="0"/>
-                                </a:rPr>
-                                <m:t>2</m:t>
-                              </m:r>
-                            </m:sup>
-                          </m:sSup>
-                        </m:den>
-                      </m:f>
                     </m:oMath>
                   </m:oMathPara>
                 </a14:m>
@@ -29252,7 +28199,7 @@
                         <a:rPr lang="en-US" altLang="ko-KR" b="0" i="1" smtClean="0">
                           <a:latin typeface="Cambria Math" panose="02040503050406030204" pitchFamily="18" charset="0"/>
                         </a:rPr>
-                        <m:t>=</m:t>
+                        <m:t>~</m:t>
                       </m:r>
                       <m:f>
                         <m:fPr>
@@ -29633,7 +28580,7 @@
 </p:sld>
 </file>
 
-<file path=ppt/slides/slide35.xml><?xml version="1.0" encoding="utf-8"?>
+<file path=ppt/slides/slide34.xml><?xml version="1.0" encoding="utf-8"?>
 <p:sld xmlns:a="http://schemas.openxmlformats.org/drawingml/2006/main" xmlns:r="http://schemas.openxmlformats.org/officeDocument/2006/relationships" xmlns:p="http://schemas.openxmlformats.org/presentationml/2006/main">
   <p:cSld>
     <p:spTree>
@@ -29832,7 +28779,15 @@
               <a:p>
                 <a:r>
                   <a:rPr lang="ko-KR" altLang="en-US" b="0"/>
-                  <a:t>따라서 시간 복잡도는 </a:t>
+                  <a:t>따라서 </a:t>
+                </a:r>
+                <a:r>
+                  <a:rPr lang="ko-KR" altLang="en-US"/>
+                  <a:t>수행 시간</a:t>
+                </a:r>
+                <a:r>
+                  <a:rPr lang="ko-KR" altLang="en-US" b="0"/>
+                  <a:t>는 </a:t>
                 </a:r>
                 <a14:m>
                   <m:oMath xmlns:m="http://schemas.openxmlformats.org/officeDocument/2006/math">
@@ -30148,7 +29103,7 @@
 </p:sld>
 </file>
 
-<file path=ppt/slides/slide36.xml><?xml version="1.0" encoding="utf-8"?>
+<file path=ppt/slides/slide35.xml><?xml version="1.0" encoding="utf-8"?>
 <p:sld xmlns:a="http://schemas.openxmlformats.org/drawingml/2006/main" xmlns:r="http://schemas.openxmlformats.org/officeDocument/2006/relationships" xmlns:p="http://schemas.openxmlformats.org/presentationml/2006/main">
   <p:cSld>
     <p:spTree>
@@ -31443,7 +30398,7 @@
 </p:sld>
 </file>
 
-<file path=ppt/slides/slide37.xml><?xml version="1.0" encoding="utf-8"?>
+<file path=ppt/slides/slide36.xml><?xml version="1.0" encoding="utf-8"?>
 <p:sld xmlns:a="http://schemas.openxmlformats.org/drawingml/2006/main" xmlns:r="http://schemas.openxmlformats.org/officeDocument/2006/relationships" xmlns:p="http://schemas.openxmlformats.org/presentationml/2006/main">
   <p:cSld>
     <p:spTree>
@@ -31548,8 +30503,8 @@
           <a:chExt cx="0" cy="0"/>
         </a:xfrm>
       </p:grpSpPr>
-      <mc:AlternateContent xmlns:mc="http://schemas.openxmlformats.org/markup-compatibility/2006">
-        <mc:Choice xmlns:a14="http://schemas.microsoft.com/office/drawing/2010/main" Requires="a14">
+      <mc:AlternateContent xmlns:mc="http://schemas.openxmlformats.org/markup-compatibility/2006" xmlns:a14="http://schemas.microsoft.com/office/drawing/2010/main">
+        <mc:Choice Requires="a14">
           <p:sp>
             <p:nvSpPr>
               <p:cNvPr id="3" name="내용 개체 틀 2">
@@ -32169,7 +31124,7 @@
             </p:txBody>
           </p:sp>
         </mc:Choice>
-        <mc:Fallback>
+        <mc:Fallback xmlns="">
           <p:sp>
             <p:nvSpPr>
               <p:cNvPr id="3" name="내용 개체 틀 2">
@@ -32249,8 +31204,8 @@
           <a:chExt cx="0" cy="0"/>
         </a:xfrm>
       </p:grpSpPr>
-      <mc:AlternateContent xmlns:mc="http://schemas.openxmlformats.org/markup-compatibility/2006">
-        <mc:Choice xmlns:a14="http://schemas.microsoft.com/office/drawing/2010/main" Requires="a14">
+      <mc:AlternateContent xmlns:mc="http://schemas.openxmlformats.org/markup-compatibility/2006" xmlns:a14="http://schemas.microsoft.com/office/drawing/2010/main">
+        <mc:Choice Requires="a14">
           <p:sp>
             <p:nvSpPr>
               <p:cNvPr id="3" name="내용 개체 틀 2">
@@ -33283,7 +32238,7 @@
             </p:txBody>
           </p:sp>
         </mc:Choice>
-        <mc:Fallback>
+        <mc:Fallback xmlns="">
           <p:sp>
             <p:nvSpPr>
               <p:cNvPr id="3" name="내용 개체 틀 2">
@@ -33363,8 +32318,8 @@
           <a:chExt cx="0" cy="0"/>
         </a:xfrm>
       </p:grpSpPr>
-      <mc:AlternateContent xmlns:mc="http://schemas.openxmlformats.org/markup-compatibility/2006">
-        <mc:Choice xmlns:a14="http://schemas.microsoft.com/office/drawing/2010/main" Requires="a14">
+      <mc:AlternateContent xmlns:mc="http://schemas.openxmlformats.org/markup-compatibility/2006" xmlns:a14="http://schemas.microsoft.com/office/drawing/2010/main">
+        <mc:Choice Requires="a14">
           <p:sp>
             <p:nvSpPr>
               <p:cNvPr id="3" name="내용 개체 틀 2">
@@ -33847,7 +32802,7 @@
             </p:txBody>
           </p:sp>
         </mc:Choice>
-        <mc:Fallback>
+        <mc:Fallback xmlns="">
           <p:sp>
             <p:nvSpPr>
               <p:cNvPr id="3" name="내용 개체 틀 2">
@@ -36861,10 +35816,10 @@
       </p:grpSpPr>
       <p:pic>
         <p:nvPicPr>
-          <p:cNvPr id="5" name="그림 4" descr="텍스트, 그래프, 라인, 도표이(가) 표시된 사진&#10;&#10;AI 생성 콘텐츠는 정확하지 않을 수 있습니다.">
+          <p:cNvPr id="2" name="그림 1" descr="텍스트, 그래프, 라인, 도표이(가) 표시된 사진&#10;&#10;AI 생성 콘텐츠는 정확하지 않을 수 있습니다.">
             <a:extLst>
               <a:ext uri="{FF2B5EF4-FFF2-40B4-BE49-F238E27FC236}">
-                <a16:creationId xmlns:a16="http://schemas.microsoft.com/office/drawing/2014/main" id="{57BE6A72-673E-667E-33F2-79BA3ED22D74}"/>
+                <a16:creationId xmlns:a16="http://schemas.microsoft.com/office/drawing/2014/main" id="{B4DDCAA1-FA10-14D3-2C1A-8AE1C478B14A}"/>
               </a:ext>
             </a:extLst>
           </p:cNvPr>
@@ -36881,7 +35836,7 @@
         </p:blipFill>
         <p:spPr>
           <a:xfrm>
-            <a:off x="1895444" y="681017"/>
+            <a:off x="1895444" y="801787"/>
             <a:ext cx="8401111" cy="5495965"/>
           </a:xfrm>
           <a:prstGeom prst="rect">
@@ -36889,16 +35844,728 @@
           </a:prstGeom>
         </p:spPr>
       </p:pic>
+      <p:cxnSp>
+        <p:nvCxnSpPr>
+          <p:cNvPr id="5" name="직선 화살표 연결선 4">
+            <a:extLst>
+              <a:ext uri="{FF2B5EF4-FFF2-40B4-BE49-F238E27FC236}">
+                <a16:creationId xmlns:a16="http://schemas.microsoft.com/office/drawing/2014/main" id="{8D12206E-BF0C-50DB-08F3-EF15A76F26AF}"/>
+              </a:ext>
+            </a:extLst>
+          </p:cNvPr>
+          <p:cNvCxnSpPr>
+            <a:cxnSpLocks/>
+          </p:cNvCxnSpPr>
+          <p:nvPr/>
+        </p:nvCxnSpPr>
+        <p:spPr>
+          <a:xfrm>
+            <a:off x="5773947" y="3163019"/>
+            <a:ext cx="1052423" cy="0"/>
+          </a:xfrm>
+          <a:prstGeom prst="straightConnector1">
+            <a:avLst/>
+          </a:prstGeom>
+          <a:ln w="76200">
+            <a:solidFill>
+              <a:schemeClr val="accent2"/>
+            </a:solidFill>
+            <a:headEnd type="triangle"/>
+            <a:tailEnd type="triangle"/>
+          </a:ln>
+        </p:spPr>
+        <p:style>
+          <a:lnRef idx="2">
+            <a:schemeClr val="accent1"/>
+          </a:lnRef>
+          <a:fillRef idx="0">
+            <a:schemeClr val="accent1"/>
+          </a:fillRef>
+          <a:effectRef idx="1">
+            <a:schemeClr val="accent1"/>
+          </a:effectRef>
+          <a:fontRef idx="minor">
+            <a:schemeClr val="tx1"/>
+          </a:fontRef>
+        </p:style>
+      </p:cxnSp>
+      <mc:AlternateContent xmlns:mc="http://schemas.openxmlformats.org/markup-compatibility/2006" xmlns:a14="http://schemas.microsoft.com/office/drawing/2010/main">
+        <mc:Choice Requires="a14">
+          <p:sp>
+            <p:nvSpPr>
+              <p:cNvPr id="8" name="TextBox 7">
+                <a:extLst>
+                  <a:ext uri="{FF2B5EF4-FFF2-40B4-BE49-F238E27FC236}">
+                    <a16:creationId xmlns:a16="http://schemas.microsoft.com/office/drawing/2014/main" id="{67FADD3D-62BE-3E1F-B79D-E90D946789CF}"/>
+                  </a:ext>
+                </a:extLst>
+              </p:cNvPr>
+              <p:cNvSpPr txBox="1"/>
+              <p:nvPr/>
+            </p:nvSpPr>
+            <p:spPr>
+              <a:xfrm>
+                <a:off x="5934973" y="3269409"/>
+                <a:ext cx="1564257" cy="483081"/>
+              </a:xfrm>
+              <a:prstGeom prst="rect">
+                <a:avLst/>
+              </a:prstGeom>
+              <a:noFill/>
+            </p:spPr>
+            <p:txBody>
+              <a:bodyPr wrap="square">
+                <a:spAutoFit/>
+              </a:bodyPr>
+              <a:lstStyle/>
+              <a:p>
+                <a14:m>
+                  <m:oMath xmlns:m="http://schemas.openxmlformats.org/officeDocument/2006/math">
+                    <m:rad>
+                      <m:radPr>
+                        <m:degHide m:val="on"/>
+                        <m:ctrlPr>
+                          <a:rPr lang="en-US" altLang="ko-KR" sz="2400" b="1" i="1" smtClean="0">
+                            <a:latin typeface="Cambria Math" panose="02040503050406030204" pitchFamily="18" charset="0"/>
+                          </a:rPr>
+                        </m:ctrlPr>
+                      </m:radPr>
+                      <m:deg/>
+                      <m:e>
+                        <m:r>
+                          <a:rPr lang="en-US" altLang="ko-KR" sz="2400" b="1" i="1" smtClean="0">
+                            <a:latin typeface="Cambria Math" panose="02040503050406030204" pitchFamily="18" charset="0"/>
+                          </a:rPr>
+                          <m:t>𝒕</m:t>
+                        </m:r>
+                      </m:e>
+                    </m:rad>
+                  </m:oMath>
+                </a14:m>
+                <a:r>
+                  <a:rPr lang="ko-KR" altLang="en-US" sz="2400" b="1"/>
+                  <a:t>에 비례</a:t>
+                </a:r>
+              </a:p>
+            </p:txBody>
+          </p:sp>
+        </mc:Choice>
+        <mc:Fallback xmlns="">
+          <p:sp>
+            <p:nvSpPr>
+              <p:cNvPr id="8" name="TextBox 7">
+                <a:extLst>
+                  <a:ext uri="{FF2B5EF4-FFF2-40B4-BE49-F238E27FC236}">
+                    <a16:creationId xmlns:a16="http://schemas.microsoft.com/office/drawing/2014/main" id="{67FADD3D-62BE-3E1F-B79D-E90D946789CF}"/>
+                  </a:ext>
+                </a:extLst>
+              </p:cNvPr>
+              <p:cNvSpPr txBox="1">
+                <a:spLocks noRot="1" noChangeAspect="1" noMove="1" noResize="1" noEditPoints="1" noAdjustHandles="1" noChangeArrowheads="1" noChangeShapeType="1" noTextEdit="1"/>
+              </p:cNvSpPr>
+              <p:nvPr/>
+            </p:nvSpPr>
+            <p:spPr>
+              <a:xfrm>
+                <a:off x="5934973" y="3269409"/>
+                <a:ext cx="1564257" cy="483081"/>
+              </a:xfrm>
+              <a:prstGeom prst="rect">
+                <a:avLst/>
+              </a:prstGeom>
+              <a:blipFill>
+                <a:blip r:embed="rId3"/>
+                <a:stretch>
+                  <a:fillRect t="-5000" r="-4297" b="-27500"/>
+                </a:stretch>
+              </a:blipFill>
+            </p:spPr>
+            <p:txBody>
+              <a:bodyPr/>
+              <a:lstStyle/>
+              <a:p>
+                <a:r>
+                  <a:rPr lang="ko-KR" altLang="en-US">
+                    <a:noFill/>
+                  </a:rPr>
+                  <a:t> </a:t>
+                </a:r>
+              </a:p>
+            </p:txBody>
+          </p:sp>
+        </mc:Fallback>
+      </mc:AlternateContent>
+      <p:cxnSp>
+        <p:nvCxnSpPr>
+          <p:cNvPr id="10" name="직선 화살표 연결선 9">
+            <a:extLst>
+              <a:ext uri="{FF2B5EF4-FFF2-40B4-BE49-F238E27FC236}">
+                <a16:creationId xmlns:a16="http://schemas.microsoft.com/office/drawing/2014/main" id="{55D18B59-4034-BBF3-C059-C2170FFFB151}"/>
+              </a:ext>
+            </a:extLst>
+          </p:cNvPr>
+          <p:cNvCxnSpPr/>
+          <p:nvPr/>
+        </p:nvCxnSpPr>
+        <p:spPr>
+          <a:xfrm>
+            <a:off x="5641675" y="1460740"/>
+            <a:ext cx="0" cy="1581509"/>
+          </a:xfrm>
+          <a:prstGeom prst="straightConnector1">
+            <a:avLst/>
+          </a:prstGeom>
+          <a:ln w="76200">
+            <a:solidFill>
+              <a:schemeClr val="accent6"/>
+            </a:solidFill>
+            <a:headEnd type="triangle"/>
+            <a:tailEnd type="triangle"/>
+          </a:ln>
+        </p:spPr>
+        <p:style>
+          <a:lnRef idx="2">
+            <a:schemeClr val="accent1"/>
+          </a:lnRef>
+          <a:fillRef idx="0">
+            <a:schemeClr val="accent1"/>
+          </a:fillRef>
+          <a:effectRef idx="1">
+            <a:schemeClr val="accent1"/>
+          </a:effectRef>
+          <a:fontRef idx="minor">
+            <a:schemeClr val="tx1"/>
+          </a:fontRef>
+        </p:style>
+      </p:cxnSp>
+      <p:sp>
+        <p:nvSpPr>
+          <p:cNvPr id="11" name="TextBox 10">
+            <a:extLst>
+              <a:ext uri="{FF2B5EF4-FFF2-40B4-BE49-F238E27FC236}">
+                <a16:creationId xmlns:a16="http://schemas.microsoft.com/office/drawing/2014/main" id="{556CB562-D458-B15E-E5CF-9DC5713F5D9C}"/>
+              </a:ext>
+            </a:extLst>
+          </p:cNvPr>
+          <p:cNvSpPr txBox="1"/>
+          <p:nvPr/>
+        </p:nvSpPr>
+        <p:spPr>
+          <a:xfrm>
+            <a:off x="3812876" y="2020661"/>
+            <a:ext cx="1828799" cy="830997"/>
+          </a:xfrm>
+          <a:prstGeom prst="rect">
+            <a:avLst/>
+          </a:prstGeom>
+          <a:noFill/>
+        </p:spPr>
+        <p:txBody>
+          <a:bodyPr wrap="square">
+            <a:spAutoFit/>
+          </a:bodyPr>
+          <a:lstStyle/>
+          <a:p>
+            <a:r>
+              <a:rPr lang="ko-KR" altLang="en-US" sz="2400" b="1"/>
+              <a:t>전체 높이의 </a:t>
+            </a:r>
+            <a:r>
+              <a:rPr lang="en-US" altLang="ko-KR" sz="2400" b="1"/>
+              <a:t>k</a:t>
+            </a:r>
+            <a:r>
+              <a:rPr lang="ko-KR" altLang="en-US" sz="2400" b="1"/>
+              <a:t>배</a:t>
+            </a:r>
+          </a:p>
+        </p:txBody>
+      </p:sp>
+      <p:sp>
+        <p:nvSpPr>
+          <p:cNvPr id="12" name="직사각형 11">
+            <a:extLst>
+              <a:ext uri="{FF2B5EF4-FFF2-40B4-BE49-F238E27FC236}">
+                <a16:creationId xmlns:a16="http://schemas.microsoft.com/office/drawing/2014/main" id="{4CE077F9-C520-FDC7-DE45-8EB015DFB2BE}"/>
+              </a:ext>
+            </a:extLst>
+          </p:cNvPr>
+          <p:cNvSpPr/>
+          <p:nvPr/>
+        </p:nvSpPr>
+        <p:spPr>
+          <a:xfrm>
+            <a:off x="5773948" y="1460740"/>
+            <a:ext cx="1052422" cy="1581503"/>
+          </a:xfrm>
+          <a:prstGeom prst="rect">
+            <a:avLst/>
+          </a:prstGeom>
+          <a:solidFill>
+            <a:schemeClr val="accent1">
+              <a:alpha val="25000"/>
+            </a:schemeClr>
+          </a:solidFill>
+        </p:spPr>
+        <p:style>
+          <a:lnRef idx="2">
+            <a:schemeClr val="accent1">
+              <a:shade val="15000"/>
+            </a:schemeClr>
+          </a:lnRef>
+          <a:fillRef idx="1">
+            <a:schemeClr val="accent1"/>
+          </a:fillRef>
+          <a:effectRef idx="0">
+            <a:schemeClr val="accent1"/>
+          </a:effectRef>
+          <a:fontRef idx="minor">
+            <a:schemeClr val="lt1"/>
+          </a:fontRef>
+        </p:style>
+        <p:txBody>
+          <a:bodyPr rtlCol="0" anchor="ctr"/>
+          <a:lstStyle/>
+          <a:p>
+            <a:pPr algn="ctr"/>
+            <a:endParaRPr lang="ko-KR" altLang="en-US"/>
+          </a:p>
+        </p:txBody>
+      </p:sp>
+      <p:cxnSp>
+        <p:nvCxnSpPr>
+          <p:cNvPr id="14" name="직선 화살표 연결선 13">
+            <a:extLst>
+              <a:ext uri="{FF2B5EF4-FFF2-40B4-BE49-F238E27FC236}">
+                <a16:creationId xmlns:a16="http://schemas.microsoft.com/office/drawing/2014/main" id="{89EE524E-1D98-074A-A727-A497E475B9EC}"/>
+              </a:ext>
+            </a:extLst>
+          </p:cNvPr>
+          <p:cNvCxnSpPr/>
+          <p:nvPr/>
+        </p:nvCxnSpPr>
+        <p:spPr>
+          <a:xfrm flipV="1">
+            <a:off x="6464060" y="2231366"/>
+            <a:ext cx="1869057" cy="143774"/>
+          </a:xfrm>
+          <a:prstGeom prst="straightConnector1">
+            <a:avLst/>
+          </a:prstGeom>
+          <a:ln w="38100">
+            <a:solidFill>
+              <a:schemeClr val="tx1"/>
+            </a:solidFill>
+            <a:tailEnd type="triangle"/>
+          </a:ln>
+        </p:spPr>
+        <p:style>
+          <a:lnRef idx="2">
+            <a:schemeClr val="accent1"/>
+          </a:lnRef>
+          <a:fillRef idx="0">
+            <a:schemeClr val="accent1"/>
+          </a:fillRef>
+          <a:effectRef idx="1">
+            <a:schemeClr val="accent1"/>
+          </a:effectRef>
+          <a:fontRef idx="minor">
+            <a:schemeClr val="tx1"/>
+          </a:fontRef>
+        </p:style>
+      </p:cxnSp>
+      <p:sp>
+        <p:nvSpPr>
+          <p:cNvPr id="16" name="TextBox 15">
+            <a:extLst>
+              <a:ext uri="{FF2B5EF4-FFF2-40B4-BE49-F238E27FC236}">
+                <a16:creationId xmlns:a16="http://schemas.microsoft.com/office/drawing/2014/main" id="{B53DA2CC-89C9-A124-B249-63341E6FBA6D}"/>
+              </a:ext>
+            </a:extLst>
+          </p:cNvPr>
+          <p:cNvSpPr txBox="1"/>
+          <p:nvPr/>
+        </p:nvSpPr>
+        <p:spPr>
+          <a:xfrm>
+            <a:off x="8269855" y="2066827"/>
+            <a:ext cx="1846054" cy="461665"/>
+          </a:xfrm>
+          <a:prstGeom prst="rect">
+            <a:avLst/>
+          </a:prstGeom>
+          <a:noFill/>
+        </p:spPr>
+        <p:txBody>
+          <a:bodyPr wrap="square">
+            <a:spAutoFit/>
+          </a:bodyPr>
+          <a:lstStyle/>
+          <a:p>
+            <a:r>
+              <a:rPr lang="en-US" altLang="ko-KR" sz="2400" b="1"/>
+              <a:t>“</a:t>
+            </a:r>
+            <a:r>
+              <a:rPr lang="ko-KR" altLang="en-US" sz="2400" b="1"/>
+              <a:t>고른</a:t>
+            </a:r>
+            <a:r>
+              <a:rPr lang="en-US" altLang="ko-KR" sz="2400" b="1"/>
+              <a:t>” </a:t>
+            </a:r>
+            <a:r>
+              <a:rPr lang="ko-KR" altLang="en-US" sz="2400" b="1"/>
+              <a:t>분포</a:t>
+            </a:r>
+          </a:p>
+        </p:txBody>
+      </p:sp>
     </p:spTree>
     <p:extLst>
       <p:ext uri="{BB962C8B-B14F-4D97-AF65-F5344CB8AC3E}">
-        <p14:creationId xmlns:p14="http://schemas.microsoft.com/office/powerpoint/2010/main" val="2318185832"/>
+        <p14:creationId xmlns:p14="http://schemas.microsoft.com/office/powerpoint/2010/main" val="1663634084"/>
       </p:ext>
     </p:extLst>
   </p:cSld>
   <p:clrMapOvr>
     <a:masterClrMapping/>
   </p:clrMapOvr>
+  <p:timing>
+    <p:tnLst>
+      <p:par>
+        <p:cTn id="1" dur="indefinite" restart="never" nodeType="tmRoot">
+          <p:childTnLst>
+            <p:seq concurrent="1" nextAc="seek">
+              <p:cTn id="2" dur="indefinite" nodeType="mainSeq">
+                <p:childTnLst>
+                  <p:par>
+                    <p:cTn id="3" fill="hold">
+                      <p:stCondLst>
+                        <p:cond delay="indefinite"/>
+                      </p:stCondLst>
+                      <p:childTnLst>
+                        <p:par>
+                          <p:cTn id="4" fill="hold">
+                            <p:stCondLst>
+                              <p:cond delay="0"/>
+                            </p:stCondLst>
+                            <p:childTnLst>
+                              <p:par>
+                                <p:cTn id="5" presetID="10" presetClass="entr" presetSubtype="0" fill="hold" grpId="0" nodeType="clickEffect">
+                                  <p:stCondLst>
+                                    <p:cond delay="0"/>
+                                  </p:stCondLst>
+                                  <p:childTnLst>
+                                    <p:set>
+                                      <p:cBhvr>
+                                        <p:cTn id="6" dur="1" fill="hold">
+                                          <p:stCondLst>
+                                            <p:cond delay="0"/>
+                                          </p:stCondLst>
+                                        </p:cTn>
+                                        <p:tgtEl>
+                                          <p:spTgt spid="12"/>
+                                        </p:tgtEl>
+                                        <p:attrNameLst>
+                                          <p:attrName>style.visibility</p:attrName>
+                                        </p:attrNameLst>
+                                      </p:cBhvr>
+                                      <p:to>
+                                        <p:strVal val="visible"/>
+                                      </p:to>
+                                    </p:set>
+                                    <p:animEffect transition="in" filter="fade">
+                                      <p:cBhvr>
+                                        <p:cTn id="7" dur="500"/>
+                                        <p:tgtEl>
+                                          <p:spTgt spid="12"/>
+                                        </p:tgtEl>
+                                      </p:cBhvr>
+                                    </p:animEffect>
+                                  </p:childTnLst>
+                                </p:cTn>
+                              </p:par>
+                              <p:par>
+                                <p:cTn id="8" presetID="10" presetClass="entr" presetSubtype="0" fill="hold" nodeType="withEffect">
+                                  <p:stCondLst>
+                                    <p:cond delay="0"/>
+                                  </p:stCondLst>
+                                  <p:childTnLst>
+                                    <p:set>
+                                      <p:cBhvr>
+                                        <p:cTn id="9" dur="1" fill="hold">
+                                          <p:stCondLst>
+                                            <p:cond delay="0"/>
+                                          </p:stCondLst>
+                                        </p:cTn>
+                                        <p:tgtEl>
+                                          <p:spTgt spid="14"/>
+                                        </p:tgtEl>
+                                        <p:attrNameLst>
+                                          <p:attrName>style.visibility</p:attrName>
+                                        </p:attrNameLst>
+                                      </p:cBhvr>
+                                      <p:to>
+                                        <p:strVal val="visible"/>
+                                      </p:to>
+                                    </p:set>
+                                    <p:animEffect transition="in" filter="fade">
+                                      <p:cBhvr>
+                                        <p:cTn id="10" dur="500"/>
+                                        <p:tgtEl>
+                                          <p:spTgt spid="14"/>
+                                        </p:tgtEl>
+                                      </p:cBhvr>
+                                    </p:animEffect>
+                                  </p:childTnLst>
+                                </p:cTn>
+                              </p:par>
+                              <p:par>
+                                <p:cTn id="11" presetID="10" presetClass="entr" presetSubtype="0" fill="hold" grpId="0" nodeType="withEffect">
+                                  <p:stCondLst>
+                                    <p:cond delay="0"/>
+                                  </p:stCondLst>
+                                  <p:childTnLst>
+                                    <p:set>
+                                      <p:cBhvr>
+                                        <p:cTn id="12" dur="1" fill="hold">
+                                          <p:stCondLst>
+                                            <p:cond delay="0"/>
+                                          </p:stCondLst>
+                                        </p:cTn>
+                                        <p:tgtEl>
+                                          <p:spTgt spid="16"/>
+                                        </p:tgtEl>
+                                        <p:attrNameLst>
+                                          <p:attrName>style.visibility</p:attrName>
+                                        </p:attrNameLst>
+                                      </p:cBhvr>
+                                      <p:to>
+                                        <p:strVal val="visible"/>
+                                      </p:to>
+                                    </p:set>
+                                    <p:animEffect transition="in" filter="fade">
+                                      <p:cBhvr>
+                                        <p:cTn id="13" dur="500"/>
+                                        <p:tgtEl>
+                                          <p:spTgt spid="16"/>
+                                        </p:tgtEl>
+                                      </p:cBhvr>
+                                    </p:animEffect>
+                                  </p:childTnLst>
+                                </p:cTn>
+                              </p:par>
+                            </p:childTnLst>
+                          </p:cTn>
+                        </p:par>
+                      </p:childTnLst>
+                    </p:cTn>
+                  </p:par>
+                  <p:par>
+                    <p:cTn id="14" fill="hold">
+                      <p:stCondLst>
+                        <p:cond delay="indefinite"/>
+                      </p:stCondLst>
+                      <p:childTnLst>
+                        <p:par>
+                          <p:cTn id="15" fill="hold">
+                            <p:stCondLst>
+                              <p:cond delay="0"/>
+                            </p:stCondLst>
+                            <p:childTnLst>
+                              <p:par>
+                                <p:cTn id="16" presetID="10" presetClass="entr" presetSubtype="0" fill="hold" nodeType="clickEffect">
+                                  <p:stCondLst>
+                                    <p:cond delay="0"/>
+                                  </p:stCondLst>
+                                  <p:childTnLst>
+                                    <p:set>
+                                      <p:cBhvr>
+                                        <p:cTn id="17" dur="1" fill="hold">
+                                          <p:stCondLst>
+                                            <p:cond delay="0"/>
+                                          </p:stCondLst>
+                                        </p:cTn>
+                                        <p:tgtEl>
+                                          <p:spTgt spid="10"/>
+                                        </p:tgtEl>
+                                        <p:attrNameLst>
+                                          <p:attrName>style.visibility</p:attrName>
+                                        </p:attrNameLst>
+                                      </p:cBhvr>
+                                      <p:to>
+                                        <p:strVal val="visible"/>
+                                      </p:to>
+                                    </p:set>
+                                    <p:animEffect transition="in" filter="fade">
+                                      <p:cBhvr>
+                                        <p:cTn id="18" dur="500"/>
+                                        <p:tgtEl>
+                                          <p:spTgt spid="10"/>
+                                        </p:tgtEl>
+                                      </p:cBhvr>
+                                    </p:animEffect>
+                                  </p:childTnLst>
+                                </p:cTn>
+                              </p:par>
+                              <p:par>
+                                <p:cTn id="19" presetID="10" presetClass="entr" presetSubtype="0" fill="hold" grpId="0" nodeType="withEffect">
+                                  <p:stCondLst>
+                                    <p:cond delay="0"/>
+                                  </p:stCondLst>
+                                  <p:childTnLst>
+                                    <p:set>
+                                      <p:cBhvr>
+                                        <p:cTn id="20" dur="1" fill="hold">
+                                          <p:stCondLst>
+                                            <p:cond delay="0"/>
+                                          </p:stCondLst>
+                                        </p:cTn>
+                                        <p:tgtEl>
+                                          <p:spTgt spid="11"/>
+                                        </p:tgtEl>
+                                        <p:attrNameLst>
+                                          <p:attrName>style.visibility</p:attrName>
+                                        </p:attrNameLst>
+                                      </p:cBhvr>
+                                      <p:to>
+                                        <p:strVal val="visible"/>
+                                      </p:to>
+                                    </p:set>
+                                    <p:animEffect transition="in" filter="fade">
+                                      <p:cBhvr>
+                                        <p:cTn id="21" dur="500"/>
+                                        <p:tgtEl>
+                                          <p:spTgt spid="11"/>
+                                        </p:tgtEl>
+                                      </p:cBhvr>
+                                    </p:animEffect>
+                                  </p:childTnLst>
+                                </p:cTn>
+                              </p:par>
+                            </p:childTnLst>
+                          </p:cTn>
+                        </p:par>
+                      </p:childTnLst>
+                    </p:cTn>
+                  </p:par>
+                  <p:par>
+                    <p:cTn id="22" fill="hold">
+                      <p:stCondLst>
+                        <p:cond delay="indefinite"/>
+                      </p:stCondLst>
+                      <p:childTnLst>
+                        <p:par>
+                          <p:cTn id="23" fill="hold">
+                            <p:stCondLst>
+                              <p:cond delay="0"/>
+                            </p:stCondLst>
+                            <p:childTnLst>
+                              <p:par>
+                                <p:cTn id="24" presetID="10" presetClass="entr" presetSubtype="0" fill="hold" nodeType="clickEffect">
+                                  <p:stCondLst>
+                                    <p:cond delay="0"/>
+                                  </p:stCondLst>
+                                  <p:childTnLst>
+                                    <p:set>
+                                      <p:cBhvr>
+                                        <p:cTn id="25" dur="1" fill="hold">
+                                          <p:stCondLst>
+                                            <p:cond delay="0"/>
+                                          </p:stCondLst>
+                                        </p:cTn>
+                                        <p:tgtEl>
+                                          <p:spTgt spid="5"/>
+                                        </p:tgtEl>
+                                        <p:attrNameLst>
+                                          <p:attrName>style.visibility</p:attrName>
+                                        </p:attrNameLst>
+                                      </p:cBhvr>
+                                      <p:to>
+                                        <p:strVal val="visible"/>
+                                      </p:to>
+                                    </p:set>
+                                    <p:animEffect transition="in" filter="fade">
+                                      <p:cBhvr>
+                                        <p:cTn id="26" dur="500"/>
+                                        <p:tgtEl>
+                                          <p:spTgt spid="5"/>
+                                        </p:tgtEl>
+                                      </p:cBhvr>
+                                    </p:animEffect>
+                                  </p:childTnLst>
+                                </p:cTn>
+                              </p:par>
+                              <p:par>
+                                <p:cTn id="27" presetID="10" presetClass="entr" presetSubtype="0" fill="hold" grpId="0" nodeType="withEffect">
+                                  <p:stCondLst>
+                                    <p:cond delay="0"/>
+                                  </p:stCondLst>
+                                  <p:childTnLst>
+                                    <p:set>
+                                      <p:cBhvr>
+                                        <p:cTn id="28" dur="1" fill="hold">
+                                          <p:stCondLst>
+                                            <p:cond delay="0"/>
+                                          </p:stCondLst>
+                                        </p:cTn>
+                                        <p:tgtEl>
+                                          <p:spTgt spid="8"/>
+                                        </p:tgtEl>
+                                        <p:attrNameLst>
+                                          <p:attrName>style.visibility</p:attrName>
+                                        </p:attrNameLst>
+                                      </p:cBhvr>
+                                      <p:to>
+                                        <p:strVal val="visible"/>
+                                      </p:to>
+                                    </p:set>
+                                    <p:animEffect transition="in" filter="fade">
+                                      <p:cBhvr>
+                                        <p:cTn id="29" dur="500"/>
+                                        <p:tgtEl>
+                                          <p:spTgt spid="8"/>
+                                        </p:tgtEl>
+                                      </p:cBhvr>
+                                    </p:animEffect>
+                                  </p:childTnLst>
+                                </p:cTn>
+                              </p:par>
+                            </p:childTnLst>
+                          </p:cTn>
+                        </p:par>
+                      </p:childTnLst>
+                    </p:cTn>
+                  </p:par>
+                </p:childTnLst>
+              </p:cTn>
+              <p:prevCondLst>
+                <p:cond evt="onPrev" delay="0">
+                  <p:tgtEl>
+                    <p:sldTgt/>
+                  </p:tgtEl>
+                </p:cond>
+              </p:prevCondLst>
+              <p:nextCondLst>
+                <p:cond evt="onNext" delay="0">
+                  <p:tgtEl>
+                    <p:sldTgt/>
+                  </p:tgtEl>
+                </p:cond>
+              </p:nextCondLst>
+            </p:seq>
+          </p:childTnLst>
+        </p:cTn>
+      </p:par>
+    </p:tnLst>
+    <p:bldLst>
+      <p:bldP spid="8" grpId="0"/>
+      <p:bldP spid="11" grpId="0"/>
+      <p:bldP spid="12" grpId="0" animBg="1"/>
+      <p:bldP spid="16" grpId="0"/>
+    </p:bldLst>
+  </p:timing>
 </p:sld>
 </file>
 
